--- a/c云服务架构/Saas架构设计.pptx
+++ b/c云服务架构/Saas架构设计.pptx
@@ -5,7 +5,7 @@
     <p:sldMasterId id="2147483684" r:id="rId1"/>
   </p:sldMasterIdLst>
   <p:notesMasterIdLst>
-    <p:notesMasterId r:id="rId11"/>
+    <p:notesMasterId r:id="rId13"/>
   </p:notesMasterIdLst>
   <p:sldIdLst>
     <p:sldId id="256" r:id="rId2"/>
@@ -13,10 +13,12 @@
     <p:sldId id="307" r:id="rId4"/>
     <p:sldId id="311" r:id="rId5"/>
     <p:sldId id="308" r:id="rId6"/>
-    <p:sldId id="309" r:id="rId7"/>
-    <p:sldId id="310" r:id="rId8"/>
-    <p:sldId id="279" r:id="rId9"/>
-    <p:sldId id="264" r:id="rId10"/>
+    <p:sldId id="312" r:id="rId7"/>
+    <p:sldId id="313" r:id="rId8"/>
+    <p:sldId id="309" r:id="rId9"/>
+    <p:sldId id="310" r:id="rId10"/>
+    <p:sldId id="279" r:id="rId11"/>
+    <p:sldId id="264" r:id="rId12"/>
   </p:sldIdLst>
   <p:sldSz cx="13004800" cy="8623300"/>
   <p:notesSz cx="6858000" cy="9144000"/>
@@ -200,7 +202,7 @@
           <a:p>
             <a:fld id="{FCF34936-9BE8-4133-A782-55B70958D9F1}" type="datetimeFigureOut">
               <a:rPr lang="zh-CN" altLang="en-US" smtClean="0"/>
-              <a:t>2017/4/5</a:t>
+              <a:t>2017/4/6</a:t>
             </a:fld>
             <a:endParaRPr lang="zh-CN" altLang="en-US"/>
           </a:p>
@@ -972,6 +974,174 @@
 </p:notes>
 </file>
 
+<file path=ppt/notesSlides/notesSlide7.xml><?xml version="1.0" encoding="utf-8"?>
+<p:notes xmlns:a="http://schemas.openxmlformats.org/drawingml/2006/main" xmlns:r="http://schemas.openxmlformats.org/officeDocument/2006/relationships" xmlns:p="http://schemas.openxmlformats.org/presentationml/2006/main">
+  <p:cSld>
+    <p:spTree>
+      <p:nvGrpSpPr>
+        <p:cNvPr id="1" name=""/>
+        <p:cNvGrpSpPr/>
+        <p:nvPr/>
+      </p:nvGrpSpPr>
+      <p:grpSpPr>
+        <a:xfrm>
+          <a:off x="0" y="0"/>
+          <a:ext cx="0" cy="0"/>
+          <a:chOff x="0" y="0"/>
+          <a:chExt cx="0" cy="0"/>
+        </a:xfrm>
+      </p:grpSpPr>
+      <p:sp>
+        <p:nvSpPr>
+          <p:cNvPr id="2" name="幻灯片图像占位符 1"/>
+          <p:cNvSpPr>
+            <a:spLocks noGrp="1" noRot="1" noChangeAspect="1"/>
+          </p:cNvSpPr>
+          <p:nvPr>
+            <p:ph type="sldImg"/>
+          </p:nvPr>
+        </p:nvSpPr>
+        <p:spPr/>
+      </p:sp>
+      <p:sp>
+        <p:nvSpPr>
+          <p:cNvPr id="3" name="备注占位符 2"/>
+          <p:cNvSpPr>
+            <a:spLocks noGrp="1"/>
+          </p:cNvSpPr>
+          <p:nvPr>
+            <p:ph type="body" idx="1"/>
+          </p:nvPr>
+        </p:nvSpPr>
+        <p:spPr/>
+        <p:txBody>
+          <a:bodyPr/>
+          <a:lstStyle/>
+          <a:p>
+            <a:endParaRPr lang="zh-CN" altLang="en-US" dirty="0"/>
+          </a:p>
+        </p:txBody>
+      </p:sp>
+      <p:sp>
+        <p:nvSpPr>
+          <p:cNvPr id="4" name="灯片编号占位符 3"/>
+          <p:cNvSpPr>
+            <a:spLocks noGrp="1"/>
+          </p:cNvSpPr>
+          <p:nvPr>
+            <p:ph type="sldNum" sz="quarter" idx="10"/>
+          </p:nvPr>
+        </p:nvSpPr>
+        <p:spPr/>
+        <p:txBody>
+          <a:bodyPr/>
+          <a:lstStyle/>
+          <a:p>
+            <a:fld id="{7E93476A-C8EF-4948-84D8-CD0A70688003}" type="slidenum">
+              <a:rPr lang="zh-CN" altLang="en-US" smtClean="0"/>
+              <a:t>8</a:t>
+            </a:fld>
+            <a:endParaRPr lang="zh-CN" altLang="en-US"/>
+          </a:p>
+        </p:txBody>
+      </p:sp>
+    </p:spTree>
+    <p:extLst>
+      <p:ext uri="{BB962C8B-B14F-4D97-AF65-F5344CB8AC3E}">
+        <p14:creationId xmlns:p14="http://schemas.microsoft.com/office/powerpoint/2010/main" val="237361177"/>
+      </p:ext>
+    </p:extLst>
+  </p:cSld>
+  <p:clrMapOvr>
+    <a:masterClrMapping/>
+  </p:clrMapOvr>
+</p:notes>
+</file>
+
+<file path=ppt/notesSlides/notesSlide8.xml><?xml version="1.0" encoding="utf-8"?>
+<p:notes xmlns:a="http://schemas.openxmlformats.org/drawingml/2006/main" xmlns:r="http://schemas.openxmlformats.org/officeDocument/2006/relationships" xmlns:p="http://schemas.openxmlformats.org/presentationml/2006/main">
+  <p:cSld>
+    <p:spTree>
+      <p:nvGrpSpPr>
+        <p:cNvPr id="1" name=""/>
+        <p:cNvGrpSpPr/>
+        <p:nvPr/>
+      </p:nvGrpSpPr>
+      <p:grpSpPr>
+        <a:xfrm>
+          <a:off x="0" y="0"/>
+          <a:ext cx="0" cy="0"/>
+          <a:chOff x="0" y="0"/>
+          <a:chExt cx="0" cy="0"/>
+        </a:xfrm>
+      </p:grpSpPr>
+      <p:sp>
+        <p:nvSpPr>
+          <p:cNvPr id="2" name="幻灯片图像占位符 1"/>
+          <p:cNvSpPr>
+            <a:spLocks noGrp="1" noRot="1" noChangeAspect="1"/>
+          </p:cNvSpPr>
+          <p:nvPr>
+            <p:ph type="sldImg"/>
+          </p:nvPr>
+        </p:nvSpPr>
+        <p:spPr/>
+      </p:sp>
+      <p:sp>
+        <p:nvSpPr>
+          <p:cNvPr id="3" name="备注占位符 2"/>
+          <p:cNvSpPr>
+            <a:spLocks noGrp="1"/>
+          </p:cNvSpPr>
+          <p:nvPr>
+            <p:ph type="body" idx="1"/>
+          </p:nvPr>
+        </p:nvSpPr>
+        <p:spPr/>
+        <p:txBody>
+          <a:bodyPr/>
+          <a:lstStyle/>
+          <a:p>
+            <a:endParaRPr lang="zh-CN" altLang="en-US" dirty="0"/>
+          </a:p>
+        </p:txBody>
+      </p:sp>
+      <p:sp>
+        <p:nvSpPr>
+          <p:cNvPr id="4" name="灯片编号占位符 3"/>
+          <p:cNvSpPr>
+            <a:spLocks noGrp="1"/>
+          </p:cNvSpPr>
+          <p:nvPr>
+            <p:ph type="sldNum" sz="quarter" idx="10"/>
+          </p:nvPr>
+        </p:nvSpPr>
+        <p:spPr/>
+        <p:txBody>
+          <a:bodyPr/>
+          <a:lstStyle/>
+          <a:p>
+            <a:fld id="{7E93476A-C8EF-4948-84D8-CD0A70688003}" type="slidenum">
+              <a:rPr lang="zh-CN" altLang="en-US" smtClean="0"/>
+              <a:t>9</a:t>
+            </a:fld>
+            <a:endParaRPr lang="zh-CN" altLang="en-US"/>
+          </a:p>
+        </p:txBody>
+      </p:sp>
+    </p:spTree>
+    <p:extLst>
+      <p:ext uri="{BB962C8B-B14F-4D97-AF65-F5344CB8AC3E}">
+        <p14:creationId xmlns:p14="http://schemas.microsoft.com/office/powerpoint/2010/main" val="237361177"/>
+      </p:ext>
+    </p:extLst>
+  </p:cSld>
+  <p:clrMapOvr>
+    <a:masterClrMapping/>
+  </p:clrMapOvr>
+</p:notes>
+</file>
+
 <file path=ppt/slideLayouts/slideLayout1.xml><?xml version="1.0" encoding="utf-8"?>
 <p:sldLayout xmlns:a="http://schemas.openxmlformats.org/drawingml/2006/main" xmlns:r="http://schemas.openxmlformats.org/officeDocument/2006/relationships" xmlns:p="http://schemas.openxmlformats.org/presentationml/2006/main" showMasterSp="0" type="title" preserve="1">
   <p:cSld name="标题幻灯片">
@@ -1394,7 +1564,7 @@
           <a:p>
             <a:fld id="{A9A3A160-64B0-433E-876E-E206ABB7688A}" type="datetimeFigureOut">
               <a:rPr lang="zh-CN" altLang="en-US" smtClean="0"/>
-              <a:t>2017/4/5</a:t>
+              <a:t>2017/4/6</a:t>
             </a:fld>
             <a:endParaRPr lang="zh-CN" altLang="en-US"/>
           </a:p>
@@ -1606,7 +1776,7 @@
           <a:p>
             <a:fld id="{A9A3A160-64B0-433E-876E-E206ABB7688A}" type="datetimeFigureOut">
               <a:rPr lang="zh-CN" altLang="en-US" smtClean="0"/>
-              <a:t>2017/4/5</a:t>
+              <a:t>2017/4/6</a:t>
             </a:fld>
             <a:endParaRPr lang="zh-CN" altLang="en-US"/>
           </a:p>
@@ -1793,7 +1963,7 @@
           <a:p>
             <a:fld id="{A9A3A160-64B0-433E-876E-E206ABB7688A}" type="datetimeFigureOut">
               <a:rPr lang="zh-CN" altLang="en-US" smtClean="0"/>
-              <a:t>2017/4/5</a:t>
+              <a:t>2017/4/6</a:t>
             </a:fld>
             <a:endParaRPr lang="zh-CN" altLang="en-US"/>
           </a:p>
@@ -1890,7 +2060,7 @@
           <a:p>
             <a:fld id="{A9A3A160-64B0-433E-876E-E206ABB7688A}" type="datetimeFigureOut">
               <a:rPr lang="zh-CN" altLang="en-US" smtClean="0"/>
-              <a:t>2017/4/5</a:t>
+              <a:t>2017/4/6</a:t>
             </a:fld>
             <a:endParaRPr lang="zh-CN" altLang="en-US"/>
           </a:p>
@@ -2486,7 +2656,7 @@
           <a:p>
             <a:fld id="{A9A3A160-64B0-433E-876E-E206ABB7688A}" type="datetimeFigureOut">
               <a:rPr lang="zh-CN" altLang="en-US" smtClean="0"/>
-              <a:t>2017/4/5</a:t>
+              <a:t>2017/4/6</a:t>
             </a:fld>
             <a:endParaRPr lang="zh-CN" altLang="en-US"/>
           </a:p>
@@ -2583,7 +2753,7 @@
           <a:p>
             <a:fld id="{A9A3A160-64B0-433E-876E-E206ABB7688A}" type="datetimeFigureOut">
               <a:rPr lang="zh-CN" altLang="en-US" smtClean="0"/>
-              <a:t>2017/4/5</a:t>
+              <a:t>2017/4/6</a:t>
             </a:fld>
             <a:endParaRPr lang="zh-CN" altLang="en-US"/>
           </a:p>
@@ -3188,7 +3358,7 @@
           <a:p>
             <a:fld id="{A9A3A160-64B0-433E-876E-E206ABB7688A}" type="datetimeFigureOut">
               <a:rPr lang="zh-CN" altLang="en-US" smtClean="0"/>
-              <a:t>2017/4/5</a:t>
+              <a:t>2017/4/6</a:t>
             </a:fld>
             <a:endParaRPr lang="zh-CN" altLang="en-US"/>
           </a:p>
@@ -3331,7 +3501,7 @@
           <a:p>
             <a:fld id="{A9A3A160-64B0-433E-876E-E206ABB7688A}" type="datetimeFigureOut">
               <a:rPr lang="zh-CN" altLang="en-US" smtClean="0"/>
-              <a:t>2017/4/5</a:t>
+              <a:t>2017/4/6</a:t>
             </a:fld>
             <a:endParaRPr lang="zh-CN" altLang="en-US"/>
           </a:p>
@@ -3428,7 +3598,7 @@
           <a:p>
             <a:fld id="{A9A3A160-64B0-433E-876E-E206ABB7688A}" type="datetimeFigureOut">
               <a:rPr lang="zh-CN" altLang="en-US" smtClean="0"/>
-              <a:t>2017/4/5</a:t>
+              <a:t>2017/4/6</a:t>
             </a:fld>
             <a:endParaRPr lang="zh-CN" altLang="en-US"/>
           </a:p>
@@ -3712,7 +3882,7 @@
           <a:p>
             <a:fld id="{A9A3A160-64B0-433E-876E-E206ABB7688A}" type="datetimeFigureOut">
               <a:rPr lang="zh-CN" altLang="en-US" smtClean="0"/>
-              <a:t>2017/4/5</a:t>
+              <a:t>2017/4/6</a:t>
             </a:fld>
             <a:endParaRPr lang="zh-CN" altLang="en-US"/>
           </a:p>
@@ -4234,7 +4404,7 @@
           <a:p>
             <a:fld id="{A9A3A160-64B0-433E-876E-E206ABB7688A}" type="datetimeFigureOut">
               <a:rPr lang="zh-CN" altLang="en-US" smtClean="0"/>
-              <a:t>2017/4/5</a:t>
+              <a:t>2017/4/6</a:t>
             </a:fld>
             <a:endParaRPr lang="zh-CN" altLang="en-US"/>
           </a:p>
@@ -4754,7 +4924,7 @@
           <a:p>
             <a:fld id="{A9A3A160-64B0-433E-876E-E206ABB7688A}" type="datetimeFigureOut">
               <a:rPr lang="zh-CN" altLang="en-US" smtClean="0"/>
-              <a:t>2017/4/5</a:t>
+              <a:t>2017/4/6</a:t>
             </a:fld>
             <a:endParaRPr lang="zh-CN" altLang="en-US"/>
           </a:p>
@@ -5438,6 +5608,351 @@
 </p:sld>
 </file>
 
+<file path=ppt/slides/slide10.xml><?xml version="1.0" encoding="utf-8"?>
+<p:sld xmlns:a="http://schemas.openxmlformats.org/drawingml/2006/main" xmlns:r="http://schemas.openxmlformats.org/officeDocument/2006/relationships" xmlns:p="http://schemas.openxmlformats.org/presentationml/2006/main">
+  <p:cSld>
+    <p:spTree>
+      <p:nvGrpSpPr>
+        <p:cNvPr id="1" name=""/>
+        <p:cNvGrpSpPr/>
+        <p:nvPr/>
+      </p:nvGrpSpPr>
+      <p:grpSpPr>
+        <a:xfrm>
+          <a:off x="0" y="0"/>
+          <a:ext cx="0" cy="0"/>
+          <a:chOff x="0" y="0"/>
+          <a:chExt cx="0" cy="0"/>
+        </a:xfrm>
+      </p:grpSpPr>
+      <p:pic>
+        <p:nvPicPr>
+          <p:cNvPr id="1027" name="Picture 3" descr="E:\工作\0530\银色系列\1.jpg"/>
+          <p:cNvPicPr>
+            <a:picLocks noChangeAspect="1" noChangeArrowheads="1"/>
+          </p:cNvPicPr>
+          <p:nvPr/>
+        </p:nvPicPr>
+        <p:blipFill>
+          <a:blip r:embed="rId2">
+            <a:extLst>
+              <a:ext uri="{28A0092B-C50C-407E-A947-70E740481C1C}">
+                <a14:useLocalDpi xmlns:a14="http://schemas.microsoft.com/office/drawing/2010/main" val="0"/>
+              </a:ext>
+            </a:extLst>
+          </a:blip>
+          <a:srcRect/>
+          <a:stretch>
+            <a:fillRect/>
+          </a:stretch>
+        </p:blipFill>
+        <p:spPr bwMode="auto">
+          <a:xfrm>
+            <a:off x="-26170" y="0"/>
+            <a:ext cx="13030969" cy="8640652"/>
+          </a:xfrm>
+          <a:prstGeom prst="rect">
+            <a:avLst/>
+          </a:prstGeom>
+          <a:noFill/>
+          <a:extLst>
+            <a:ext uri="{909E8E84-426E-40DD-AFC4-6F175D3DCCD1}">
+              <a14:hiddenFill xmlns:a14="http://schemas.microsoft.com/office/drawing/2010/main">
+                <a:solidFill>
+                  <a:srgbClr val="FFFFFF"/>
+                </a:solidFill>
+              </a14:hiddenFill>
+            </a:ext>
+          </a:extLst>
+        </p:spPr>
+      </p:pic>
+      <p:sp>
+        <p:nvSpPr>
+          <p:cNvPr id="6" name="文本框 13"/>
+          <p:cNvSpPr txBox="1"/>
+          <p:nvPr/>
+        </p:nvSpPr>
+        <p:spPr>
+          <a:xfrm>
+            <a:off x="5134248" y="3308902"/>
+            <a:ext cx="3096344" cy="1602116"/>
+          </a:xfrm>
+          <a:prstGeom prst="rect">
+            <a:avLst/>
+          </a:prstGeom>
+          <a:noFill/>
+        </p:spPr>
+        <p:txBody>
+          <a:bodyPr wrap="square" lIns="123581" tIns="61791" rIns="123581" bIns="61791" rtlCol="0">
+            <a:spAutoFit/>
+          </a:bodyPr>
+          <a:lstStyle/>
+          <a:p>
+            <a:r>
+              <a:rPr lang="en-US" altLang="zh-CN" sz="9600" dirty="0" smtClean="0">
+                <a:solidFill>
+                  <a:srgbClr val="0070C0"/>
+                </a:solidFill>
+                <a:latin typeface="黑体" panose="02010609060101010101" pitchFamily="49" charset="-122"/>
+                <a:ea typeface="黑体" panose="02010609060101010101" pitchFamily="49" charset="-122"/>
+              </a:rPr>
+              <a:t>Q&amp;A</a:t>
+            </a:r>
+            <a:endParaRPr lang="zh-CN" altLang="en-US" sz="9600" dirty="0">
+              <a:solidFill>
+                <a:srgbClr val="0070C0"/>
+              </a:solidFill>
+              <a:latin typeface="黑体" panose="02010609060101010101" pitchFamily="49" charset="-122"/>
+              <a:ea typeface="黑体" panose="02010609060101010101" pitchFamily="49" charset="-122"/>
+            </a:endParaRPr>
+          </a:p>
+        </p:txBody>
+      </p:sp>
+      <p:sp>
+        <p:nvSpPr>
+          <p:cNvPr id="12" name="文本框 7"/>
+          <p:cNvSpPr txBox="1"/>
+          <p:nvPr/>
+        </p:nvSpPr>
+        <p:spPr>
+          <a:xfrm>
+            <a:off x="4413" y="2393202"/>
+            <a:ext cx="2465493" cy="886284"/>
+          </a:xfrm>
+          <a:prstGeom prst="rect">
+            <a:avLst/>
+          </a:prstGeom>
+          <a:noFill/>
+        </p:spPr>
+        <p:txBody>
+          <a:bodyPr wrap="none" lIns="123581" tIns="61791" rIns="123581" bIns="61791" rtlCol="0">
+            <a:noAutofit/>
+          </a:bodyPr>
+          <a:lstStyle/>
+          <a:p>
+            <a:endParaRPr lang="zh-CN" altLang="en-US" sz="10800" dirty="0">
+              <a:solidFill>
+                <a:schemeClr val="accent1"/>
+              </a:solidFill>
+              <a:latin typeface="微软雅黑" panose="020B0503020204020204" pitchFamily="34" charset="-122"/>
+              <a:ea typeface="微软雅黑" panose="020B0503020204020204" pitchFamily="34" charset="-122"/>
+            </a:endParaRPr>
+          </a:p>
+        </p:txBody>
+      </p:sp>
+    </p:spTree>
+    <p:extLst>
+      <p:ext uri="{BB962C8B-B14F-4D97-AF65-F5344CB8AC3E}">
+        <p14:creationId xmlns:p14="http://schemas.microsoft.com/office/powerpoint/2010/main" val="3845403366"/>
+      </p:ext>
+    </p:extLst>
+  </p:cSld>
+  <p:clrMapOvr>
+    <a:masterClrMapping/>
+  </p:clrMapOvr>
+  <p:timing>
+    <p:tnLst>
+      <p:par>
+        <p:cTn id="1" dur="indefinite" restart="never" nodeType="tmRoot">
+          <p:childTnLst>
+            <p:seq concurrent="1" nextAc="seek">
+              <p:cTn id="2" dur="indefinite" nodeType="mainSeq">
+                <p:childTnLst>
+                  <p:par>
+                    <p:cTn id="3" fill="hold">
+                      <p:stCondLst>
+                        <p:cond delay="indefinite"/>
+                        <p:cond evt="onBegin" delay="0">
+                          <p:tn val="2"/>
+                        </p:cond>
+                      </p:stCondLst>
+                      <p:childTnLst>
+                        <p:par>
+                          <p:cTn id="4" fill="hold">
+                            <p:stCondLst>
+                              <p:cond delay="0"/>
+                            </p:stCondLst>
+                            <p:childTnLst>
+                              <p:par>
+                                <p:cTn id="5" presetID="1" presetClass="entr" presetSubtype="0" fill="hold" nodeType="withEffect">
+                                  <p:stCondLst>
+                                    <p:cond delay="0"/>
+                                  </p:stCondLst>
+                                  <p:childTnLst>
+                                    <p:set>
+                                      <p:cBhvr>
+                                        <p:cTn id="6" dur="1" fill="hold">
+                                          <p:stCondLst>
+                                            <p:cond delay="0"/>
+                                          </p:stCondLst>
+                                        </p:cTn>
+                                        <p:tgtEl>
+                                          <p:spTgt spid="1027"/>
+                                        </p:tgtEl>
+                                        <p:attrNameLst>
+                                          <p:attrName>style.visibility</p:attrName>
+                                        </p:attrNameLst>
+                                      </p:cBhvr>
+                                      <p:to>
+                                        <p:strVal val="visible"/>
+                                      </p:to>
+                                    </p:set>
+                                  </p:childTnLst>
+                                </p:cTn>
+                              </p:par>
+                              <p:par>
+                                <p:cTn id="7" presetID="1" presetClass="entr" presetSubtype="0" fill="hold" grpId="0" nodeType="withEffect">
+                                  <p:stCondLst>
+                                    <p:cond delay="0"/>
+                                  </p:stCondLst>
+                                  <p:childTnLst>
+                                    <p:set>
+                                      <p:cBhvr>
+                                        <p:cTn id="8" dur="1" fill="hold">
+                                          <p:stCondLst>
+                                            <p:cond delay="0"/>
+                                          </p:stCondLst>
+                                        </p:cTn>
+                                        <p:tgtEl>
+                                          <p:spTgt spid="6"/>
+                                        </p:tgtEl>
+                                        <p:attrNameLst>
+                                          <p:attrName>style.visibility</p:attrName>
+                                        </p:attrNameLst>
+                                      </p:cBhvr>
+                                      <p:to>
+                                        <p:strVal val="visible"/>
+                                      </p:to>
+                                    </p:set>
+                                  </p:childTnLst>
+                                </p:cTn>
+                              </p:par>
+                            </p:childTnLst>
+                          </p:cTn>
+                        </p:par>
+                      </p:childTnLst>
+                    </p:cTn>
+                  </p:par>
+                </p:childTnLst>
+              </p:cTn>
+              <p:prevCondLst>
+                <p:cond evt="onPrev" delay="0">
+                  <p:tgtEl>
+                    <p:sldTgt/>
+                  </p:tgtEl>
+                </p:cond>
+              </p:prevCondLst>
+              <p:nextCondLst>
+                <p:cond evt="onNext" delay="0">
+                  <p:tgtEl>
+                    <p:sldTgt/>
+                  </p:tgtEl>
+                </p:cond>
+              </p:nextCondLst>
+            </p:seq>
+          </p:childTnLst>
+        </p:cTn>
+      </p:par>
+    </p:tnLst>
+    <p:bldLst>
+      <p:bldP spid="6" grpId="0"/>
+    </p:bldLst>
+  </p:timing>
+</p:sld>
+</file>
+
+<file path=ppt/slides/slide11.xml><?xml version="1.0" encoding="utf-8"?>
+<p:sld xmlns:a="http://schemas.openxmlformats.org/drawingml/2006/main" xmlns:r="http://schemas.openxmlformats.org/officeDocument/2006/relationships" xmlns:p="http://schemas.openxmlformats.org/presentationml/2006/main">
+  <p:cSld>
+    <p:spTree>
+      <p:nvGrpSpPr>
+        <p:cNvPr id="1" name=""/>
+        <p:cNvGrpSpPr/>
+        <p:nvPr/>
+      </p:nvGrpSpPr>
+      <p:grpSpPr>
+        <a:xfrm>
+          <a:off x="0" y="0"/>
+          <a:ext cx="0" cy="0"/>
+          <a:chOff x="0" y="0"/>
+          <a:chExt cx="0" cy="0"/>
+        </a:xfrm>
+      </p:grpSpPr>
+      <p:sp>
+        <p:nvSpPr>
+          <p:cNvPr id="2" name="内容占位符 1"/>
+          <p:cNvSpPr>
+            <a:spLocks noGrp="1"/>
+          </p:cNvSpPr>
+          <p:nvPr>
+            <p:ph sz="quarter" idx="13"/>
+          </p:nvPr>
+        </p:nvSpPr>
+        <p:spPr/>
+        <p:txBody>
+          <a:bodyPr/>
+          <a:lstStyle/>
+          <a:p>
+            <a:endParaRPr lang="zh-CN" altLang="en-US"/>
+          </a:p>
+        </p:txBody>
+      </p:sp>
+      <p:pic>
+        <p:nvPicPr>
+          <p:cNvPr id="1026" name="Picture 2" descr="E:\工作\0530\银色系列\5.jpg"/>
+          <p:cNvPicPr>
+            <a:picLocks noChangeAspect="1" noChangeArrowheads="1"/>
+          </p:cNvPicPr>
+          <p:nvPr/>
+        </p:nvPicPr>
+        <p:blipFill>
+          <a:blip r:embed="rId2">
+            <a:extLst>
+              <a:ext uri="{28A0092B-C50C-407E-A947-70E740481C1C}">
+                <a14:useLocalDpi xmlns:a14="http://schemas.microsoft.com/office/drawing/2010/main" val="0"/>
+              </a:ext>
+            </a:extLst>
+          </a:blip>
+          <a:srcRect/>
+          <a:stretch>
+            <a:fillRect/>
+          </a:stretch>
+        </p:blipFill>
+        <p:spPr bwMode="auto">
+          <a:xfrm>
+            <a:off x="-13158" y="-1"/>
+            <a:ext cx="13017958" cy="8632025"/>
+          </a:xfrm>
+          <a:prstGeom prst="rect">
+            <a:avLst/>
+          </a:prstGeom>
+          <a:noFill/>
+          <a:extLst>
+            <a:ext uri="{909E8E84-426E-40DD-AFC4-6F175D3DCCD1}">
+              <a14:hiddenFill xmlns:a14="http://schemas.microsoft.com/office/drawing/2010/main">
+                <a:solidFill>
+                  <a:srgbClr val="FFFFFF"/>
+                </a:solidFill>
+              </a14:hiddenFill>
+            </a:ext>
+          </a:extLst>
+        </p:spPr>
+      </p:pic>
+    </p:spTree>
+  </p:cSld>
+  <p:clrMapOvr>
+    <a:masterClrMapping/>
+  </p:clrMapOvr>
+  <p:timing>
+    <p:tnLst>
+      <p:par>
+        <p:cTn id="1" dur="indefinite" restart="never" nodeType="tmRoot"/>
+      </p:par>
+    </p:tnLst>
+  </p:timing>
+</p:sld>
+</file>
+
 <file path=ppt/slides/slide2.xml><?xml version="1.0" encoding="utf-8"?>
 <p:sld xmlns:a="http://schemas.openxmlformats.org/drawingml/2006/main" xmlns:r="http://schemas.openxmlformats.org/officeDocument/2006/relationships" xmlns:p="http://schemas.openxmlformats.org/presentationml/2006/main">
   <p:cSld>
@@ -6919,6 +7434,504 @@
           </a:fontRef>
         </p:style>
       </p:cxnSp>
+      <p:pic>
+        <p:nvPicPr>
+          <p:cNvPr id="1026" name="Picture 2"/>
+          <p:cNvPicPr>
+            <a:picLocks noChangeAspect="1" noChangeArrowheads="1"/>
+          </p:cNvPicPr>
+          <p:nvPr/>
+        </p:nvPicPr>
+        <p:blipFill>
+          <a:blip r:embed="rId3">
+            <a:extLst>
+              <a:ext uri="{28A0092B-C50C-407E-A947-70E740481C1C}">
+                <a14:useLocalDpi xmlns:a14="http://schemas.microsoft.com/office/drawing/2010/main" val="0"/>
+              </a:ext>
+            </a:extLst>
+          </a:blip>
+          <a:srcRect/>
+          <a:stretch>
+            <a:fillRect/>
+          </a:stretch>
+        </p:blipFill>
+        <p:spPr bwMode="auto">
+          <a:xfrm>
+            <a:off x="957784" y="2439442"/>
+            <a:ext cx="3524250" cy="2209800"/>
+          </a:xfrm>
+          <a:prstGeom prst="rect">
+            <a:avLst/>
+          </a:prstGeom>
+          <a:noFill/>
+          <a:ln>
+            <a:noFill/>
+          </a:ln>
+          <a:effectLst/>
+          <a:extLst>
+            <a:ext uri="{909E8E84-426E-40DD-AFC4-6F175D3DCCD1}">
+              <a14:hiddenFill xmlns:a14="http://schemas.microsoft.com/office/drawing/2010/main">
+                <a:solidFill>
+                  <a:schemeClr val="accent1"/>
+                </a:solidFill>
+              </a14:hiddenFill>
+            </a:ext>
+            <a:ext uri="{91240B29-F687-4F45-9708-019B960494DF}">
+              <a14:hiddenLine xmlns:a14="http://schemas.microsoft.com/office/drawing/2010/main" w="9525">
+                <a:solidFill>
+                  <a:schemeClr val="tx1"/>
+                </a:solidFill>
+                <a:miter lim="800000"/>
+                <a:headEnd/>
+                <a:tailEnd/>
+              </a14:hiddenLine>
+            </a:ext>
+            <a:ext uri="{AF507438-7753-43E0-B8FC-AC1667EBCBE1}">
+              <a14:hiddenEffects xmlns:a14="http://schemas.microsoft.com/office/drawing/2010/main">
+                <a:effectLst>
+                  <a:outerShdw dist="35921" dir="2700000" algn="ctr" rotWithShape="0">
+                    <a:schemeClr val="bg2"/>
+                  </a:outerShdw>
+                </a:effectLst>
+              </a14:hiddenEffects>
+            </a:ext>
+          </a:extLst>
+        </p:spPr>
+      </p:pic>
+      <p:pic>
+        <p:nvPicPr>
+          <p:cNvPr id="1027" name="Picture 3"/>
+          <p:cNvPicPr>
+            <a:picLocks noChangeAspect="1" noChangeArrowheads="1"/>
+          </p:cNvPicPr>
+          <p:nvPr/>
+        </p:nvPicPr>
+        <p:blipFill>
+          <a:blip r:embed="rId4">
+            <a:extLst>
+              <a:ext uri="{28A0092B-C50C-407E-A947-70E740481C1C}">
+                <a14:useLocalDpi xmlns:a14="http://schemas.microsoft.com/office/drawing/2010/main" val="0"/>
+              </a:ext>
+            </a:extLst>
+          </a:blip>
+          <a:srcRect/>
+          <a:stretch>
+            <a:fillRect/>
+          </a:stretch>
+        </p:blipFill>
+        <p:spPr bwMode="auto">
+          <a:xfrm>
+            <a:off x="5111277" y="2583458"/>
+            <a:ext cx="2314575" cy="619125"/>
+          </a:xfrm>
+          <a:prstGeom prst="rect">
+            <a:avLst/>
+          </a:prstGeom>
+          <a:noFill/>
+          <a:ln>
+            <a:noFill/>
+          </a:ln>
+          <a:effectLst/>
+          <a:extLst>
+            <a:ext uri="{909E8E84-426E-40DD-AFC4-6F175D3DCCD1}">
+              <a14:hiddenFill xmlns:a14="http://schemas.microsoft.com/office/drawing/2010/main">
+                <a:solidFill>
+                  <a:schemeClr val="accent1"/>
+                </a:solidFill>
+              </a14:hiddenFill>
+            </a:ext>
+            <a:ext uri="{91240B29-F687-4F45-9708-019B960494DF}">
+              <a14:hiddenLine xmlns:a14="http://schemas.microsoft.com/office/drawing/2010/main" w="9525">
+                <a:solidFill>
+                  <a:schemeClr val="tx1"/>
+                </a:solidFill>
+                <a:miter lim="800000"/>
+                <a:headEnd/>
+                <a:tailEnd/>
+              </a14:hiddenLine>
+            </a:ext>
+            <a:ext uri="{AF507438-7753-43E0-B8FC-AC1667EBCBE1}">
+              <a14:hiddenEffects xmlns:a14="http://schemas.microsoft.com/office/drawing/2010/main">
+                <a:effectLst>
+                  <a:outerShdw dist="35921" dir="2700000" algn="ctr" rotWithShape="0">
+                    <a:schemeClr val="bg2"/>
+                  </a:outerShdw>
+                </a:effectLst>
+              </a14:hiddenEffects>
+            </a:ext>
+          </a:extLst>
+        </p:spPr>
+      </p:pic>
+      <p:pic>
+        <p:nvPicPr>
+          <p:cNvPr id="1028" name="Picture 4"/>
+          <p:cNvPicPr>
+            <a:picLocks noChangeAspect="1" noChangeArrowheads="1"/>
+          </p:cNvPicPr>
+          <p:nvPr/>
+        </p:nvPicPr>
+        <p:blipFill>
+          <a:blip r:embed="rId5">
+            <a:extLst>
+              <a:ext uri="{28A0092B-C50C-407E-A947-70E740481C1C}">
+                <a14:useLocalDpi xmlns:a14="http://schemas.microsoft.com/office/drawing/2010/main" val="0"/>
+              </a:ext>
+            </a:extLst>
+          </a:blip>
+          <a:srcRect/>
+          <a:stretch>
+            <a:fillRect/>
+          </a:stretch>
+        </p:blipFill>
+        <p:spPr bwMode="auto">
+          <a:xfrm>
+            <a:off x="4920777" y="3524022"/>
+            <a:ext cx="2695575" cy="933450"/>
+          </a:xfrm>
+          <a:prstGeom prst="rect">
+            <a:avLst/>
+          </a:prstGeom>
+          <a:noFill/>
+          <a:ln>
+            <a:noFill/>
+          </a:ln>
+          <a:effectLst/>
+          <a:extLst>
+            <a:ext uri="{909E8E84-426E-40DD-AFC4-6F175D3DCCD1}">
+              <a14:hiddenFill xmlns:a14="http://schemas.microsoft.com/office/drawing/2010/main">
+                <a:solidFill>
+                  <a:schemeClr val="accent1"/>
+                </a:solidFill>
+              </a14:hiddenFill>
+            </a:ext>
+            <a:ext uri="{91240B29-F687-4F45-9708-019B960494DF}">
+              <a14:hiddenLine xmlns:a14="http://schemas.microsoft.com/office/drawing/2010/main" w="9525">
+                <a:solidFill>
+                  <a:schemeClr val="tx1"/>
+                </a:solidFill>
+                <a:miter lim="800000"/>
+                <a:headEnd/>
+                <a:tailEnd/>
+              </a14:hiddenLine>
+            </a:ext>
+            <a:ext uri="{AF507438-7753-43E0-B8FC-AC1667EBCBE1}">
+              <a14:hiddenEffects xmlns:a14="http://schemas.microsoft.com/office/drawing/2010/main">
+                <a:effectLst>
+                  <a:outerShdw dist="35921" dir="2700000" algn="ctr" rotWithShape="0">
+                    <a:schemeClr val="bg2"/>
+                  </a:outerShdw>
+                </a:effectLst>
+              </a14:hiddenEffects>
+            </a:ext>
+          </a:extLst>
+        </p:spPr>
+      </p:pic>
+      <p:pic>
+        <p:nvPicPr>
+          <p:cNvPr id="1029" name="Picture 5"/>
+          <p:cNvPicPr>
+            <a:picLocks noChangeAspect="1" noChangeArrowheads="1"/>
+          </p:cNvPicPr>
+          <p:nvPr/>
+        </p:nvPicPr>
+        <p:blipFill>
+          <a:blip r:embed="rId6">
+            <a:extLst>
+              <a:ext uri="{28A0092B-C50C-407E-A947-70E740481C1C}">
+                <a14:useLocalDpi xmlns:a14="http://schemas.microsoft.com/office/drawing/2010/main" val="0"/>
+              </a:ext>
+            </a:extLst>
+          </a:blip>
+          <a:srcRect/>
+          <a:stretch>
+            <a:fillRect/>
+          </a:stretch>
+        </p:blipFill>
+        <p:spPr bwMode="auto">
+          <a:xfrm>
+            <a:off x="8014568" y="2643148"/>
+            <a:ext cx="1590675" cy="533400"/>
+          </a:xfrm>
+          <a:prstGeom prst="rect">
+            <a:avLst/>
+          </a:prstGeom>
+          <a:noFill/>
+          <a:ln>
+            <a:noFill/>
+          </a:ln>
+          <a:effectLst/>
+          <a:extLst>
+            <a:ext uri="{909E8E84-426E-40DD-AFC4-6F175D3DCCD1}">
+              <a14:hiddenFill xmlns:a14="http://schemas.microsoft.com/office/drawing/2010/main">
+                <a:solidFill>
+                  <a:schemeClr val="accent1"/>
+                </a:solidFill>
+              </a14:hiddenFill>
+            </a:ext>
+            <a:ext uri="{91240B29-F687-4F45-9708-019B960494DF}">
+              <a14:hiddenLine xmlns:a14="http://schemas.microsoft.com/office/drawing/2010/main" w="9525">
+                <a:solidFill>
+                  <a:schemeClr val="tx1"/>
+                </a:solidFill>
+                <a:miter lim="800000"/>
+                <a:headEnd/>
+                <a:tailEnd/>
+              </a14:hiddenLine>
+            </a:ext>
+            <a:ext uri="{AF507438-7753-43E0-B8FC-AC1667EBCBE1}">
+              <a14:hiddenEffects xmlns:a14="http://schemas.microsoft.com/office/drawing/2010/main">
+                <a:effectLst>
+                  <a:outerShdw dist="35921" dir="2700000" algn="ctr" rotWithShape="0">
+                    <a:schemeClr val="bg2"/>
+                  </a:outerShdw>
+                </a:effectLst>
+              </a14:hiddenEffects>
+            </a:ext>
+          </a:extLst>
+        </p:spPr>
+      </p:pic>
+      <p:pic>
+        <p:nvPicPr>
+          <p:cNvPr id="1030" name="Picture 6"/>
+          <p:cNvPicPr>
+            <a:picLocks noChangeAspect="1" noChangeArrowheads="1"/>
+          </p:cNvPicPr>
+          <p:nvPr/>
+        </p:nvPicPr>
+        <p:blipFill>
+          <a:blip r:embed="rId7">
+            <a:extLst>
+              <a:ext uri="{28A0092B-C50C-407E-A947-70E740481C1C}">
+                <a14:useLocalDpi xmlns:a14="http://schemas.microsoft.com/office/drawing/2010/main" val="0"/>
+              </a:ext>
+            </a:extLst>
+          </a:blip>
+          <a:srcRect/>
+          <a:stretch>
+            <a:fillRect/>
+          </a:stretch>
+        </p:blipFill>
+        <p:spPr bwMode="auto">
+          <a:xfrm>
+            <a:off x="7933605" y="3733572"/>
+            <a:ext cx="1752600" cy="514350"/>
+          </a:xfrm>
+          <a:prstGeom prst="rect">
+            <a:avLst/>
+          </a:prstGeom>
+          <a:noFill/>
+          <a:ln>
+            <a:noFill/>
+          </a:ln>
+          <a:effectLst/>
+          <a:extLst>
+            <a:ext uri="{909E8E84-426E-40DD-AFC4-6F175D3DCCD1}">
+              <a14:hiddenFill xmlns:a14="http://schemas.microsoft.com/office/drawing/2010/main">
+                <a:solidFill>
+                  <a:schemeClr val="accent1"/>
+                </a:solidFill>
+              </a14:hiddenFill>
+            </a:ext>
+            <a:ext uri="{91240B29-F687-4F45-9708-019B960494DF}">
+              <a14:hiddenLine xmlns:a14="http://schemas.microsoft.com/office/drawing/2010/main" w="9525">
+                <a:solidFill>
+                  <a:schemeClr val="tx1"/>
+                </a:solidFill>
+                <a:miter lim="800000"/>
+                <a:headEnd/>
+                <a:tailEnd/>
+              </a14:hiddenLine>
+            </a:ext>
+            <a:ext uri="{AF507438-7753-43E0-B8FC-AC1667EBCBE1}">
+              <a14:hiddenEffects xmlns:a14="http://schemas.microsoft.com/office/drawing/2010/main">
+                <a:effectLst>
+                  <a:outerShdw dist="35921" dir="2700000" algn="ctr" rotWithShape="0">
+                    <a:schemeClr val="bg2"/>
+                  </a:outerShdw>
+                </a:effectLst>
+              </a14:hiddenEffects>
+            </a:ext>
+          </a:extLst>
+        </p:spPr>
+      </p:pic>
+      <p:sp>
+        <p:nvSpPr>
+          <p:cNvPr id="2" name="TextBox 1"/>
+          <p:cNvSpPr txBox="1"/>
+          <p:nvPr/>
+        </p:nvSpPr>
+        <p:spPr>
+          <a:xfrm>
+            <a:off x="1173808" y="6399882"/>
+            <a:ext cx="3073470" cy="461665"/>
+          </a:xfrm>
+          <a:prstGeom prst="rect">
+            <a:avLst/>
+          </a:prstGeom>
+          <a:noFill/>
+        </p:spPr>
+        <p:txBody>
+          <a:bodyPr wrap="none" rtlCol="0">
+            <a:spAutoFit/>
+          </a:bodyPr>
+          <a:lstStyle/>
+          <a:p>
+            <a:r>
+              <a:rPr lang="en-US" altLang="zh-CN" dirty="0" smtClean="0"/>
+              <a:t>SAP</a:t>
+            </a:r>
+            <a:r>
+              <a:rPr lang="zh-CN" altLang="en-US" dirty="0" smtClean="0"/>
+              <a:t>、</a:t>
+            </a:r>
+            <a:r>
+              <a:rPr lang="en-US" altLang="zh-CN" dirty="0" smtClean="0"/>
+              <a:t>AWS</a:t>
+            </a:r>
+            <a:r>
+              <a:rPr lang="zh-CN" altLang="en-US" dirty="0" smtClean="0"/>
+              <a:t>、</a:t>
+            </a:r>
+            <a:r>
+              <a:rPr lang="en-US" altLang="zh-CN" dirty="0" smtClean="0"/>
+              <a:t>Oracle</a:t>
+            </a:r>
+            <a:r>
+              <a:rPr lang="zh-CN" altLang="en-US" dirty="0" smtClean="0"/>
+              <a:t>等</a:t>
+            </a:r>
+            <a:endParaRPr lang="zh-CN" altLang="en-US" dirty="0"/>
+          </a:p>
+        </p:txBody>
+      </p:sp>
+      <p:pic>
+        <p:nvPicPr>
+          <p:cNvPr id="1031" name="Picture 7"/>
+          <p:cNvPicPr>
+            <a:picLocks noChangeAspect="1" noChangeArrowheads="1"/>
+          </p:cNvPicPr>
+          <p:nvPr/>
+        </p:nvPicPr>
+        <p:blipFill>
+          <a:blip r:embed="rId8">
+            <a:extLst>
+              <a:ext uri="{28A0092B-C50C-407E-A947-70E740481C1C}">
+                <a14:useLocalDpi xmlns:a14="http://schemas.microsoft.com/office/drawing/2010/main" val="0"/>
+              </a:ext>
+            </a:extLst>
+          </a:blip>
+          <a:srcRect/>
+          <a:stretch>
+            <a:fillRect/>
+          </a:stretch>
+        </p:blipFill>
+        <p:spPr bwMode="auto">
+          <a:xfrm>
+            <a:off x="1310368" y="5031730"/>
+            <a:ext cx="2800350" cy="590550"/>
+          </a:xfrm>
+          <a:prstGeom prst="rect">
+            <a:avLst/>
+          </a:prstGeom>
+          <a:noFill/>
+          <a:ln>
+            <a:noFill/>
+          </a:ln>
+          <a:effectLst/>
+          <a:extLst>
+            <a:ext uri="{909E8E84-426E-40DD-AFC4-6F175D3DCCD1}">
+              <a14:hiddenFill xmlns:a14="http://schemas.microsoft.com/office/drawing/2010/main">
+                <a:solidFill>
+                  <a:schemeClr val="accent1"/>
+                </a:solidFill>
+              </a14:hiddenFill>
+            </a:ext>
+            <a:ext uri="{91240B29-F687-4F45-9708-019B960494DF}">
+              <a14:hiddenLine xmlns:a14="http://schemas.microsoft.com/office/drawing/2010/main" w="9525">
+                <a:solidFill>
+                  <a:schemeClr val="tx1"/>
+                </a:solidFill>
+                <a:miter lim="800000"/>
+                <a:headEnd/>
+                <a:tailEnd/>
+              </a14:hiddenLine>
+            </a:ext>
+            <a:ext uri="{AF507438-7753-43E0-B8FC-AC1667EBCBE1}">
+              <a14:hiddenEffects xmlns:a14="http://schemas.microsoft.com/office/drawing/2010/main">
+                <a:effectLst>
+                  <a:outerShdw dist="35921" dir="2700000" algn="ctr" rotWithShape="0">
+                    <a:schemeClr val="bg2"/>
+                  </a:outerShdw>
+                </a:effectLst>
+              </a14:hiddenEffects>
+            </a:ext>
+          </a:extLst>
+        </p:spPr>
+      </p:pic>
+      <p:pic>
+        <p:nvPicPr>
+          <p:cNvPr id="1032" name="Picture 8"/>
+          <p:cNvPicPr>
+            <a:picLocks noChangeAspect="1" noChangeArrowheads="1"/>
+          </p:cNvPicPr>
+          <p:nvPr/>
+        </p:nvPicPr>
+        <p:blipFill>
+          <a:blip r:embed="rId9">
+            <a:extLst>
+              <a:ext uri="{28A0092B-C50C-407E-A947-70E740481C1C}">
+                <a14:useLocalDpi xmlns:a14="http://schemas.microsoft.com/office/drawing/2010/main" val="0"/>
+              </a:ext>
+            </a:extLst>
+          </a:blip>
+          <a:srcRect/>
+          <a:stretch>
+            <a:fillRect/>
+          </a:stretch>
+        </p:blipFill>
+        <p:spPr bwMode="auto">
+          <a:xfrm>
+            <a:off x="5186680" y="5031730"/>
+            <a:ext cx="1257300" cy="476250"/>
+          </a:xfrm>
+          <a:prstGeom prst="rect">
+            <a:avLst/>
+          </a:prstGeom>
+          <a:noFill/>
+          <a:ln>
+            <a:noFill/>
+          </a:ln>
+          <a:effectLst/>
+          <a:extLst>
+            <a:ext uri="{909E8E84-426E-40DD-AFC4-6F175D3DCCD1}">
+              <a14:hiddenFill xmlns:a14="http://schemas.microsoft.com/office/drawing/2010/main">
+                <a:solidFill>
+                  <a:schemeClr val="accent1"/>
+                </a:solidFill>
+              </a14:hiddenFill>
+            </a:ext>
+            <a:ext uri="{91240B29-F687-4F45-9708-019B960494DF}">
+              <a14:hiddenLine xmlns:a14="http://schemas.microsoft.com/office/drawing/2010/main" w="9525">
+                <a:solidFill>
+                  <a:schemeClr val="tx1"/>
+                </a:solidFill>
+                <a:miter lim="800000"/>
+                <a:headEnd/>
+                <a:tailEnd/>
+              </a14:hiddenLine>
+            </a:ext>
+            <a:ext uri="{AF507438-7753-43E0-B8FC-AC1667EBCBE1}">
+              <a14:hiddenEffects xmlns:a14="http://schemas.microsoft.com/office/drawing/2010/main">
+                <a:effectLst>
+                  <a:outerShdw dist="35921" dir="2700000" algn="ctr" rotWithShape="0">
+                    <a:schemeClr val="bg2"/>
+                  </a:outerShdw>
+                </a:effectLst>
+              </a14:hiddenEffects>
+            </a:ext>
+          </a:extLst>
+        </p:spPr>
+      </p:pic>
     </p:spTree>
     <p:extLst>
       <p:ext uri="{BB962C8B-B14F-4D97-AF65-F5344CB8AC3E}">
@@ -7069,6 +8082,857 @@
 </file>
 
 <file path=ppt/slides/slide6.xml><?xml version="1.0" encoding="utf-8"?>
+<p:sld xmlns:a="http://schemas.openxmlformats.org/drawingml/2006/main" xmlns:r="http://schemas.openxmlformats.org/officeDocument/2006/relationships" xmlns:p="http://schemas.openxmlformats.org/presentationml/2006/main">
+  <p:cSld>
+    <p:spTree>
+      <p:nvGrpSpPr>
+        <p:cNvPr id="1" name=""/>
+        <p:cNvGrpSpPr/>
+        <p:nvPr/>
+      </p:nvGrpSpPr>
+      <p:grpSpPr>
+        <a:xfrm>
+          <a:off x="0" y="0"/>
+          <a:ext cx="0" cy="0"/>
+          <a:chOff x="0" y="0"/>
+          <a:chExt cx="0" cy="0"/>
+        </a:xfrm>
+      </p:grpSpPr>
+      <p:sp>
+        <p:nvSpPr>
+          <p:cNvPr id="6" name="文本框 13"/>
+          <p:cNvSpPr txBox="1"/>
+          <p:nvPr/>
+        </p:nvSpPr>
+        <p:spPr>
+          <a:xfrm>
+            <a:off x="1061214" y="855266"/>
+            <a:ext cx="4289058" cy="801897"/>
+          </a:xfrm>
+          <a:prstGeom prst="rect">
+            <a:avLst/>
+          </a:prstGeom>
+          <a:noFill/>
+        </p:spPr>
+        <p:txBody>
+          <a:bodyPr wrap="square" lIns="123581" tIns="61791" rIns="123581" bIns="61791" rtlCol="0">
+            <a:spAutoFit/>
+          </a:bodyPr>
+          <a:lstStyle/>
+          <a:p>
+            <a:r>
+              <a:rPr lang="en-US" altLang="zh-CN" sz="4400" dirty="0" err="1" smtClean="0">
+                <a:solidFill>
+                  <a:srgbClr val="0070C0"/>
+                </a:solidFill>
+                <a:latin typeface="黑体" panose="02010609060101010101" pitchFamily="49" charset="-122"/>
+                <a:ea typeface="黑体" panose="02010609060101010101" pitchFamily="49" charset="-122"/>
+              </a:rPr>
+              <a:t>Saas</a:t>
+            </a:r>
+            <a:r>
+              <a:rPr lang="zh-CN" altLang="en-US" sz="4400" dirty="0" smtClean="0">
+                <a:solidFill>
+                  <a:srgbClr val="0070C0"/>
+                </a:solidFill>
+                <a:latin typeface="黑体" panose="02010609060101010101" pitchFamily="49" charset="-122"/>
+                <a:ea typeface="黑体" panose="02010609060101010101" pitchFamily="49" charset="-122"/>
+              </a:rPr>
+              <a:t>产品定位</a:t>
+            </a:r>
+            <a:endParaRPr lang="zh-CN" altLang="en-US" sz="4400" dirty="0">
+              <a:solidFill>
+                <a:srgbClr val="0070C0"/>
+              </a:solidFill>
+              <a:latin typeface="黑体" panose="02010609060101010101" pitchFamily="49" charset="-122"/>
+              <a:ea typeface="黑体" panose="02010609060101010101" pitchFamily="49" charset="-122"/>
+            </a:endParaRPr>
+          </a:p>
+        </p:txBody>
+      </p:sp>
+      <p:cxnSp>
+        <p:nvCxnSpPr>
+          <p:cNvPr id="7" name="直接连接符 6"/>
+          <p:cNvCxnSpPr/>
+          <p:nvPr/>
+        </p:nvCxnSpPr>
+        <p:spPr>
+          <a:xfrm>
+            <a:off x="584734" y="2048065"/>
+            <a:ext cx="11367663" cy="0"/>
+          </a:xfrm>
+          <a:prstGeom prst="line">
+            <a:avLst/>
+          </a:prstGeom>
+          <a:ln>
+            <a:solidFill>
+              <a:schemeClr val="tx1">
+                <a:lumMod val="50000"/>
+                <a:lumOff val="50000"/>
+              </a:schemeClr>
+            </a:solidFill>
+          </a:ln>
+        </p:spPr>
+        <p:style>
+          <a:lnRef idx="1">
+            <a:schemeClr val="accent1"/>
+          </a:lnRef>
+          <a:fillRef idx="0">
+            <a:schemeClr val="accent1"/>
+          </a:fillRef>
+          <a:effectRef idx="0">
+            <a:schemeClr val="accent1"/>
+          </a:effectRef>
+          <a:fontRef idx="minor">
+            <a:schemeClr val="tx1"/>
+          </a:fontRef>
+        </p:style>
+      </p:cxnSp>
+      <p:pic>
+        <p:nvPicPr>
+          <p:cNvPr id="2050" name="Picture 2"/>
+          <p:cNvPicPr>
+            <a:picLocks noChangeAspect="1" noChangeArrowheads="1"/>
+          </p:cNvPicPr>
+          <p:nvPr/>
+        </p:nvPicPr>
+        <p:blipFill>
+          <a:blip r:embed="rId3">
+            <a:extLst>
+              <a:ext uri="{28A0092B-C50C-407E-A947-70E740481C1C}">
+                <a14:useLocalDpi xmlns:a14="http://schemas.microsoft.com/office/drawing/2010/main" val="0"/>
+              </a:ext>
+            </a:extLst>
+          </a:blip>
+          <a:srcRect/>
+          <a:stretch>
+            <a:fillRect/>
+          </a:stretch>
+        </p:blipFill>
+        <p:spPr bwMode="auto">
+          <a:xfrm>
+            <a:off x="584734" y="2456185"/>
+            <a:ext cx="5679660" cy="3484035"/>
+          </a:xfrm>
+          <a:prstGeom prst="rect">
+            <a:avLst/>
+          </a:prstGeom>
+          <a:noFill/>
+          <a:ln>
+            <a:noFill/>
+          </a:ln>
+          <a:effectLst/>
+          <a:extLst>
+            <a:ext uri="{909E8E84-426E-40DD-AFC4-6F175D3DCCD1}">
+              <a14:hiddenFill xmlns:a14="http://schemas.microsoft.com/office/drawing/2010/main">
+                <a:solidFill>
+                  <a:schemeClr val="accent1"/>
+                </a:solidFill>
+              </a14:hiddenFill>
+            </a:ext>
+            <a:ext uri="{91240B29-F687-4F45-9708-019B960494DF}">
+              <a14:hiddenLine xmlns:a14="http://schemas.microsoft.com/office/drawing/2010/main" w="9525">
+                <a:solidFill>
+                  <a:schemeClr val="tx1"/>
+                </a:solidFill>
+                <a:miter lim="800000"/>
+                <a:headEnd/>
+                <a:tailEnd/>
+              </a14:hiddenLine>
+            </a:ext>
+            <a:ext uri="{AF507438-7753-43E0-B8FC-AC1667EBCBE1}">
+              <a14:hiddenEffects xmlns:a14="http://schemas.microsoft.com/office/drawing/2010/main">
+                <a:effectLst>
+                  <a:outerShdw dist="35921" dir="2700000" algn="ctr" rotWithShape="0">
+                    <a:schemeClr val="bg2"/>
+                  </a:outerShdw>
+                </a:effectLst>
+              </a14:hiddenEffects>
+            </a:ext>
+          </a:extLst>
+        </p:spPr>
+      </p:pic>
+      <p:sp>
+        <p:nvSpPr>
+          <p:cNvPr id="3" name="矩形 2"/>
+          <p:cNvSpPr/>
+          <p:nvPr/>
+        </p:nvSpPr>
+        <p:spPr>
+          <a:xfrm>
+            <a:off x="885776" y="6319768"/>
+            <a:ext cx="11295479" cy="1569660"/>
+          </a:xfrm>
+          <a:prstGeom prst="rect">
+            <a:avLst/>
+          </a:prstGeom>
+        </p:spPr>
+        <p:txBody>
+          <a:bodyPr wrap="square">
+            <a:spAutoFit/>
+          </a:bodyPr>
+          <a:lstStyle/>
+          <a:p>
+            <a:r>
+              <a:rPr lang="zh-CN" altLang="en-US" dirty="0"/>
+              <a:t>高价值、高复杂度：通过一个复杂的产品，去解决一个复杂业务的复杂问题，提供了高的商业价值，典型代表是：</a:t>
+            </a:r>
+            <a:r>
+              <a:rPr lang="en-US" altLang="zh-CN" dirty="0"/>
+              <a:t>Workday</a:t>
+            </a:r>
+            <a:r>
+              <a:rPr lang="zh-CN" altLang="en-US" dirty="0"/>
+              <a:t>、</a:t>
+            </a:r>
+            <a:r>
+              <a:rPr lang="en-US" altLang="zh-CN" dirty="0"/>
+              <a:t>Salesforce</a:t>
+            </a:r>
+            <a:r>
+              <a:rPr lang="zh-CN" altLang="en-US" dirty="0"/>
+              <a:t>。</a:t>
+            </a:r>
+          </a:p>
+          <a:p>
+            <a:r>
+              <a:rPr lang="zh-CN" altLang="en-US" dirty="0"/>
+              <a:t>低价值，低复杂度：通过一个简单的软件，去解决了一个相对简单的业务问题，收取了较低的价格，典型代表是：</a:t>
+            </a:r>
+            <a:r>
+              <a:rPr lang="en-US" altLang="zh-CN" dirty="0"/>
+              <a:t>Slack</a:t>
+            </a:r>
+            <a:r>
+              <a:rPr lang="zh-CN" altLang="en-US" dirty="0"/>
+              <a:t>、</a:t>
+            </a:r>
+            <a:r>
+              <a:rPr lang="en-US" altLang="zh-CN" dirty="0"/>
+              <a:t>Yammer</a:t>
+            </a:r>
+            <a:r>
+              <a:rPr lang="zh-CN" altLang="en-US" dirty="0"/>
+              <a:t>。</a:t>
+            </a:r>
+          </a:p>
+        </p:txBody>
+      </p:sp>
+      <p:pic>
+        <p:nvPicPr>
+          <p:cNvPr id="2051" name="Picture 3"/>
+          <p:cNvPicPr>
+            <a:picLocks noChangeAspect="1" noChangeArrowheads="1"/>
+          </p:cNvPicPr>
+          <p:nvPr/>
+        </p:nvPicPr>
+        <p:blipFill>
+          <a:blip r:embed="rId4">
+            <a:extLst>
+              <a:ext uri="{28A0092B-C50C-407E-A947-70E740481C1C}">
+                <a14:useLocalDpi xmlns:a14="http://schemas.microsoft.com/office/drawing/2010/main" val="0"/>
+              </a:ext>
+            </a:extLst>
+          </a:blip>
+          <a:srcRect/>
+          <a:stretch>
+            <a:fillRect/>
+          </a:stretch>
+        </p:blipFill>
+        <p:spPr bwMode="auto">
+          <a:xfrm>
+            <a:off x="6268565" y="2456184"/>
+            <a:ext cx="5687371" cy="3484035"/>
+          </a:xfrm>
+          <a:prstGeom prst="rect">
+            <a:avLst/>
+          </a:prstGeom>
+          <a:noFill/>
+          <a:ln>
+            <a:noFill/>
+          </a:ln>
+          <a:effectLst/>
+          <a:extLst>
+            <a:ext uri="{909E8E84-426E-40DD-AFC4-6F175D3DCCD1}">
+              <a14:hiddenFill xmlns:a14="http://schemas.microsoft.com/office/drawing/2010/main">
+                <a:solidFill>
+                  <a:schemeClr val="accent1"/>
+                </a:solidFill>
+              </a14:hiddenFill>
+            </a:ext>
+            <a:ext uri="{91240B29-F687-4F45-9708-019B960494DF}">
+              <a14:hiddenLine xmlns:a14="http://schemas.microsoft.com/office/drawing/2010/main" w="9525">
+                <a:solidFill>
+                  <a:schemeClr val="tx1"/>
+                </a:solidFill>
+                <a:miter lim="800000"/>
+                <a:headEnd/>
+                <a:tailEnd/>
+              </a14:hiddenLine>
+            </a:ext>
+            <a:ext uri="{AF507438-7753-43E0-B8FC-AC1667EBCBE1}">
+              <a14:hiddenEffects xmlns:a14="http://schemas.microsoft.com/office/drawing/2010/main">
+                <a:effectLst>
+                  <a:outerShdw dist="35921" dir="2700000" algn="ctr" rotWithShape="0">
+                    <a:schemeClr val="bg2"/>
+                  </a:outerShdw>
+                </a:effectLst>
+              </a14:hiddenEffects>
+            </a:ext>
+          </a:extLst>
+        </p:spPr>
+      </p:pic>
+    </p:spTree>
+    <p:extLst>
+      <p:ext uri="{BB962C8B-B14F-4D97-AF65-F5344CB8AC3E}">
+        <p14:creationId xmlns:p14="http://schemas.microsoft.com/office/powerpoint/2010/main" val="275884194"/>
+      </p:ext>
+    </p:extLst>
+  </p:cSld>
+  <p:clrMapOvr>
+    <a:masterClrMapping/>
+  </p:clrMapOvr>
+  <p:timing>
+    <p:tnLst>
+      <p:par>
+        <p:cTn id="1" dur="indefinite" restart="never" nodeType="tmRoot">
+          <p:childTnLst>
+            <p:seq concurrent="1" nextAc="seek">
+              <p:cTn id="2" dur="indefinite" nodeType="mainSeq">
+                <p:childTnLst>
+                  <p:par>
+                    <p:cTn id="3" fill="hold">
+                      <p:stCondLst>
+                        <p:cond delay="indefinite"/>
+                        <p:cond evt="onBegin" delay="0">
+                          <p:tn val="2"/>
+                        </p:cond>
+                      </p:stCondLst>
+                      <p:childTnLst>
+                        <p:par>
+                          <p:cTn id="4" fill="hold">
+                            <p:stCondLst>
+                              <p:cond delay="0"/>
+                            </p:stCondLst>
+                            <p:childTnLst>
+                              <p:par>
+                                <p:cTn id="5" presetID="10" presetClass="entr" presetSubtype="0" fill="hold" grpId="0" nodeType="afterEffect">
+                                  <p:stCondLst>
+                                    <p:cond delay="0"/>
+                                  </p:stCondLst>
+                                  <p:iterate type="lt">
+                                    <p:tmPct val="10000"/>
+                                  </p:iterate>
+                                  <p:childTnLst>
+                                    <p:set>
+                                      <p:cBhvr>
+                                        <p:cTn id="6" dur="1" fill="hold">
+                                          <p:stCondLst>
+                                            <p:cond delay="0"/>
+                                          </p:stCondLst>
+                                        </p:cTn>
+                                        <p:tgtEl>
+                                          <p:spTgt spid="6"/>
+                                        </p:tgtEl>
+                                        <p:attrNameLst>
+                                          <p:attrName>style.visibility</p:attrName>
+                                        </p:attrNameLst>
+                                      </p:cBhvr>
+                                      <p:to>
+                                        <p:strVal val="visible"/>
+                                      </p:to>
+                                    </p:set>
+                                    <p:animEffect transition="in" filter="fade">
+                                      <p:cBhvr>
+                                        <p:cTn id="7" dur="500"/>
+                                        <p:tgtEl>
+                                          <p:spTgt spid="6"/>
+                                        </p:tgtEl>
+                                      </p:cBhvr>
+                                    </p:animEffect>
+                                  </p:childTnLst>
+                                </p:cTn>
+                              </p:par>
+                            </p:childTnLst>
+                          </p:cTn>
+                        </p:par>
+                        <p:par>
+                          <p:cTn id="8" fill="hold">
+                            <p:stCondLst>
+                              <p:cond delay="850"/>
+                            </p:stCondLst>
+                            <p:childTnLst>
+                              <p:par>
+                                <p:cTn id="9" presetID="22" presetClass="entr" presetSubtype="8" fill="hold" nodeType="afterEffect">
+                                  <p:stCondLst>
+                                    <p:cond delay="0"/>
+                                  </p:stCondLst>
+                                  <p:childTnLst>
+                                    <p:set>
+                                      <p:cBhvr>
+                                        <p:cTn id="10" dur="1" fill="hold">
+                                          <p:stCondLst>
+                                            <p:cond delay="0"/>
+                                          </p:stCondLst>
+                                        </p:cTn>
+                                        <p:tgtEl>
+                                          <p:spTgt spid="7"/>
+                                        </p:tgtEl>
+                                        <p:attrNameLst>
+                                          <p:attrName>style.visibility</p:attrName>
+                                        </p:attrNameLst>
+                                      </p:cBhvr>
+                                      <p:to>
+                                        <p:strVal val="visible"/>
+                                      </p:to>
+                                    </p:set>
+                                    <p:animEffect transition="in" filter="wipe(left)">
+                                      <p:cBhvr>
+                                        <p:cTn id="11" dur="1000"/>
+                                        <p:tgtEl>
+                                          <p:spTgt spid="7"/>
+                                        </p:tgtEl>
+                                      </p:cBhvr>
+                                    </p:animEffect>
+                                  </p:childTnLst>
+                                </p:cTn>
+                              </p:par>
+                            </p:childTnLst>
+                          </p:cTn>
+                        </p:par>
+                      </p:childTnLst>
+                    </p:cTn>
+                  </p:par>
+                </p:childTnLst>
+              </p:cTn>
+              <p:prevCondLst>
+                <p:cond evt="onPrev" delay="0">
+                  <p:tgtEl>
+                    <p:sldTgt/>
+                  </p:tgtEl>
+                </p:cond>
+              </p:prevCondLst>
+              <p:nextCondLst>
+                <p:cond evt="onNext" delay="0">
+                  <p:tgtEl>
+                    <p:sldTgt/>
+                  </p:tgtEl>
+                </p:cond>
+              </p:nextCondLst>
+            </p:seq>
+          </p:childTnLst>
+        </p:cTn>
+      </p:par>
+    </p:tnLst>
+    <p:bldLst>
+      <p:bldP spid="6" grpId="0"/>
+    </p:bldLst>
+  </p:timing>
+</p:sld>
+</file>
+
+<file path=ppt/slides/slide7.xml><?xml version="1.0" encoding="utf-8"?>
+<p:sld xmlns:a="http://schemas.openxmlformats.org/drawingml/2006/main" xmlns:r="http://schemas.openxmlformats.org/officeDocument/2006/relationships" xmlns:p="http://schemas.openxmlformats.org/presentationml/2006/main">
+  <p:cSld>
+    <p:spTree>
+      <p:nvGrpSpPr>
+        <p:cNvPr id="1" name=""/>
+        <p:cNvGrpSpPr/>
+        <p:nvPr/>
+      </p:nvGrpSpPr>
+      <p:grpSpPr>
+        <a:xfrm>
+          <a:off x="0" y="0"/>
+          <a:ext cx="0" cy="0"/>
+          <a:chOff x="0" y="0"/>
+          <a:chExt cx="0" cy="0"/>
+        </a:xfrm>
+      </p:grpSpPr>
+      <p:cxnSp>
+        <p:nvCxnSpPr>
+          <p:cNvPr id="7" name="直接连接符 6"/>
+          <p:cNvCxnSpPr/>
+          <p:nvPr/>
+        </p:nvCxnSpPr>
+        <p:spPr>
+          <a:xfrm>
+            <a:off x="584734" y="2048065"/>
+            <a:ext cx="11367663" cy="0"/>
+          </a:xfrm>
+          <a:prstGeom prst="line">
+            <a:avLst/>
+          </a:prstGeom>
+          <a:ln>
+            <a:solidFill>
+              <a:schemeClr val="tx1">
+                <a:lumMod val="50000"/>
+                <a:lumOff val="50000"/>
+              </a:schemeClr>
+            </a:solidFill>
+          </a:ln>
+        </p:spPr>
+        <p:style>
+          <a:lnRef idx="1">
+            <a:schemeClr val="accent1"/>
+          </a:lnRef>
+          <a:fillRef idx="0">
+            <a:schemeClr val="accent1"/>
+          </a:fillRef>
+          <a:effectRef idx="0">
+            <a:schemeClr val="accent1"/>
+          </a:effectRef>
+          <a:fontRef idx="minor">
+            <a:schemeClr val="tx1"/>
+          </a:fontRef>
+        </p:style>
+      </p:cxnSp>
+      <p:sp>
+        <p:nvSpPr>
+          <p:cNvPr id="8" name="文本框 13"/>
+          <p:cNvSpPr txBox="1"/>
+          <p:nvPr/>
+        </p:nvSpPr>
+        <p:spPr>
+          <a:xfrm>
+            <a:off x="1061214" y="855266"/>
+            <a:ext cx="7601426" cy="801897"/>
+          </a:xfrm>
+          <a:prstGeom prst="rect">
+            <a:avLst/>
+          </a:prstGeom>
+          <a:noFill/>
+        </p:spPr>
+        <p:txBody>
+          <a:bodyPr wrap="square" lIns="123581" tIns="61791" rIns="123581" bIns="61791" rtlCol="0">
+            <a:spAutoFit/>
+          </a:bodyPr>
+          <a:lstStyle/>
+          <a:p>
+            <a:r>
+              <a:rPr lang="en-US" altLang="zh-CN" sz="4400" dirty="0">
+                <a:solidFill>
+                  <a:srgbClr val="0070C0"/>
+                </a:solidFill>
+                <a:latin typeface="黑体" panose="02010609060101010101" pitchFamily="49" charset="-122"/>
+                <a:ea typeface="黑体" panose="02010609060101010101" pitchFamily="49" charset="-122"/>
+              </a:rPr>
+              <a:t>Three entry points</a:t>
+            </a:r>
+            <a:endParaRPr lang="zh-CN" altLang="en-US" sz="4400" dirty="0">
+              <a:solidFill>
+                <a:srgbClr val="0070C0"/>
+              </a:solidFill>
+              <a:latin typeface="黑体" panose="02010609060101010101" pitchFamily="49" charset="-122"/>
+              <a:ea typeface="黑体" panose="02010609060101010101" pitchFamily="49" charset="-122"/>
+            </a:endParaRPr>
+          </a:p>
+        </p:txBody>
+      </p:sp>
+      <p:sp>
+        <p:nvSpPr>
+          <p:cNvPr id="2" name="矩形 1"/>
+          <p:cNvSpPr/>
+          <p:nvPr/>
+        </p:nvSpPr>
+        <p:spPr>
+          <a:xfrm>
+            <a:off x="1115070" y="7006878"/>
+            <a:ext cx="6208751" cy="1200329"/>
+          </a:xfrm>
+          <a:prstGeom prst="rect">
+            <a:avLst/>
+          </a:prstGeom>
+        </p:spPr>
+        <p:txBody>
+          <a:bodyPr wrap="none">
+            <a:spAutoFit/>
+          </a:bodyPr>
+          <a:lstStyle/>
+          <a:p>
+            <a:pPr marL="342900" indent="-342900">
+              <a:buFont typeface="Arial" panose="020B0604020202020204" pitchFamily="34" charset="0"/>
+              <a:buChar char="•"/>
+            </a:pPr>
+            <a:r>
+              <a:rPr lang="en-US" altLang="zh-CN" dirty="0" err="1" smtClean="0"/>
+              <a:t>SoR</a:t>
+            </a:r>
+            <a:r>
+              <a:rPr lang="en-US" altLang="zh-CN" dirty="0" smtClean="0"/>
+              <a:t> :  system </a:t>
+            </a:r>
+            <a:r>
+              <a:rPr lang="en-US" altLang="zh-CN" dirty="0"/>
+              <a:t>of record, </a:t>
+            </a:r>
+            <a:r>
+              <a:rPr lang="zh-CN" altLang="en-US" dirty="0"/>
+              <a:t>记录型</a:t>
+            </a:r>
+            <a:r>
+              <a:rPr lang="zh-CN" altLang="en-US" dirty="0" smtClean="0"/>
+              <a:t>系统</a:t>
+            </a:r>
+            <a:endParaRPr lang="en-US" altLang="zh-CN" dirty="0" smtClean="0"/>
+          </a:p>
+          <a:p>
+            <a:pPr marL="342900" indent="-342900">
+              <a:buFont typeface="Arial" panose="020B0604020202020204" pitchFamily="34" charset="0"/>
+              <a:buChar char="•"/>
+            </a:pPr>
+            <a:r>
+              <a:rPr lang="en-US" altLang="zh-CN" dirty="0" err="1" smtClean="0"/>
+              <a:t>SoE</a:t>
+            </a:r>
+            <a:r>
+              <a:rPr lang="en-US" altLang="zh-CN" dirty="0" smtClean="0"/>
+              <a:t> : Systems </a:t>
+            </a:r>
+            <a:r>
+              <a:rPr lang="en-US" altLang="zh-CN" dirty="0"/>
+              <a:t>of engagement,</a:t>
+            </a:r>
+            <a:r>
+              <a:rPr lang="zh-CN" altLang="en-US" dirty="0"/>
+              <a:t>互动型</a:t>
+            </a:r>
+            <a:r>
+              <a:rPr lang="zh-CN" altLang="en-US" dirty="0" smtClean="0"/>
+              <a:t>系统</a:t>
+            </a:r>
+            <a:endParaRPr lang="en-US" altLang="zh-CN" dirty="0" smtClean="0"/>
+          </a:p>
+          <a:p>
+            <a:pPr marL="342900" indent="-342900">
+              <a:buFont typeface="Arial" panose="020B0604020202020204" pitchFamily="34" charset="0"/>
+              <a:buChar char="•"/>
+            </a:pPr>
+            <a:r>
+              <a:rPr lang="en-US" altLang="zh-CN" dirty="0" err="1" smtClean="0"/>
+              <a:t>SoI</a:t>
+            </a:r>
+            <a:r>
+              <a:rPr lang="en-US" altLang="zh-CN" dirty="0"/>
+              <a:t> : Systems of Interaction</a:t>
+            </a:r>
+            <a:endParaRPr lang="zh-CN" altLang="en-US" dirty="0"/>
+          </a:p>
+        </p:txBody>
+      </p:sp>
+      <p:pic>
+        <p:nvPicPr>
+          <p:cNvPr id="3074" name="Picture 2"/>
+          <p:cNvPicPr>
+            <a:picLocks noChangeAspect="1" noChangeArrowheads="1"/>
+          </p:cNvPicPr>
+          <p:nvPr/>
+        </p:nvPicPr>
+        <p:blipFill>
+          <a:blip r:embed="rId3">
+            <a:extLst>
+              <a:ext uri="{28A0092B-C50C-407E-A947-70E740481C1C}">
+                <a14:useLocalDpi xmlns:a14="http://schemas.microsoft.com/office/drawing/2010/main" val="0"/>
+              </a:ext>
+            </a:extLst>
+          </a:blip>
+          <a:srcRect/>
+          <a:stretch>
+            <a:fillRect/>
+          </a:stretch>
+        </p:blipFill>
+        <p:spPr bwMode="auto">
+          <a:xfrm>
+            <a:off x="1100460" y="1863378"/>
+            <a:ext cx="9942513" cy="5143500"/>
+          </a:xfrm>
+          <a:prstGeom prst="rect">
+            <a:avLst/>
+          </a:prstGeom>
+          <a:noFill/>
+          <a:ln>
+            <a:noFill/>
+          </a:ln>
+          <a:effectLst/>
+          <a:extLst>
+            <a:ext uri="{909E8E84-426E-40DD-AFC4-6F175D3DCCD1}">
+              <a14:hiddenFill xmlns:a14="http://schemas.microsoft.com/office/drawing/2010/main">
+                <a:solidFill>
+                  <a:schemeClr val="accent1"/>
+                </a:solidFill>
+              </a14:hiddenFill>
+            </a:ext>
+            <a:ext uri="{91240B29-F687-4F45-9708-019B960494DF}">
+              <a14:hiddenLine xmlns:a14="http://schemas.microsoft.com/office/drawing/2010/main" w="9525">
+                <a:solidFill>
+                  <a:schemeClr val="tx1"/>
+                </a:solidFill>
+                <a:miter lim="800000"/>
+                <a:headEnd/>
+                <a:tailEnd/>
+              </a14:hiddenLine>
+            </a:ext>
+            <a:ext uri="{AF507438-7753-43E0-B8FC-AC1667EBCBE1}">
+              <a14:hiddenEffects xmlns:a14="http://schemas.microsoft.com/office/drawing/2010/main">
+                <a:effectLst>
+                  <a:outerShdw dist="35921" dir="2700000" algn="ctr" rotWithShape="0">
+                    <a:schemeClr val="bg2"/>
+                  </a:outerShdw>
+                </a:effectLst>
+              </a14:hiddenEffects>
+            </a:ext>
+          </a:extLst>
+        </p:spPr>
+      </p:pic>
+    </p:spTree>
+    <p:extLst>
+      <p:ext uri="{BB962C8B-B14F-4D97-AF65-F5344CB8AC3E}">
+        <p14:creationId xmlns:p14="http://schemas.microsoft.com/office/powerpoint/2010/main" val="3305723365"/>
+      </p:ext>
+    </p:extLst>
+  </p:cSld>
+  <p:clrMapOvr>
+    <a:masterClrMapping/>
+  </p:clrMapOvr>
+  <p:timing>
+    <p:tnLst>
+      <p:par>
+        <p:cTn id="1" dur="indefinite" restart="never" nodeType="tmRoot">
+          <p:childTnLst>
+            <p:seq concurrent="1" nextAc="seek">
+              <p:cTn id="2" dur="indefinite" nodeType="mainSeq">
+                <p:childTnLst>
+                  <p:par>
+                    <p:cTn id="3" fill="hold">
+                      <p:stCondLst>
+                        <p:cond delay="indefinite"/>
+                        <p:cond evt="onBegin" delay="0">
+                          <p:tn val="2"/>
+                        </p:cond>
+                      </p:stCondLst>
+                      <p:childTnLst>
+                        <p:par>
+                          <p:cTn id="4" fill="hold">
+                            <p:stCondLst>
+                              <p:cond delay="0"/>
+                            </p:stCondLst>
+                            <p:childTnLst>
+                              <p:par>
+                                <p:cTn id="5" presetID="22" presetClass="entr" presetSubtype="8" fill="hold" nodeType="afterEffect">
+                                  <p:stCondLst>
+                                    <p:cond delay="0"/>
+                                  </p:stCondLst>
+                                  <p:childTnLst>
+                                    <p:set>
+                                      <p:cBhvr>
+                                        <p:cTn id="6" dur="1" fill="hold">
+                                          <p:stCondLst>
+                                            <p:cond delay="0"/>
+                                          </p:stCondLst>
+                                        </p:cTn>
+                                        <p:tgtEl>
+                                          <p:spTgt spid="7"/>
+                                        </p:tgtEl>
+                                        <p:attrNameLst>
+                                          <p:attrName>style.visibility</p:attrName>
+                                        </p:attrNameLst>
+                                      </p:cBhvr>
+                                      <p:to>
+                                        <p:strVal val="visible"/>
+                                      </p:to>
+                                    </p:set>
+                                    <p:animEffect transition="in" filter="wipe(left)">
+                                      <p:cBhvr>
+                                        <p:cTn id="7" dur="1000"/>
+                                        <p:tgtEl>
+                                          <p:spTgt spid="7"/>
+                                        </p:tgtEl>
+                                      </p:cBhvr>
+                                    </p:animEffect>
+                                  </p:childTnLst>
+                                </p:cTn>
+                              </p:par>
+                            </p:childTnLst>
+                          </p:cTn>
+                        </p:par>
+                        <p:par>
+                          <p:cTn id="8" fill="hold">
+                            <p:stCondLst>
+                              <p:cond delay="1000"/>
+                            </p:stCondLst>
+                            <p:childTnLst>
+                              <p:par>
+                                <p:cTn id="9" presetID="10" presetClass="entr" presetSubtype="0" fill="hold" grpId="0" nodeType="afterEffect">
+                                  <p:stCondLst>
+                                    <p:cond delay="0"/>
+                                  </p:stCondLst>
+                                  <p:iterate type="lt">
+                                    <p:tmPct val="10000"/>
+                                  </p:iterate>
+                                  <p:childTnLst>
+                                    <p:set>
+                                      <p:cBhvr>
+                                        <p:cTn id="10" dur="1" fill="hold">
+                                          <p:stCondLst>
+                                            <p:cond delay="0"/>
+                                          </p:stCondLst>
+                                        </p:cTn>
+                                        <p:tgtEl>
+                                          <p:spTgt spid="8"/>
+                                        </p:tgtEl>
+                                        <p:attrNameLst>
+                                          <p:attrName>style.visibility</p:attrName>
+                                        </p:attrNameLst>
+                                      </p:cBhvr>
+                                      <p:to>
+                                        <p:strVal val="visible"/>
+                                      </p:to>
+                                    </p:set>
+                                    <p:animEffect transition="in" filter="fade">
+                                      <p:cBhvr>
+                                        <p:cTn id="11" dur="500"/>
+                                        <p:tgtEl>
+                                          <p:spTgt spid="8"/>
+                                        </p:tgtEl>
+                                      </p:cBhvr>
+                                    </p:animEffect>
+                                  </p:childTnLst>
+                                </p:cTn>
+                              </p:par>
+                            </p:childTnLst>
+                          </p:cTn>
+                        </p:par>
+                      </p:childTnLst>
+                    </p:cTn>
+                  </p:par>
+                </p:childTnLst>
+              </p:cTn>
+              <p:prevCondLst>
+                <p:cond evt="onPrev" delay="0">
+                  <p:tgtEl>
+                    <p:sldTgt/>
+                  </p:tgtEl>
+                </p:cond>
+              </p:prevCondLst>
+              <p:nextCondLst>
+                <p:cond evt="onNext" delay="0">
+                  <p:tgtEl>
+                    <p:sldTgt/>
+                  </p:tgtEl>
+                </p:cond>
+              </p:nextCondLst>
+            </p:seq>
+          </p:childTnLst>
+        </p:cTn>
+      </p:par>
+    </p:tnLst>
+    <p:bldLst>
+      <p:bldP spid="8" grpId="0"/>
+    </p:bldLst>
+  </p:timing>
+</p:sld>
+</file>
+
+<file path=ppt/slides/slide8.xml><?xml version="1.0" encoding="utf-8"?>
 <p:sld xmlns:a="http://schemas.openxmlformats.org/drawingml/2006/main" xmlns:r="http://schemas.openxmlformats.org/officeDocument/2006/relationships" xmlns:p="http://schemas.openxmlformats.org/presentationml/2006/main">
   <p:cSld>
     <p:spTree>
@@ -7334,7 +9198,7 @@
 </p:sld>
 </file>
 
-<file path=ppt/slides/slide7.xml><?xml version="1.0" encoding="utf-8"?>
+<file path=ppt/slides/slide9.xml><?xml version="1.0" encoding="utf-8"?>
 <p:sld xmlns:a="http://schemas.openxmlformats.org/drawingml/2006/main" xmlns:r="http://schemas.openxmlformats.org/officeDocument/2006/relationships" xmlns:p="http://schemas.openxmlformats.org/presentationml/2006/main">
   <p:cSld>
     <p:spTree>
@@ -7586,351 +9450,6 @@
     <p:bldLst>
       <p:bldP spid="6" grpId="0"/>
     </p:bldLst>
-  </p:timing>
-</p:sld>
-</file>
-
-<file path=ppt/slides/slide8.xml><?xml version="1.0" encoding="utf-8"?>
-<p:sld xmlns:a="http://schemas.openxmlformats.org/drawingml/2006/main" xmlns:r="http://schemas.openxmlformats.org/officeDocument/2006/relationships" xmlns:p="http://schemas.openxmlformats.org/presentationml/2006/main">
-  <p:cSld>
-    <p:spTree>
-      <p:nvGrpSpPr>
-        <p:cNvPr id="1" name=""/>
-        <p:cNvGrpSpPr/>
-        <p:nvPr/>
-      </p:nvGrpSpPr>
-      <p:grpSpPr>
-        <a:xfrm>
-          <a:off x="0" y="0"/>
-          <a:ext cx="0" cy="0"/>
-          <a:chOff x="0" y="0"/>
-          <a:chExt cx="0" cy="0"/>
-        </a:xfrm>
-      </p:grpSpPr>
-      <p:pic>
-        <p:nvPicPr>
-          <p:cNvPr id="1027" name="Picture 3" descr="E:\工作\0530\银色系列\1.jpg"/>
-          <p:cNvPicPr>
-            <a:picLocks noChangeAspect="1" noChangeArrowheads="1"/>
-          </p:cNvPicPr>
-          <p:nvPr/>
-        </p:nvPicPr>
-        <p:blipFill>
-          <a:blip r:embed="rId2">
-            <a:extLst>
-              <a:ext uri="{28A0092B-C50C-407E-A947-70E740481C1C}">
-                <a14:useLocalDpi xmlns:a14="http://schemas.microsoft.com/office/drawing/2010/main" val="0"/>
-              </a:ext>
-            </a:extLst>
-          </a:blip>
-          <a:srcRect/>
-          <a:stretch>
-            <a:fillRect/>
-          </a:stretch>
-        </p:blipFill>
-        <p:spPr bwMode="auto">
-          <a:xfrm>
-            <a:off x="-26170" y="0"/>
-            <a:ext cx="13030969" cy="8640652"/>
-          </a:xfrm>
-          <a:prstGeom prst="rect">
-            <a:avLst/>
-          </a:prstGeom>
-          <a:noFill/>
-          <a:extLst>
-            <a:ext uri="{909E8E84-426E-40DD-AFC4-6F175D3DCCD1}">
-              <a14:hiddenFill xmlns:a14="http://schemas.microsoft.com/office/drawing/2010/main">
-                <a:solidFill>
-                  <a:srgbClr val="FFFFFF"/>
-                </a:solidFill>
-              </a14:hiddenFill>
-            </a:ext>
-          </a:extLst>
-        </p:spPr>
-      </p:pic>
-      <p:sp>
-        <p:nvSpPr>
-          <p:cNvPr id="6" name="文本框 13"/>
-          <p:cNvSpPr txBox="1"/>
-          <p:nvPr/>
-        </p:nvSpPr>
-        <p:spPr>
-          <a:xfrm>
-            <a:off x="5134248" y="3308902"/>
-            <a:ext cx="3096344" cy="1602116"/>
-          </a:xfrm>
-          <a:prstGeom prst="rect">
-            <a:avLst/>
-          </a:prstGeom>
-          <a:noFill/>
-        </p:spPr>
-        <p:txBody>
-          <a:bodyPr wrap="square" lIns="123581" tIns="61791" rIns="123581" bIns="61791" rtlCol="0">
-            <a:spAutoFit/>
-          </a:bodyPr>
-          <a:lstStyle/>
-          <a:p>
-            <a:r>
-              <a:rPr lang="en-US" altLang="zh-CN" sz="9600" dirty="0" smtClean="0">
-                <a:solidFill>
-                  <a:srgbClr val="0070C0"/>
-                </a:solidFill>
-                <a:latin typeface="黑体" panose="02010609060101010101" pitchFamily="49" charset="-122"/>
-                <a:ea typeface="黑体" panose="02010609060101010101" pitchFamily="49" charset="-122"/>
-              </a:rPr>
-              <a:t>Q&amp;A</a:t>
-            </a:r>
-            <a:endParaRPr lang="zh-CN" altLang="en-US" sz="9600" dirty="0">
-              <a:solidFill>
-                <a:srgbClr val="0070C0"/>
-              </a:solidFill>
-              <a:latin typeface="黑体" panose="02010609060101010101" pitchFamily="49" charset="-122"/>
-              <a:ea typeface="黑体" panose="02010609060101010101" pitchFamily="49" charset="-122"/>
-            </a:endParaRPr>
-          </a:p>
-        </p:txBody>
-      </p:sp>
-      <p:sp>
-        <p:nvSpPr>
-          <p:cNvPr id="12" name="文本框 7"/>
-          <p:cNvSpPr txBox="1"/>
-          <p:nvPr/>
-        </p:nvSpPr>
-        <p:spPr>
-          <a:xfrm>
-            <a:off x="4413" y="2393202"/>
-            <a:ext cx="2465493" cy="886284"/>
-          </a:xfrm>
-          <a:prstGeom prst="rect">
-            <a:avLst/>
-          </a:prstGeom>
-          <a:noFill/>
-        </p:spPr>
-        <p:txBody>
-          <a:bodyPr wrap="none" lIns="123581" tIns="61791" rIns="123581" bIns="61791" rtlCol="0">
-            <a:noAutofit/>
-          </a:bodyPr>
-          <a:lstStyle/>
-          <a:p>
-            <a:endParaRPr lang="zh-CN" altLang="en-US" sz="10800" dirty="0">
-              <a:solidFill>
-                <a:schemeClr val="accent1"/>
-              </a:solidFill>
-              <a:latin typeface="微软雅黑" panose="020B0503020204020204" pitchFamily="34" charset="-122"/>
-              <a:ea typeface="微软雅黑" panose="020B0503020204020204" pitchFamily="34" charset="-122"/>
-            </a:endParaRPr>
-          </a:p>
-        </p:txBody>
-      </p:sp>
-    </p:spTree>
-    <p:extLst>
-      <p:ext uri="{BB962C8B-B14F-4D97-AF65-F5344CB8AC3E}">
-        <p14:creationId xmlns:p14="http://schemas.microsoft.com/office/powerpoint/2010/main" val="3845403366"/>
-      </p:ext>
-    </p:extLst>
-  </p:cSld>
-  <p:clrMapOvr>
-    <a:masterClrMapping/>
-  </p:clrMapOvr>
-  <p:timing>
-    <p:tnLst>
-      <p:par>
-        <p:cTn id="1" dur="indefinite" restart="never" nodeType="tmRoot">
-          <p:childTnLst>
-            <p:seq concurrent="1" nextAc="seek">
-              <p:cTn id="2" dur="indefinite" nodeType="mainSeq">
-                <p:childTnLst>
-                  <p:par>
-                    <p:cTn id="3" fill="hold">
-                      <p:stCondLst>
-                        <p:cond delay="indefinite"/>
-                        <p:cond evt="onBegin" delay="0">
-                          <p:tn val="2"/>
-                        </p:cond>
-                      </p:stCondLst>
-                      <p:childTnLst>
-                        <p:par>
-                          <p:cTn id="4" fill="hold">
-                            <p:stCondLst>
-                              <p:cond delay="0"/>
-                            </p:stCondLst>
-                            <p:childTnLst>
-                              <p:par>
-                                <p:cTn id="5" presetID="1" presetClass="entr" presetSubtype="0" fill="hold" nodeType="withEffect">
-                                  <p:stCondLst>
-                                    <p:cond delay="0"/>
-                                  </p:stCondLst>
-                                  <p:childTnLst>
-                                    <p:set>
-                                      <p:cBhvr>
-                                        <p:cTn id="6" dur="1" fill="hold">
-                                          <p:stCondLst>
-                                            <p:cond delay="0"/>
-                                          </p:stCondLst>
-                                        </p:cTn>
-                                        <p:tgtEl>
-                                          <p:spTgt spid="1027"/>
-                                        </p:tgtEl>
-                                        <p:attrNameLst>
-                                          <p:attrName>style.visibility</p:attrName>
-                                        </p:attrNameLst>
-                                      </p:cBhvr>
-                                      <p:to>
-                                        <p:strVal val="visible"/>
-                                      </p:to>
-                                    </p:set>
-                                  </p:childTnLst>
-                                </p:cTn>
-                              </p:par>
-                              <p:par>
-                                <p:cTn id="7" presetID="1" presetClass="entr" presetSubtype="0" fill="hold" grpId="0" nodeType="withEffect">
-                                  <p:stCondLst>
-                                    <p:cond delay="0"/>
-                                  </p:stCondLst>
-                                  <p:childTnLst>
-                                    <p:set>
-                                      <p:cBhvr>
-                                        <p:cTn id="8" dur="1" fill="hold">
-                                          <p:stCondLst>
-                                            <p:cond delay="0"/>
-                                          </p:stCondLst>
-                                        </p:cTn>
-                                        <p:tgtEl>
-                                          <p:spTgt spid="6"/>
-                                        </p:tgtEl>
-                                        <p:attrNameLst>
-                                          <p:attrName>style.visibility</p:attrName>
-                                        </p:attrNameLst>
-                                      </p:cBhvr>
-                                      <p:to>
-                                        <p:strVal val="visible"/>
-                                      </p:to>
-                                    </p:set>
-                                  </p:childTnLst>
-                                </p:cTn>
-                              </p:par>
-                            </p:childTnLst>
-                          </p:cTn>
-                        </p:par>
-                      </p:childTnLst>
-                    </p:cTn>
-                  </p:par>
-                </p:childTnLst>
-              </p:cTn>
-              <p:prevCondLst>
-                <p:cond evt="onPrev" delay="0">
-                  <p:tgtEl>
-                    <p:sldTgt/>
-                  </p:tgtEl>
-                </p:cond>
-              </p:prevCondLst>
-              <p:nextCondLst>
-                <p:cond evt="onNext" delay="0">
-                  <p:tgtEl>
-                    <p:sldTgt/>
-                  </p:tgtEl>
-                </p:cond>
-              </p:nextCondLst>
-            </p:seq>
-          </p:childTnLst>
-        </p:cTn>
-      </p:par>
-    </p:tnLst>
-    <p:bldLst>
-      <p:bldP spid="6" grpId="0"/>
-    </p:bldLst>
-  </p:timing>
-</p:sld>
-</file>
-
-<file path=ppt/slides/slide9.xml><?xml version="1.0" encoding="utf-8"?>
-<p:sld xmlns:a="http://schemas.openxmlformats.org/drawingml/2006/main" xmlns:r="http://schemas.openxmlformats.org/officeDocument/2006/relationships" xmlns:p="http://schemas.openxmlformats.org/presentationml/2006/main">
-  <p:cSld>
-    <p:spTree>
-      <p:nvGrpSpPr>
-        <p:cNvPr id="1" name=""/>
-        <p:cNvGrpSpPr/>
-        <p:nvPr/>
-      </p:nvGrpSpPr>
-      <p:grpSpPr>
-        <a:xfrm>
-          <a:off x="0" y="0"/>
-          <a:ext cx="0" cy="0"/>
-          <a:chOff x="0" y="0"/>
-          <a:chExt cx="0" cy="0"/>
-        </a:xfrm>
-      </p:grpSpPr>
-      <p:sp>
-        <p:nvSpPr>
-          <p:cNvPr id="2" name="内容占位符 1"/>
-          <p:cNvSpPr>
-            <a:spLocks noGrp="1"/>
-          </p:cNvSpPr>
-          <p:nvPr>
-            <p:ph sz="quarter" idx="13"/>
-          </p:nvPr>
-        </p:nvSpPr>
-        <p:spPr/>
-        <p:txBody>
-          <a:bodyPr/>
-          <a:lstStyle/>
-          <a:p>
-            <a:endParaRPr lang="zh-CN" altLang="en-US"/>
-          </a:p>
-        </p:txBody>
-      </p:sp>
-      <p:pic>
-        <p:nvPicPr>
-          <p:cNvPr id="1026" name="Picture 2" descr="E:\工作\0530\银色系列\5.jpg"/>
-          <p:cNvPicPr>
-            <a:picLocks noChangeAspect="1" noChangeArrowheads="1"/>
-          </p:cNvPicPr>
-          <p:nvPr/>
-        </p:nvPicPr>
-        <p:blipFill>
-          <a:blip r:embed="rId2">
-            <a:extLst>
-              <a:ext uri="{28A0092B-C50C-407E-A947-70E740481C1C}">
-                <a14:useLocalDpi xmlns:a14="http://schemas.microsoft.com/office/drawing/2010/main" val="0"/>
-              </a:ext>
-            </a:extLst>
-          </a:blip>
-          <a:srcRect/>
-          <a:stretch>
-            <a:fillRect/>
-          </a:stretch>
-        </p:blipFill>
-        <p:spPr bwMode="auto">
-          <a:xfrm>
-            <a:off x="-13158" y="-1"/>
-            <a:ext cx="13017958" cy="8632025"/>
-          </a:xfrm>
-          <a:prstGeom prst="rect">
-            <a:avLst/>
-          </a:prstGeom>
-          <a:noFill/>
-          <a:extLst>
-            <a:ext uri="{909E8E84-426E-40DD-AFC4-6F175D3DCCD1}">
-              <a14:hiddenFill xmlns:a14="http://schemas.microsoft.com/office/drawing/2010/main">
-                <a:solidFill>
-                  <a:srgbClr val="FFFFFF"/>
-                </a:solidFill>
-              </a14:hiddenFill>
-            </a:ext>
-          </a:extLst>
-        </p:spPr>
-      </p:pic>
-    </p:spTree>
-  </p:cSld>
-  <p:clrMapOvr>
-    <a:masterClrMapping/>
-  </p:clrMapOvr>
-  <p:timing>
-    <p:tnLst>
-      <p:par>
-        <p:cTn id="1" dur="indefinite" restart="never" nodeType="tmRoot"/>
-      </p:par>
-    </p:tnLst>
   </p:timing>
 </p:sld>
 </file>

--- a/c云服务架构/Saas架构设计.pptx
+++ b/c云服务架构/Saas架构设计.pptx
@@ -5,20 +5,27 @@
     <p:sldMasterId id="2147483684" r:id="rId1"/>
   </p:sldMasterIdLst>
   <p:notesMasterIdLst>
-    <p:notesMasterId r:id="rId13"/>
+    <p:notesMasterId r:id="rId20"/>
   </p:notesMasterIdLst>
   <p:sldIdLst>
     <p:sldId id="256" r:id="rId2"/>
-    <p:sldId id="286" r:id="rId3"/>
-    <p:sldId id="307" r:id="rId4"/>
-    <p:sldId id="311" r:id="rId5"/>
-    <p:sldId id="308" r:id="rId6"/>
-    <p:sldId id="312" r:id="rId7"/>
-    <p:sldId id="313" r:id="rId8"/>
-    <p:sldId id="309" r:id="rId9"/>
-    <p:sldId id="310" r:id="rId10"/>
-    <p:sldId id="279" r:id="rId11"/>
-    <p:sldId id="264" r:id="rId12"/>
+    <p:sldId id="314" r:id="rId3"/>
+    <p:sldId id="286" r:id="rId4"/>
+    <p:sldId id="307" r:id="rId5"/>
+    <p:sldId id="311" r:id="rId6"/>
+    <p:sldId id="315" r:id="rId7"/>
+    <p:sldId id="308" r:id="rId8"/>
+    <p:sldId id="312" r:id="rId9"/>
+    <p:sldId id="313" r:id="rId10"/>
+    <p:sldId id="316" r:id="rId11"/>
+    <p:sldId id="318" r:id="rId12"/>
+    <p:sldId id="320" r:id="rId13"/>
+    <p:sldId id="319" r:id="rId14"/>
+    <p:sldId id="317" r:id="rId15"/>
+    <p:sldId id="309" r:id="rId16"/>
+    <p:sldId id="310" r:id="rId17"/>
+    <p:sldId id="279" r:id="rId18"/>
+    <p:sldId id="264" r:id="rId19"/>
   </p:sldIdLst>
   <p:sldSz cx="13004800" cy="8623300"/>
   <p:notesSz cx="6858000" cy="9144000"/>
@@ -202,7 +209,7 @@
           <a:p>
             <a:fld id="{FCF34936-9BE8-4133-A782-55B70958D9F1}" type="datetimeFigureOut">
               <a:rPr lang="zh-CN" altLang="en-US" smtClean="0"/>
-              <a:t>2017/4/6</a:t>
+              <a:t>2017/4/7</a:t>
             </a:fld>
             <a:endParaRPr lang="zh-CN" altLang="en-US"/>
           </a:p>
@@ -554,6 +561,940 @@
 </p:notes>
 </file>
 
+<file path=ppt/notesSlides/notesSlide10.xml><?xml version="1.0" encoding="utf-8"?>
+<p:notes xmlns:a="http://schemas.openxmlformats.org/drawingml/2006/main" xmlns:r="http://schemas.openxmlformats.org/officeDocument/2006/relationships" xmlns:p="http://schemas.openxmlformats.org/presentationml/2006/main">
+  <p:cSld>
+    <p:spTree>
+      <p:nvGrpSpPr>
+        <p:cNvPr id="1" name=""/>
+        <p:cNvGrpSpPr/>
+        <p:nvPr/>
+      </p:nvGrpSpPr>
+      <p:grpSpPr>
+        <a:xfrm>
+          <a:off x="0" y="0"/>
+          <a:ext cx="0" cy="0"/>
+          <a:chOff x="0" y="0"/>
+          <a:chExt cx="0" cy="0"/>
+        </a:xfrm>
+      </p:grpSpPr>
+      <p:sp>
+        <p:nvSpPr>
+          <p:cNvPr id="2" name="幻灯片图像占位符 1"/>
+          <p:cNvSpPr>
+            <a:spLocks noGrp="1" noRot="1" noChangeAspect="1"/>
+          </p:cNvSpPr>
+          <p:nvPr>
+            <p:ph type="sldImg"/>
+          </p:nvPr>
+        </p:nvSpPr>
+        <p:spPr/>
+      </p:sp>
+      <p:sp>
+        <p:nvSpPr>
+          <p:cNvPr id="3" name="备注占位符 2"/>
+          <p:cNvSpPr>
+            <a:spLocks noGrp="1"/>
+          </p:cNvSpPr>
+          <p:nvPr>
+            <p:ph type="body" idx="1"/>
+          </p:nvPr>
+        </p:nvSpPr>
+        <p:spPr/>
+        <p:txBody>
+          <a:bodyPr/>
+          <a:lstStyle/>
+          <a:p>
+            <a:pPr marL="0" marR="0" indent="0" algn="l" defTabSz="914400" rtl="0" eaLnBrk="1" fontAlgn="auto" latinLnBrk="0" hangingPunct="1">
+              <a:lnSpc>
+                <a:spcPct val="100000"/>
+              </a:lnSpc>
+              <a:spcBef>
+                <a:spcPts val="0"/>
+              </a:spcBef>
+              <a:spcAft>
+                <a:spcPts val="0"/>
+              </a:spcAft>
+              <a:buClrTx/>
+              <a:buSzTx/>
+              <a:buFontTx/>
+              <a:buNone/>
+              <a:tabLst/>
+              <a:defRPr/>
+            </a:pPr>
+            <a:r>
+              <a:rPr lang="zh-CN" altLang="en-US" b="1" dirty="0" smtClean="0"/>
+              <a:t>重</a:t>
+            </a:r>
+            <a:r>
+              <a:rPr lang="en-US" altLang="zh-CN" b="1" dirty="0" smtClean="0"/>
+              <a:t>SaaS </a:t>
+            </a:r>
+            <a:r>
+              <a:rPr lang="zh-CN" altLang="en-US" b="1" dirty="0" smtClean="0"/>
+              <a:t>：</a:t>
+            </a:r>
+            <a:r>
+              <a:rPr lang="zh-CN" altLang="en-US" dirty="0" smtClean="0"/>
+              <a:t>这类</a:t>
+            </a:r>
+            <a:r>
+              <a:rPr lang="en-US" altLang="zh-CN" dirty="0" smtClean="0"/>
+              <a:t>SaaS</a:t>
+            </a:r>
+            <a:r>
+              <a:rPr lang="zh-CN" altLang="en-US" dirty="0" smtClean="0"/>
+              <a:t>还是带有很强的传统软件开发及信息化的思路，因此软件功能一般相对比较复杂，能够实现的功能也相对较多，往往需要实施的企业具有较强的信息化管理能力，并且这类</a:t>
+            </a:r>
+            <a:r>
+              <a:rPr lang="en-US" altLang="zh-CN" dirty="0" smtClean="0"/>
+              <a:t>SaaS</a:t>
+            </a:r>
+            <a:r>
+              <a:rPr lang="zh-CN" altLang="en-US" dirty="0" smtClean="0"/>
+              <a:t>的销售方式通常还是采用比较重的行业研讨会及“</a:t>
+            </a:r>
+            <a:r>
+              <a:rPr lang="en-US" altLang="zh-CN" dirty="0" err="1" smtClean="0"/>
+              <a:t>Sales+Pre-Sales</a:t>
+            </a:r>
+            <a:r>
+              <a:rPr lang="en-US" altLang="zh-CN" dirty="0" smtClean="0"/>
+              <a:t>”</a:t>
+            </a:r>
+            <a:r>
+              <a:rPr lang="zh-CN" altLang="en-US" dirty="0" smtClean="0"/>
+              <a:t>模式，其后期辅导及服务部分也相对较重，通常以</a:t>
+            </a:r>
+            <a:r>
+              <a:rPr lang="en-US" altLang="zh-CN" dirty="0" smtClean="0"/>
+              <a:t>PC</a:t>
+            </a:r>
+            <a:r>
+              <a:rPr lang="zh-CN" altLang="en-US" dirty="0" smtClean="0"/>
+              <a:t>端应用居多。这类</a:t>
+            </a:r>
+            <a:r>
+              <a:rPr lang="en-US" altLang="zh-CN" dirty="0" smtClean="0"/>
+              <a:t>SaaS</a:t>
+            </a:r>
+            <a:r>
+              <a:rPr lang="zh-CN" altLang="en-US" dirty="0" smtClean="0"/>
+              <a:t>软件通常按账号和时间收费，其用户以中型企业居多（小微型企业往往缺乏足够的意识）。重</a:t>
+            </a:r>
+            <a:r>
+              <a:rPr lang="en-US" altLang="zh-CN" dirty="0" smtClean="0"/>
+              <a:t>SaaS</a:t>
+            </a:r>
+            <a:r>
+              <a:rPr lang="zh-CN" altLang="en-US" dirty="0" smtClean="0"/>
+              <a:t>的典型代表包括：</a:t>
+            </a:r>
+            <a:r>
+              <a:rPr lang="en-US" altLang="zh-CN" dirty="0" smtClean="0"/>
+              <a:t>Salesforce</a:t>
+            </a:r>
+            <a:r>
+              <a:rPr lang="zh-CN" altLang="en-US" dirty="0" smtClean="0"/>
+              <a:t>、</a:t>
+            </a:r>
+            <a:r>
+              <a:rPr lang="en-US" altLang="zh-CN" dirty="0" err="1" smtClean="0"/>
+              <a:t>Xtools</a:t>
+            </a:r>
+            <a:r>
+              <a:rPr lang="zh-CN" altLang="en-US" dirty="0" smtClean="0"/>
+              <a:t>、八百客、</a:t>
+            </a:r>
+            <a:r>
+              <a:rPr lang="en-US" altLang="zh-CN" dirty="0" err="1" smtClean="0"/>
+              <a:t>RoadMap</a:t>
+            </a:r>
+            <a:r>
+              <a:rPr lang="zh-CN" altLang="en-US" dirty="0" smtClean="0"/>
+              <a:t>等。</a:t>
+            </a:r>
+          </a:p>
+          <a:p>
+            <a:pPr marL="0" marR="0" indent="0" algn="l" defTabSz="914400" rtl="0" eaLnBrk="1" fontAlgn="auto" latinLnBrk="0" hangingPunct="1">
+              <a:lnSpc>
+                <a:spcPct val="100000"/>
+              </a:lnSpc>
+              <a:spcBef>
+                <a:spcPts val="0"/>
+              </a:spcBef>
+              <a:spcAft>
+                <a:spcPts val="0"/>
+              </a:spcAft>
+              <a:buClrTx/>
+              <a:buSzTx/>
+              <a:buFontTx/>
+              <a:buNone/>
+              <a:tabLst/>
+              <a:defRPr/>
+            </a:pPr>
+            <a:r>
+              <a:rPr lang="zh-CN" altLang="en-US" b="1" dirty="0" smtClean="0"/>
+              <a:t>轻</a:t>
+            </a:r>
+            <a:r>
+              <a:rPr lang="en-US" altLang="zh-CN" b="1" dirty="0" smtClean="0"/>
+              <a:t>SaaS</a:t>
+            </a:r>
+            <a:r>
+              <a:rPr lang="zh-CN" altLang="en-US" dirty="0" smtClean="0"/>
+              <a:t>：这类</a:t>
+            </a:r>
+            <a:r>
+              <a:rPr lang="en-US" altLang="zh-CN" dirty="0" smtClean="0"/>
+              <a:t>SaaS</a:t>
+            </a:r>
+            <a:r>
+              <a:rPr lang="zh-CN" altLang="en-US" dirty="0" smtClean="0"/>
+              <a:t>通常都是带着互联网思维，以“轻功能、强刚需”快速拓客外加资本驱动的模式发展。轻</a:t>
+            </a:r>
+            <a:r>
+              <a:rPr lang="en-US" altLang="zh-CN" dirty="0" smtClean="0"/>
+              <a:t>SaaS</a:t>
+            </a:r>
+            <a:r>
+              <a:rPr lang="zh-CN" altLang="en-US" dirty="0" smtClean="0"/>
+              <a:t>通常以轻量级的企业</a:t>
+            </a:r>
+            <a:r>
+              <a:rPr lang="en-US" altLang="zh-CN" dirty="0" smtClean="0"/>
+              <a:t>IM</a:t>
+            </a:r>
+            <a:r>
+              <a:rPr lang="zh-CN" altLang="en-US" dirty="0" smtClean="0"/>
+              <a:t>、</a:t>
+            </a:r>
+            <a:r>
+              <a:rPr lang="en-US" altLang="zh-CN" dirty="0" smtClean="0"/>
+              <a:t>OA</a:t>
+            </a:r>
+            <a:r>
+              <a:rPr lang="zh-CN" altLang="en-US" dirty="0" smtClean="0"/>
+              <a:t>协同、</a:t>
+            </a:r>
+            <a:r>
+              <a:rPr lang="en-US" altLang="zh-CN" dirty="0" smtClean="0"/>
+              <a:t>CRM</a:t>
+            </a:r>
+            <a:r>
+              <a:rPr lang="zh-CN" altLang="en-US" dirty="0" smtClean="0"/>
+              <a:t>、项目管理、通信</a:t>
+            </a:r>
+            <a:r>
+              <a:rPr lang="en-US" altLang="zh-CN" dirty="0" smtClean="0"/>
+              <a:t>SDK</a:t>
+            </a:r>
+            <a:r>
+              <a:rPr lang="zh-CN" altLang="en-US" dirty="0" smtClean="0"/>
+              <a:t>、支付</a:t>
+            </a:r>
+            <a:r>
+              <a:rPr lang="en-US" altLang="zh-CN" dirty="0" smtClean="0"/>
+              <a:t>SDK</a:t>
+            </a:r>
+            <a:r>
+              <a:rPr lang="zh-CN" altLang="en-US" dirty="0" smtClean="0"/>
+              <a:t>等常见的功能模块切入，并且这类</a:t>
+            </a:r>
+            <a:r>
+              <a:rPr lang="en-US" altLang="zh-CN" dirty="0" smtClean="0"/>
+              <a:t>SaaS</a:t>
+            </a:r>
+            <a:r>
+              <a:rPr lang="zh-CN" altLang="en-US" dirty="0" smtClean="0"/>
+              <a:t>通常以免费或者微收费模式快速拓客。因此，这类</a:t>
+            </a:r>
+            <a:r>
+              <a:rPr lang="en-US" altLang="zh-CN" dirty="0" smtClean="0"/>
+              <a:t>SaaS</a:t>
+            </a:r>
+            <a:r>
+              <a:rPr lang="zh-CN" altLang="en-US" dirty="0" smtClean="0"/>
+              <a:t>通常都不甘心于收点软件费，而通常怀着“大平台”的梦想。这类</a:t>
+            </a:r>
+            <a:r>
+              <a:rPr lang="en-US" altLang="zh-CN" dirty="0" smtClean="0"/>
+              <a:t>SaaS</a:t>
+            </a:r>
+            <a:r>
+              <a:rPr lang="zh-CN" altLang="en-US" dirty="0" smtClean="0"/>
+              <a:t>的营销方式也带有更强的互联网思维，并且通常以移动端切入，其主要价值诉求在于可移动办公的轻量级效率工具，无论从成本角度还是使用复杂程度，其使用门槛均被大幅度降低，其主要目标用户既包括小微企业也包括数量较大的中型企业（事实上，数据表明还是中型企业比较活跃）。轻</a:t>
+            </a:r>
+            <a:r>
+              <a:rPr lang="en-US" altLang="zh-CN" dirty="0" smtClean="0"/>
+              <a:t>SaaS</a:t>
+            </a:r>
+            <a:r>
+              <a:rPr lang="zh-CN" altLang="en-US" dirty="0" smtClean="0"/>
+              <a:t>的典型代表包括：</a:t>
+            </a:r>
+            <a:r>
+              <a:rPr lang="en-US" altLang="zh-CN" dirty="0" smtClean="0"/>
+              <a:t>Slack</a:t>
+            </a:r>
+            <a:r>
+              <a:rPr lang="zh-CN" altLang="en-US" dirty="0" smtClean="0"/>
+              <a:t>、今目标、</a:t>
+            </a:r>
+            <a:r>
+              <a:rPr lang="en-US" altLang="zh-CN" dirty="0" smtClean="0"/>
+              <a:t>IMO</a:t>
+            </a:r>
+            <a:r>
+              <a:rPr lang="zh-CN" altLang="en-US" dirty="0" smtClean="0"/>
+              <a:t>、钉钉、云适配办公浏览器、纷享销客、明道、</a:t>
+            </a:r>
+            <a:r>
+              <a:rPr lang="en-US" altLang="zh-CN" dirty="0" err="1" smtClean="0"/>
+              <a:t>Teambiton</a:t>
+            </a:r>
+            <a:r>
+              <a:rPr lang="zh-CN" altLang="en-US" dirty="0" smtClean="0"/>
+              <a:t>、</a:t>
+            </a:r>
+            <a:r>
+              <a:rPr lang="en-US" altLang="zh-CN" dirty="0" err="1" smtClean="0"/>
+              <a:t>Worktile</a:t>
+            </a:r>
+            <a:r>
+              <a:rPr lang="zh-CN" altLang="en-US" dirty="0" smtClean="0"/>
+              <a:t>等。</a:t>
+            </a:r>
+          </a:p>
+          <a:p>
+            <a:pPr marL="0" marR="0" indent="0" algn="l" defTabSz="914400" rtl="0" eaLnBrk="1" fontAlgn="auto" latinLnBrk="0" hangingPunct="1">
+              <a:lnSpc>
+                <a:spcPct val="100000"/>
+              </a:lnSpc>
+              <a:spcBef>
+                <a:spcPts val="0"/>
+              </a:spcBef>
+              <a:spcAft>
+                <a:spcPts val="0"/>
+              </a:spcAft>
+              <a:buClrTx/>
+              <a:buSzTx/>
+              <a:buFontTx/>
+              <a:buNone/>
+              <a:tabLst/>
+              <a:defRPr/>
+            </a:pPr>
+            <a:r>
+              <a:rPr lang="zh-CN" altLang="en-US" b="1" dirty="0" smtClean="0"/>
+              <a:t>技术工具</a:t>
+            </a:r>
+            <a:r>
+              <a:rPr lang="en-US" altLang="zh-CN" b="1" dirty="0" smtClean="0"/>
+              <a:t>SaaS</a:t>
+            </a:r>
+            <a:r>
+              <a:rPr lang="zh-CN" altLang="en-US" dirty="0" smtClean="0"/>
+              <a:t>：这类</a:t>
+            </a:r>
+            <a:r>
+              <a:rPr lang="en-US" altLang="zh-CN" dirty="0" smtClean="0"/>
+              <a:t>SaaS</a:t>
+            </a:r>
+            <a:r>
+              <a:rPr lang="zh-CN" altLang="en-US" dirty="0" smtClean="0"/>
+              <a:t>通常都具有很强的技术基因，其产品的封装性和标准化程度较高，因而应用推广难度要低于其他</a:t>
+            </a:r>
+            <a:r>
+              <a:rPr lang="en-US" altLang="zh-CN" dirty="0" smtClean="0"/>
+              <a:t>SaaS</a:t>
+            </a:r>
+            <a:r>
+              <a:rPr lang="zh-CN" altLang="en-US" dirty="0" smtClean="0"/>
+              <a:t>。这类</a:t>
+            </a:r>
+            <a:r>
+              <a:rPr lang="en-US" altLang="zh-CN" dirty="0" smtClean="0"/>
+              <a:t>SaaS</a:t>
+            </a:r>
+            <a:r>
+              <a:rPr lang="zh-CN" altLang="en-US" dirty="0" smtClean="0"/>
+              <a:t>通常包括以下几个领域：通信</a:t>
+            </a:r>
+            <a:r>
+              <a:rPr lang="en-US" altLang="zh-CN" dirty="0" smtClean="0"/>
+              <a:t>SDK</a:t>
+            </a:r>
+            <a:r>
+              <a:rPr lang="zh-CN" altLang="en-US" dirty="0" smtClean="0"/>
+              <a:t>、支付</a:t>
+            </a:r>
+            <a:r>
+              <a:rPr lang="en-US" altLang="zh-CN" dirty="0" smtClean="0"/>
+              <a:t>SDK</a:t>
+            </a:r>
+            <a:r>
+              <a:rPr lang="zh-CN" altLang="en-US" dirty="0" smtClean="0"/>
+              <a:t>、数据</a:t>
+            </a:r>
+            <a:r>
+              <a:rPr lang="en-US" altLang="zh-CN" dirty="0" smtClean="0"/>
+              <a:t>SDK</a:t>
+            </a:r>
+            <a:r>
+              <a:rPr lang="zh-CN" altLang="en-US" dirty="0" smtClean="0"/>
+              <a:t>、开发平台（</a:t>
+            </a:r>
+            <a:r>
+              <a:rPr lang="en-US" altLang="zh-CN" dirty="0" err="1" smtClean="0"/>
+              <a:t>PaaS</a:t>
+            </a:r>
+            <a:r>
+              <a:rPr lang="zh-CN" altLang="en-US" dirty="0" smtClean="0"/>
+              <a:t>，</a:t>
+            </a:r>
+            <a:r>
+              <a:rPr lang="en-US" altLang="zh-CN" dirty="0" err="1" smtClean="0"/>
+              <a:t>PaaS</a:t>
+            </a:r>
+            <a:r>
+              <a:rPr lang="zh-CN" altLang="en-US" dirty="0" smtClean="0"/>
+              <a:t>其实可以看做是一种特殊的</a:t>
+            </a:r>
+            <a:r>
+              <a:rPr lang="en-US" altLang="zh-CN" dirty="0" smtClean="0"/>
+              <a:t>SaaS</a:t>
+            </a:r>
+            <a:r>
+              <a:rPr lang="zh-CN" altLang="en-US" dirty="0" smtClean="0"/>
+              <a:t>）等。技术工具类</a:t>
+            </a:r>
+            <a:r>
+              <a:rPr lang="en-US" altLang="zh-CN" dirty="0" smtClean="0"/>
+              <a:t>SaaS</a:t>
+            </a:r>
+            <a:r>
+              <a:rPr lang="zh-CN" altLang="en-US" dirty="0" smtClean="0"/>
+              <a:t>通常不涉及到具体的业务功能和用户场景，因此具有很强的工具属性或底层平台的特质。因此，技术工具类</a:t>
+            </a:r>
+            <a:r>
+              <a:rPr lang="en-US" altLang="zh-CN" dirty="0" smtClean="0"/>
+              <a:t>SaaS</a:t>
+            </a:r>
+            <a:r>
+              <a:rPr lang="zh-CN" altLang="en-US" dirty="0" smtClean="0"/>
+              <a:t>平台如果具有足够的技术门槛和行业价值，有机会成为基础性云服务平台，当然也容易遭遇后期盈利模式的困局。技术工具类</a:t>
+            </a:r>
+            <a:r>
+              <a:rPr lang="en-US" altLang="zh-CN" dirty="0" smtClean="0"/>
+              <a:t>SaaS</a:t>
+            </a:r>
+            <a:r>
+              <a:rPr lang="zh-CN" altLang="en-US" dirty="0" smtClean="0"/>
+              <a:t>的典型代表包括：环信、融云、亲加、</a:t>
+            </a:r>
+            <a:r>
+              <a:rPr lang="en-US" altLang="zh-CN" dirty="0" err="1" smtClean="0"/>
+              <a:t>BeeCloud</a:t>
+            </a:r>
+            <a:r>
+              <a:rPr lang="zh-CN" altLang="en-US" dirty="0" smtClean="0"/>
+              <a:t>、</a:t>
+            </a:r>
+            <a:r>
+              <a:rPr lang="en-US" altLang="zh-CN" dirty="0" smtClean="0"/>
+              <a:t>PING++</a:t>
+            </a:r>
+            <a:r>
+              <a:rPr lang="zh-CN" altLang="en-US" dirty="0" smtClean="0"/>
+              <a:t>、</a:t>
+            </a:r>
+            <a:r>
+              <a:rPr lang="en-US" altLang="zh-CN" dirty="0" err="1" smtClean="0"/>
+              <a:t>Talkingdata</a:t>
+            </a:r>
+            <a:r>
+              <a:rPr lang="zh-CN" altLang="en-US" dirty="0" smtClean="0"/>
+              <a:t>等。</a:t>
+            </a:r>
+          </a:p>
+          <a:p>
+            <a:endParaRPr lang="zh-CN" altLang="en-US" dirty="0"/>
+          </a:p>
+        </p:txBody>
+      </p:sp>
+      <p:sp>
+        <p:nvSpPr>
+          <p:cNvPr id="4" name="灯片编号占位符 3"/>
+          <p:cNvSpPr>
+            <a:spLocks noGrp="1"/>
+          </p:cNvSpPr>
+          <p:nvPr>
+            <p:ph type="sldNum" sz="quarter" idx="10"/>
+          </p:nvPr>
+        </p:nvSpPr>
+        <p:spPr/>
+        <p:txBody>
+          <a:bodyPr/>
+          <a:lstStyle/>
+          <a:p>
+            <a:fld id="{7E93476A-C8EF-4948-84D8-CD0A70688003}" type="slidenum">
+              <a:rPr lang="zh-CN" altLang="en-US" smtClean="0"/>
+              <a:t>11</a:t>
+            </a:fld>
+            <a:endParaRPr lang="zh-CN" altLang="en-US"/>
+          </a:p>
+        </p:txBody>
+      </p:sp>
+    </p:spTree>
+    <p:extLst>
+      <p:ext uri="{BB962C8B-B14F-4D97-AF65-F5344CB8AC3E}">
+        <p14:creationId xmlns:p14="http://schemas.microsoft.com/office/powerpoint/2010/main" val="237361177"/>
+      </p:ext>
+    </p:extLst>
+  </p:cSld>
+  <p:clrMapOvr>
+    <a:masterClrMapping/>
+  </p:clrMapOvr>
+</p:notes>
+</file>
+
+<file path=ppt/notesSlides/notesSlide11.xml><?xml version="1.0" encoding="utf-8"?>
+<p:notes xmlns:a="http://schemas.openxmlformats.org/drawingml/2006/main" xmlns:r="http://schemas.openxmlformats.org/officeDocument/2006/relationships" xmlns:p="http://schemas.openxmlformats.org/presentationml/2006/main">
+  <p:cSld>
+    <p:spTree>
+      <p:nvGrpSpPr>
+        <p:cNvPr id="1" name=""/>
+        <p:cNvGrpSpPr/>
+        <p:nvPr/>
+      </p:nvGrpSpPr>
+      <p:grpSpPr>
+        <a:xfrm>
+          <a:off x="0" y="0"/>
+          <a:ext cx="0" cy="0"/>
+          <a:chOff x="0" y="0"/>
+          <a:chExt cx="0" cy="0"/>
+        </a:xfrm>
+      </p:grpSpPr>
+      <p:sp>
+        <p:nvSpPr>
+          <p:cNvPr id="2" name="幻灯片图像占位符 1"/>
+          <p:cNvSpPr>
+            <a:spLocks noGrp="1" noRot="1" noChangeAspect="1"/>
+          </p:cNvSpPr>
+          <p:nvPr>
+            <p:ph type="sldImg"/>
+          </p:nvPr>
+        </p:nvSpPr>
+        <p:spPr/>
+      </p:sp>
+      <p:sp>
+        <p:nvSpPr>
+          <p:cNvPr id="3" name="备注占位符 2"/>
+          <p:cNvSpPr>
+            <a:spLocks noGrp="1"/>
+          </p:cNvSpPr>
+          <p:nvPr>
+            <p:ph type="body" idx="1"/>
+          </p:nvPr>
+        </p:nvSpPr>
+        <p:spPr/>
+        <p:txBody>
+          <a:bodyPr/>
+          <a:lstStyle/>
+          <a:p>
+            <a:endParaRPr lang="zh-CN" altLang="en-US" dirty="0"/>
+          </a:p>
+        </p:txBody>
+      </p:sp>
+      <p:sp>
+        <p:nvSpPr>
+          <p:cNvPr id="4" name="灯片编号占位符 3"/>
+          <p:cNvSpPr>
+            <a:spLocks noGrp="1"/>
+          </p:cNvSpPr>
+          <p:nvPr>
+            <p:ph type="sldNum" sz="quarter" idx="10"/>
+          </p:nvPr>
+        </p:nvSpPr>
+        <p:spPr/>
+        <p:txBody>
+          <a:bodyPr/>
+          <a:lstStyle/>
+          <a:p>
+            <a:fld id="{7E93476A-C8EF-4948-84D8-CD0A70688003}" type="slidenum">
+              <a:rPr lang="zh-CN" altLang="en-US" smtClean="0"/>
+              <a:t>12</a:t>
+            </a:fld>
+            <a:endParaRPr lang="zh-CN" altLang="en-US"/>
+          </a:p>
+        </p:txBody>
+      </p:sp>
+    </p:spTree>
+    <p:extLst>
+      <p:ext uri="{BB962C8B-B14F-4D97-AF65-F5344CB8AC3E}">
+        <p14:creationId xmlns:p14="http://schemas.microsoft.com/office/powerpoint/2010/main" val="237361177"/>
+      </p:ext>
+    </p:extLst>
+  </p:cSld>
+  <p:clrMapOvr>
+    <a:masterClrMapping/>
+  </p:clrMapOvr>
+</p:notes>
+</file>
+
+<file path=ppt/notesSlides/notesSlide12.xml><?xml version="1.0" encoding="utf-8"?>
+<p:notes xmlns:a="http://schemas.openxmlformats.org/drawingml/2006/main" xmlns:r="http://schemas.openxmlformats.org/officeDocument/2006/relationships" xmlns:p="http://schemas.openxmlformats.org/presentationml/2006/main">
+  <p:cSld>
+    <p:spTree>
+      <p:nvGrpSpPr>
+        <p:cNvPr id="1" name=""/>
+        <p:cNvGrpSpPr/>
+        <p:nvPr/>
+      </p:nvGrpSpPr>
+      <p:grpSpPr>
+        <a:xfrm>
+          <a:off x="0" y="0"/>
+          <a:ext cx="0" cy="0"/>
+          <a:chOff x="0" y="0"/>
+          <a:chExt cx="0" cy="0"/>
+        </a:xfrm>
+      </p:grpSpPr>
+      <p:sp>
+        <p:nvSpPr>
+          <p:cNvPr id="2" name="幻灯片图像占位符 1"/>
+          <p:cNvSpPr>
+            <a:spLocks noGrp="1" noRot="1" noChangeAspect="1"/>
+          </p:cNvSpPr>
+          <p:nvPr>
+            <p:ph type="sldImg"/>
+          </p:nvPr>
+        </p:nvSpPr>
+        <p:spPr/>
+      </p:sp>
+      <p:sp>
+        <p:nvSpPr>
+          <p:cNvPr id="3" name="备注占位符 2"/>
+          <p:cNvSpPr>
+            <a:spLocks noGrp="1"/>
+          </p:cNvSpPr>
+          <p:nvPr>
+            <p:ph type="body" idx="1"/>
+          </p:nvPr>
+        </p:nvSpPr>
+        <p:spPr/>
+        <p:txBody>
+          <a:bodyPr/>
+          <a:lstStyle/>
+          <a:p>
+            <a:pPr marL="0" marR="0" indent="0" algn="l" defTabSz="914400" rtl="0" eaLnBrk="1" fontAlgn="auto" latinLnBrk="0" hangingPunct="1">
+              <a:lnSpc>
+                <a:spcPct val="100000"/>
+              </a:lnSpc>
+              <a:spcBef>
+                <a:spcPts val="0"/>
+              </a:spcBef>
+              <a:spcAft>
+                <a:spcPts val="0"/>
+              </a:spcAft>
+              <a:buClrTx/>
+              <a:buSzTx/>
+              <a:buFontTx/>
+              <a:buNone/>
+              <a:tabLst/>
+              <a:defRPr/>
+            </a:pPr>
+            <a:endParaRPr lang="zh-CN" altLang="en-US" dirty="0"/>
+          </a:p>
+        </p:txBody>
+      </p:sp>
+      <p:sp>
+        <p:nvSpPr>
+          <p:cNvPr id="4" name="灯片编号占位符 3"/>
+          <p:cNvSpPr>
+            <a:spLocks noGrp="1"/>
+          </p:cNvSpPr>
+          <p:nvPr>
+            <p:ph type="sldNum" sz="quarter" idx="10"/>
+          </p:nvPr>
+        </p:nvSpPr>
+        <p:spPr/>
+        <p:txBody>
+          <a:bodyPr/>
+          <a:lstStyle/>
+          <a:p>
+            <a:fld id="{7E93476A-C8EF-4948-84D8-CD0A70688003}" type="slidenum">
+              <a:rPr lang="zh-CN" altLang="en-US" smtClean="0"/>
+              <a:t>13</a:t>
+            </a:fld>
+            <a:endParaRPr lang="zh-CN" altLang="en-US"/>
+          </a:p>
+        </p:txBody>
+      </p:sp>
+    </p:spTree>
+    <p:extLst>
+      <p:ext uri="{BB962C8B-B14F-4D97-AF65-F5344CB8AC3E}">
+        <p14:creationId xmlns:p14="http://schemas.microsoft.com/office/powerpoint/2010/main" val="237361177"/>
+      </p:ext>
+    </p:extLst>
+  </p:cSld>
+  <p:clrMapOvr>
+    <a:masterClrMapping/>
+  </p:clrMapOvr>
+</p:notes>
+</file>
+
+<file path=ppt/notesSlides/notesSlide13.xml><?xml version="1.0" encoding="utf-8"?>
+<p:notes xmlns:a="http://schemas.openxmlformats.org/drawingml/2006/main" xmlns:r="http://schemas.openxmlformats.org/officeDocument/2006/relationships" xmlns:p="http://schemas.openxmlformats.org/presentationml/2006/main">
+  <p:cSld>
+    <p:spTree>
+      <p:nvGrpSpPr>
+        <p:cNvPr id="1" name=""/>
+        <p:cNvGrpSpPr/>
+        <p:nvPr/>
+      </p:nvGrpSpPr>
+      <p:grpSpPr>
+        <a:xfrm>
+          <a:off x="0" y="0"/>
+          <a:ext cx="0" cy="0"/>
+          <a:chOff x="0" y="0"/>
+          <a:chExt cx="0" cy="0"/>
+        </a:xfrm>
+      </p:grpSpPr>
+      <p:sp>
+        <p:nvSpPr>
+          <p:cNvPr id="2" name="幻灯片图像占位符 1"/>
+          <p:cNvSpPr>
+            <a:spLocks noGrp="1" noRot="1" noChangeAspect="1"/>
+          </p:cNvSpPr>
+          <p:nvPr>
+            <p:ph type="sldImg"/>
+          </p:nvPr>
+        </p:nvSpPr>
+        <p:spPr/>
+      </p:sp>
+      <p:sp>
+        <p:nvSpPr>
+          <p:cNvPr id="3" name="备注占位符 2"/>
+          <p:cNvSpPr>
+            <a:spLocks noGrp="1"/>
+          </p:cNvSpPr>
+          <p:nvPr>
+            <p:ph type="body" idx="1"/>
+          </p:nvPr>
+        </p:nvSpPr>
+        <p:spPr/>
+        <p:txBody>
+          <a:bodyPr/>
+          <a:lstStyle/>
+          <a:p>
+            <a:endParaRPr lang="zh-CN" altLang="en-US" dirty="0"/>
+          </a:p>
+        </p:txBody>
+      </p:sp>
+      <p:sp>
+        <p:nvSpPr>
+          <p:cNvPr id="4" name="灯片编号占位符 3"/>
+          <p:cNvSpPr>
+            <a:spLocks noGrp="1"/>
+          </p:cNvSpPr>
+          <p:nvPr>
+            <p:ph type="sldNum" sz="quarter" idx="10"/>
+          </p:nvPr>
+        </p:nvSpPr>
+        <p:spPr/>
+        <p:txBody>
+          <a:bodyPr/>
+          <a:lstStyle/>
+          <a:p>
+            <a:fld id="{7E93476A-C8EF-4948-84D8-CD0A70688003}" type="slidenum">
+              <a:rPr lang="zh-CN" altLang="en-US" smtClean="0"/>
+              <a:t>14</a:t>
+            </a:fld>
+            <a:endParaRPr lang="zh-CN" altLang="en-US"/>
+          </a:p>
+        </p:txBody>
+      </p:sp>
+    </p:spTree>
+    <p:extLst>
+      <p:ext uri="{BB962C8B-B14F-4D97-AF65-F5344CB8AC3E}">
+        <p14:creationId xmlns:p14="http://schemas.microsoft.com/office/powerpoint/2010/main" val="237361177"/>
+      </p:ext>
+    </p:extLst>
+  </p:cSld>
+  <p:clrMapOvr>
+    <a:masterClrMapping/>
+  </p:clrMapOvr>
+</p:notes>
+</file>
+
+<file path=ppt/notesSlides/notesSlide14.xml><?xml version="1.0" encoding="utf-8"?>
+<p:notes xmlns:a="http://schemas.openxmlformats.org/drawingml/2006/main" xmlns:r="http://schemas.openxmlformats.org/officeDocument/2006/relationships" xmlns:p="http://schemas.openxmlformats.org/presentationml/2006/main">
+  <p:cSld>
+    <p:spTree>
+      <p:nvGrpSpPr>
+        <p:cNvPr id="1" name=""/>
+        <p:cNvGrpSpPr/>
+        <p:nvPr/>
+      </p:nvGrpSpPr>
+      <p:grpSpPr>
+        <a:xfrm>
+          <a:off x="0" y="0"/>
+          <a:ext cx="0" cy="0"/>
+          <a:chOff x="0" y="0"/>
+          <a:chExt cx="0" cy="0"/>
+        </a:xfrm>
+      </p:grpSpPr>
+      <p:sp>
+        <p:nvSpPr>
+          <p:cNvPr id="2" name="幻灯片图像占位符 1"/>
+          <p:cNvSpPr>
+            <a:spLocks noGrp="1" noRot="1" noChangeAspect="1"/>
+          </p:cNvSpPr>
+          <p:nvPr>
+            <p:ph type="sldImg"/>
+          </p:nvPr>
+        </p:nvSpPr>
+        <p:spPr/>
+      </p:sp>
+      <p:sp>
+        <p:nvSpPr>
+          <p:cNvPr id="3" name="备注占位符 2"/>
+          <p:cNvSpPr>
+            <a:spLocks noGrp="1"/>
+          </p:cNvSpPr>
+          <p:nvPr>
+            <p:ph type="body" idx="1"/>
+          </p:nvPr>
+        </p:nvSpPr>
+        <p:spPr/>
+        <p:txBody>
+          <a:bodyPr/>
+          <a:lstStyle/>
+          <a:p>
+            <a:endParaRPr lang="zh-CN" altLang="en-US" dirty="0"/>
+          </a:p>
+        </p:txBody>
+      </p:sp>
+      <p:sp>
+        <p:nvSpPr>
+          <p:cNvPr id="4" name="灯片编号占位符 3"/>
+          <p:cNvSpPr>
+            <a:spLocks noGrp="1"/>
+          </p:cNvSpPr>
+          <p:nvPr>
+            <p:ph type="sldNum" sz="quarter" idx="10"/>
+          </p:nvPr>
+        </p:nvSpPr>
+        <p:spPr/>
+        <p:txBody>
+          <a:bodyPr/>
+          <a:lstStyle/>
+          <a:p>
+            <a:fld id="{7E93476A-C8EF-4948-84D8-CD0A70688003}" type="slidenum">
+              <a:rPr lang="zh-CN" altLang="en-US" smtClean="0"/>
+              <a:t>15</a:t>
+            </a:fld>
+            <a:endParaRPr lang="zh-CN" altLang="en-US"/>
+          </a:p>
+        </p:txBody>
+      </p:sp>
+    </p:spTree>
+    <p:extLst>
+      <p:ext uri="{BB962C8B-B14F-4D97-AF65-F5344CB8AC3E}">
+        <p14:creationId xmlns:p14="http://schemas.microsoft.com/office/powerpoint/2010/main" val="237361177"/>
+      </p:ext>
+    </p:extLst>
+  </p:cSld>
+  <p:clrMapOvr>
+    <a:masterClrMapping/>
+  </p:clrMapOvr>
+</p:notes>
+</file>
+
+<file path=ppt/notesSlides/notesSlide15.xml><?xml version="1.0" encoding="utf-8"?>
+<p:notes xmlns:a="http://schemas.openxmlformats.org/drawingml/2006/main" xmlns:r="http://schemas.openxmlformats.org/officeDocument/2006/relationships" xmlns:p="http://schemas.openxmlformats.org/presentationml/2006/main">
+  <p:cSld>
+    <p:spTree>
+      <p:nvGrpSpPr>
+        <p:cNvPr id="1" name=""/>
+        <p:cNvGrpSpPr/>
+        <p:nvPr/>
+      </p:nvGrpSpPr>
+      <p:grpSpPr>
+        <a:xfrm>
+          <a:off x="0" y="0"/>
+          <a:ext cx="0" cy="0"/>
+          <a:chOff x="0" y="0"/>
+          <a:chExt cx="0" cy="0"/>
+        </a:xfrm>
+      </p:grpSpPr>
+      <p:sp>
+        <p:nvSpPr>
+          <p:cNvPr id="2" name="幻灯片图像占位符 1"/>
+          <p:cNvSpPr>
+            <a:spLocks noGrp="1" noRot="1" noChangeAspect="1"/>
+          </p:cNvSpPr>
+          <p:nvPr>
+            <p:ph type="sldImg"/>
+          </p:nvPr>
+        </p:nvSpPr>
+        <p:spPr/>
+      </p:sp>
+      <p:sp>
+        <p:nvSpPr>
+          <p:cNvPr id="3" name="备注占位符 2"/>
+          <p:cNvSpPr>
+            <a:spLocks noGrp="1"/>
+          </p:cNvSpPr>
+          <p:nvPr>
+            <p:ph type="body" idx="1"/>
+          </p:nvPr>
+        </p:nvSpPr>
+        <p:spPr/>
+        <p:txBody>
+          <a:bodyPr/>
+          <a:lstStyle/>
+          <a:p>
+            <a:endParaRPr lang="zh-CN" altLang="en-US" dirty="0"/>
+          </a:p>
+        </p:txBody>
+      </p:sp>
+      <p:sp>
+        <p:nvSpPr>
+          <p:cNvPr id="4" name="灯片编号占位符 3"/>
+          <p:cNvSpPr>
+            <a:spLocks noGrp="1"/>
+          </p:cNvSpPr>
+          <p:nvPr>
+            <p:ph type="sldNum" sz="quarter" idx="10"/>
+          </p:nvPr>
+        </p:nvSpPr>
+        <p:spPr/>
+        <p:txBody>
+          <a:bodyPr/>
+          <a:lstStyle/>
+          <a:p>
+            <a:fld id="{7E93476A-C8EF-4948-84D8-CD0A70688003}" type="slidenum">
+              <a:rPr lang="zh-CN" altLang="en-US" smtClean="0"/>
+              <a:t>16</a:t>
+            </a:fld>
+            <a:endParaRPr lang="zh-CN" altLang="en-US"/>
+          </a:p>
+        </p:txBody>
+      </p:sp>
+    </p:spTree>
+    <p:extLst>
+      <p:ext uri="{BB962C8B-B14F-4D97-AF65-F5344CB8AC3E}">
+        <p14:creationId xmlns:p14="http://schemas.microsoft.com/office/powerpoint/2010/main" val="237361177"/>
+      </p:ext>
+    </p:extLst>
+  </p:cSld>
+  <p:clrMapOvr>
+    <a:masterClrMapping/>
+  </p:clrMapOvr>
+</p:notes>
+</file>
+
 <file path=ppt/notesSlides/notesSlide2.xml><?xml version="1.0" encoding="utf-8"?>
 <p:notes xmlns:a="http://schemas.openxmlformats.org/drawingml/2006/main" xmlns:r="http://schemas.openxmlformats.org/officeDocument/2006/relationships" xmlns:p="http://schemas.openxmlformats.org/presentationml/2006/main">
   <p:cSld>
@@ -1124,6 +2065,90 @@
             <a:fld id="{7E93476A-C8EF-4948-84D8-CD0A70688003}" type="slidenum">
               <a:rPr lang="zh-CN" altLang="en-US" smtClean="0"/>
               <a:t>9</a:t>
+            </a:fld>
+            <a:endParaRPr lang="zh-CN" altLang="en-US"/>
+          </a:p>
+        </p:txBody>
+      </p:sp>
+    </p:spTree>
+    <p:extLst>
+      <p:ext uri="{BB962C8B-B14F-4D97-AF65-F5344CB8AC3E}">
+        <p14:creationId xmlns:p14="http://schemas.microsoft.com/office/powerpoint/2010/main" val="237361177"/>
+      </p:ext>
+    </p:extLst>
+  </p:cSld>
+  <p:clrMapOvr>
+    <a:masterClrMapping/>
+  </p:clrMapOvr>
+</p:notes>
+</file>
+
+<file path=ppt/notesSlides/notesSlide9.xml><?xml version="1.0" encoding="utf-8"?>
+<p:notes xmlns:a="http://schemas.openxmlformats.org/drawingml/2006/main" xmlns:r="http://schemas.openxmlformats.org/officeDocument/2006/relationships" xmlns:p="http://schemas.openxmlformats.org/presentationml/2006/main">
+  <p:cSld>
+    <p:spTree>
+      <p:nvGrpSpPr>
+        <p:cNvPr id="1" name=""/>
+        <p:cNvGrpSpPr/>
+        <p:nvPr/>
+      </p:nvGrpSpPr>
+      <p:grpSpPr>
+        <a:xfrm>
+          <a:off x="0" y="0"/>
+          <a:ext cx="0" cy="0"/>
+          <a:chOff x="0" y="0"/>
+          <a:chExt cx="0" cy="0"/>
+        </a:xfrm>
+      </p:grpSpPr>
+      <p:sp>
+        <p:nvSpPr>
+          <p:cNvPr id="2" name="幻灯片图像占位符 1"/>
+          <p:cNvSpPr>
+            <a:spLocks noGrp="1" noRot="1" noChangeAspect="1"/>
+          </p:cNvSpPr>
+          <p:nvPr>
+            <p:ph type="sldImg"/>
+          </p:nvPr>
+        </p:nvSpPr>
+        <p:spPr/>
+      </p:sp>
+      <p:sp>
+        <p:nvSpPr>
+          <p:cNvPr id="3" name="备注占位符 2"/>
+          <p:cNvSpPr>
+            <a:spLocks noGrp="1"/>
+          </p:cNvSpPr>
+          <p:nvPr>
+            <p:ph type="body" idx="1"/>
+          </p:nvPr>
+        </p:nvSpPr>
+        <p:spPr/>
+        <p:txBody>
+          <a:bodyPr/>
+          <a:lstStyle/>
+          <a:p>
+            <a:endParaRPr lang="zh-CN" altLang="en-US" dirty="0"/>
+          </a:p>
+        </p:txBody>
+      </p:sp>
+      <p:sp>
+        <p:nvSpPr>
+          <p:cNvPr id="4" name="灯片编号占位符 3"/>
+          <p:cNvSpPr>
+            <a:spLocks noGrp="1"/>
+          </p:cNvSpPr>
+          <p:nvPr>
+            <p:ph type="sldNum" sz="quarter" idx="10"/>
+          </p:nvPr>
+        </p:nvSpPr>
+        <p:spPr/>
+        <p:txBody>
+          <a:bodyPr/>
+          <a:lstStyle/>
+          <a:p>
+            <a:fld id="{7E93476A-C8EF-4948-84D8-CD0A70688003}" type="slidenum">
+              <a:rPr lang="zh-CN" altLang="en-US" smtClean="0"/>
+              <a:t>10</a:t>
             </a:fld>
             <a:endParaRPr lang="zh-CN" altLang="en-US"/>
           </a:p>
@@ -1564,7 +2589,7 @@
           <a:p>
             <a:fld id="{A9A3A160-64B0-433E-876E-E206ABB7688A}" type="datetimeFigureOut">
               <a:rPr lang="zh-CN" altLang="en-US" smtClean="0"/>
-              <a:t>2017/4/6</a:t>
+              <a:t>2017/4/7</a:t>
             </a:fld>
             <a:endParaRPr lang="zh-CN" altLang="en-US"/>
           </a:p>
@@ -1776,7 +2801,7 @@
           <a:p>
             <a:fld id="{A9A3A160-64B0-433E-876E-E206ABB7688A}" type="datetimeFigureOut">
               <a:rPr lang="zh-CN" altLang="en-US" smtClean="0"/>
-              <a:t>2017/4/6</a:t>
+              <a:t>2017/4/7</a:t>
             </a:fld>
             <a:endParaRPr lang="zh-CN" altLang="en-US"/>
           </a:p>
@@ -1963,7 +2988,7 @@
           <a:p>
             <a:fld id="{A9A3A160-64B0-433E-876E-E206ABB7688A}" type="datetimeFigureOut">
               <a:rPr lang="zh-CN" altLang="en-US" smtClean="0"/>
-              <a:t>2017/4/6</a:t>
+              <a:t>2017/4/7</a:t>
             </a:fld>
             <a:endParaRPr lang="zh-CN" altLang="en-US"/>
           </a:p>
@@ -2060,7 +3085,7 @@
           <a:p>
             <a:fld id="{A9A3A160-64B0-433E-876E-E206ABB7688A}" type="datetimeFigureOut">
               <a:rPr lang="zh-CN" altLang="en-US" smtClean="0"/>
-              <a:t>2017/4/6</a:t>
+              <a:t>2017/4/7</a:t>
             </a:fld>
             <a:endParaRPr lang="zh-CN" altLang="en-US"/>
           </a:p>
@@ -2656,7 +3681,7 @@
           <a:p>
             <a:fld id="{A9A3A160-64B0-433E-876E-E206ABB7688A}" type="datetimeFigureOut">
               <a:rPr lang="zh-CN" altLang="en-US" smtClean="0"/>
-              <a:t>2017/4/6</a:t>
+              <a:t>2017/4/7</a:t>
             </a:fld>
             <a:endParaRPr lang="zh-CN" altLang="en-US"/>
           </a:p>
@@ -2753,7 +3778,7 @@
           <a:p>
             <a:fld id="{A9A3A160-64B0-433E-876E-E206ABB7688A}" type="datetimeFigureOut">
               <a:rPr lang="zh-CN" altLang="en-US" smtClean="0"/>
-              <a:t>2017/4/6</a:t>
+              <a:t>2017/4/7</a:t>
             </a:fld>
             <a:endParaRPr lang="zh-CN" altLang="en-US"/>
           </a:p>
@@ -3358,7 +4383,7 @@
           <a:p>
             <a:fld id="{A9A3A160-64B0-433E-876E-E206ABB7688A}" type="datetimeFigureOut">
               <a:rPr lang="zh-CN" altLang="en-US" smtClean="0"/>
-              <a:t>2017/4/6</a:t>
+              <a:t>2017/4/7</a:t>
             </a:fld>
             <a:endParaRPr lang="zh-CN" altLang="en-US"/>
           </a:p>
@@ -3501,7 +4526,7 @@
           <a:p>
             <a:fld id="{A9A3A160-64B0-433E-876E-E206ABB7688A}" type="datetimeFigureOut">
               <a:rPr lang="zh-CN" altLang="en-US" smtClean="0"/>
-              <a:t>2017/4/6</a:t>
+              <a:t>2017/4/7</a:t>
             </a:fld>
             <a:endParaRPr lang="zh-CN" altLang="en-US"/>
           </a:p>
@@ -3598,7 +4623,7 @@
           <a:p>
             <a:fld id="{A9A3A160-64B0-433E-876E-E206ABB7688A}" type="datetimeFigureOut">
               <a:rPr lang="zh-CN" altLang="en-US" smtClean="0"/>
-              <a:t>2017/4/6</a:t>
+              <a:t>2017/4/7</a:t>
             </a:fld>
             <a:endParaRPr lang="zh-CN" altLang="en-US"/>
           </a:p>
@@ -3882,7 +4907,7 @@
           <a:p>
             <a:fld id="{A9A3A160-64B0-433E-876E-E206ABB7688A}" type="datetimeFigureOut">
               <a:rPr lang="zh-CN" altLang="en-US" smtClean="0"/>
-              <a:t>2017/4/6</a:t>
+              <a:t>2017/4/7</a:t>
             </a:fld>
             <a:endParaRPr lang="zh-CN" altLang="en-US"/>
           </a:p>
@@ -4404,7 +5429,7 @@
           <a:p>
             <a:fld id="{A9A3A160-64B0-433E-876E-E206ABB7688A}" type="datetimeFigureOut">
               <a:rPr lang="zh-CN" altLang="en-US" smtClean="0"/>
-              <a:t>2017/4/6</a:t>
+              <a:t>2017/4/7</a:t>
             </a:fld>
             <a:endParaRPr lang="zh-CN" altLang="en-US"/>
           </a:p>
@@ -4924,7 +5949,7 @@
           <a:p>
             <a:fld id="{A9A3A160-64B0-433E-876E-E206ABB7688A}" type="datetimeFigureOut">
               <a:rPr lang="zh-CN" altLang="en-US" smtClean="0"/>
-              <a:t>2017/4/6</a:t>
+              <a:t>2017/4/7</a:t>
             </a:fld>
             <a:endParaRPr lang="zh-CN" altLang="en-US"/>
           </a:p>
@@ -5625,6 +6650,2664 @@
           <a:chExt cx="0" cy="0"/>
         </a:xfrm>
       </p:grpSpPr>
+      <p:sp>
+        <p:nvSpPr>
+          <p:cNvPr id="6" name="文本框 13"/>
+          <p:cNvSpPr txBox="1"/>
+          <p:nvPr/>
+        </p:nvSpPr>
+        <p:spPr>
+          <a:xfrm>
+            <a:off x="1061214" y="855266"/>
+            <a:ext cx="15989242" cy="801897"/>
+          </a:xfrm>
+          <a:prstGeom prst="rect">
+            <a:avLst/>
+          </a:prstGeom>
+          <a:noFill/>
+        </p:spPr>
+        <p:txBody>
+          <a:bodyPr wrap="square" lIns="123581" tIns="61791" rIns="123581" bIns="61791" rtlCol="0">
+            <a:spAutoFit/>
+          </a:bodyPr>
+          <a:lstStyle/>
+          <a:p>
+            <a:r>
+              <a:rPr lang="zh-CN" altLang="en-US" sz="4400" dirty="0" smtClean="0">
+                <a:solidFill>
+                  <a:srgbClr val="0070C0"/>
+                </a:solidFill>
+                <a:latin typeface="黑体" panose="02010609060101010101" pitchFamily="49" charset="-122"/>
+                <a:ea typeface="黑体" panose="02010609060101010101" pitchFamily="49" charset="-122"/>
+              </a:rPr>
+              <a:t>目录</a:t>
+            </a:r>
+            <a:endParaRPr lang="zh-CN" altLang="en-US" sz="4400" dirty="0">
+              <a:solidFill>
+                <a:srgbClr val="0070C0"/>
+              </a:solidFill>
+              <a:latin typeface="黑体" panose="02010609060101010101" pitchFamily="49" charset="-122"/>
+              <a:ea typeface="黑体" panose="02010609060101010101" pitchFamily="49" charset="-122"/>
+            </a:endParaRPr>
+          </a:p>
+        </p:txBody>
+      </p:sp>
+      <p:cxnSp>
+        <p:nvCxnSpPr>
+          <p:cNvPr id="7" name="直接连接符 6"/>
+          <p:cNvCxnSpPr/>
+          <p:nvPr/>
+        </p:nvCxnSpPr>
+        <p:spPr>
+          <a:xfrm>
+            <a:off x="584734" y="2048065"/>
+            <a:ext cx="11367663" cy="0"/>
+          </a:xfrm>
+          <a:prstGeom prst="line">
+            <a:avLst/>
+          </a:prstGeom>
+          <a:ln>
+            <a:solidFill>
+              <a:schemeClr val="tx1">
+                <a:lumMod val="50000"/>
+                <a:lumOff val="50000"/>
+              </a:schemeClr>
+            </a:solidFill>
+          </a:ln>
+        </p:spPr>
+        <p:style>
+          <a:lnRef idx="1">
+            <a:schemeClr val="accent1"/>
+          </a:lnRef>
+          <a:fillRef idx="0">
+            <a:schemeClr val="accent1"/>
+          </a:fillRef>
+          <a:effectRef idx="0">
+            <a:schemeClr val="accent1"/>
+          </a:effectRef>
+          <a:fontRef idx="minor">
+            <a:schemeClr val="tx1"/>
+          </a:fontRef>
+        </p:style>
+      </p:cxnSp>
+      <p:sp>
+        <p:nvSpPr>
+          <p:cNvPr id="3" name="TextBox 2"/>
+          <p:cNvSpPr txBox="1"/>
+          <p:nvPr/>
+        </p:nvSpPr>
+        <p:spPr>
+          <a:xfrm>
+            <a:off x="1093419" y="2511449"/>
+            <a:ext cx="7704856" cy="2431435"/>
+          </a:xfrm>
+          <a:prstGeom prst="rect">
+            <a:avLst/>
+          </a:prstGeom>
+          <a:noFill/>
+        </p:spPr>
+        <p:txBody>
+          <a:bodyPr wrap="square" rtlCol="0">
+            <a:spAutoFit/>
+          </a:bodyPr>
+          <a:lstStyle/>
+          <a:p>
+            <a:pPr marL="457200" indent="-457200">
+              <a:buFont typeface="+mj-lt"/>
+              <a:buAutoNum type="arabicPeriod"/>
+            </a:pPr>
+            <a:r>
+              <a:rPr lang="zh-CN" altLang="en-US" sz="3200" dirty="0" smtClean="0"/>
+              <a:t>介绍</a:t>
+            </a:r>
+            <a:r>
+              <a:rPr lang="en-US" altLang="zh-CN" sz="3200" dirty="0" err="1" smtClean="0"/>
+              <a:t>Saas</a:t>
+            </a:r>
+            <a:endParaRPr lang="en-US" altLang="zh-CN" sz="3200" dirty="0" smtClean="0"/>
+          </a:p>
+          <a:p>
+            <a:pPr marL="457200" indent="-457200">
+              <a:buFont typeface="+mj-lt"/>
+              <a:buAutoNum type="arabicPeriod"/>
+            </a:pPr>
+            <a:r>
+              <a:rPr lang="en-US" altLang="zh-CN" sz="3200" dirty="0" err="1" smtClean="0"/>
+              <a:t>Saas</a:t>
+            </a:r>
+            <a:r>
+              <a:rPr lang="zh-CN" altLang="en-US" sz="3200" dirty="0" smtClean="0"/>
+              <a:t>定位及案例</a:t>
+            </a:r>
+            <a:endParaRPr lang="en-US" altLang="zh-CN" sz="3200" dirty="0" smtClean="0"/>
+          </a:p>
+          <a:p>
+            <a:pPr marL="457200" indent="-457200">
+              <a:buFont typeface="+mj-lt"/>
+              <a:buAutoNum type="arabicPeriod"/>
+            </a:pPr>
+            <a:r>
+              <a:rPr lang="en-US" altLang="zh-CN" sz="3200" dirty="0" err="1" smtClean="0">
+                <a:solidFill>
+                  <a:srgbClr val="FF0000"/>
+                </a:solidFill>
+              </a:rPr>
+              <a:t>Saas</a:t>
+            </a:r>
+            <a:r>
+              <a:rPr lang="zh-CN" altLang="en-US" sz="3200" dirty="0" smtClean="0">
+                <a:solidFill>
+                  <a:srgbClr val="FF0000"/>
+                </a:solidFill>
+              </a:rPr>
+              <a:t>的坑</a:t>
+            </a:r>
+            <a:endParaRPr lang="en-US" altLang="zh-CN" sz="3200" dirty="0" smtClean="0">
+              <a:solidFill>
+                <a:srgbClr val="FF0000"/>
+              </a:solidFill>
+            </a:endParaRPr>
+          </a:p>
+          <a:p>
+            <a:pPr marL="457200" indent="-457200">
+              <a:buFont typeface="+mj-lt"/>
+              <a:buAutoNum type="arabicPeriod"/>
+            </a:pPr>
+            <a:r>
+              <a:rPr lang="zh-CN" altLang="en-US" sz="3200" dirty="0" smtClean="0"/>
+              <a:t>如何做</a:t>
+            </a:r>
+            <a:endParaRPr lang="en-US" altLang="zh-CN" sz="3200" dirty="0" smtClean="0"/>
+          </a:p>
+          <a:p>
+            <a:pPr marL="457200" indent="-457200">
+              <a:buFont typeface="+mj-lt"/>
+              <a:buAutoNum type="arabicPeriod"/>
+            </a:pPr>
+            <a:endParaRPr lang="zh-CN" altLang="en-US" dirty="0"/>
+          </a:p>
+        </p:txBody>
+      </p:sp>
+    </p:spTree>
+    <p:extLst>
+      <p:ext uri="{BB962C8B-B14F-4D97-AF65-F5344CB8AC3E}">
+        <p14:creationId xmlns:p14="http://schemas.microsoft.com/office/powerpoint/2010/main" val="908574017"/>
+      </p:ext>
+    </p:extLst>
+  </p:cSld>
+  <p:clrMapOvr>
+    <a:masterClrMapping/>
+  </p:clrMapOvr>
+  <p:timing>
+    <p:tnLst>
+      <p:par>
+        <p:cTn id="1" dur="indefinite" restart="never" nodeType="tmRoot">
+          <p:childTnLst>
+            <p:seq concurrent="1" nextAc="seek">
+              <p:cTn id="2" dur="indefinite" nodeType="mainSeq">
+                <p:childTnLst>
+                  <p:par>
+                    <p:cTn id="3" fill="hold">
+                      <p:stCondLst>
+                        <p:cond delay="indefinite"/>
+                        <p:cond evt="onBegin" delay="0">
+                          <p:tn val="2"/>
+                        </p:cond>
+                      </p:stCondLst>
+                      <p:childTnLst>
+                        <p:par>
+                          <p:cTn id="4" fill="hold">
+                            <p:stCondLst>
+                              <p:cond delay="0"/>
+                            </p:stCondLst>
+                            <p:childTnLst>
+                              <p:par>
+                                <p:cTn id="5" presetID="10" presetClass="entr" presetSubtype="0" fill="hold" grpId="0" nodeType="afterEffect">
+                                  <p:stCondLst>
+                                    <p:cond delay="0"/>
+                                  </p:stCondLst>
+                                  <p:iterate type="lt">
+                                    <p:tmPct val="10000"/>
+                                  </p:iterate>
+                                  <p:childTnLst>
+                                    <p:set>
+                                      <p:cBhvr>
+                                        <p:cTn id="6" dur="1" fill="hold">
+                                          <p:stCondLst>
+                                            <p:cond delay="0"/>
+                                          </p:stCondLst>
+                                        </p:cTn>
+                                        <p:tgtEl>
+                                          <p:spTgt spid="6"/>
+                                        </p:tgtEl>
+                                        <p:attrNameLst>
+                                          <p:attrName>style.visibility</p:attrName>
+                                        </p:attrNameLst>
+                                      </p:cBhvr>
+                                      <p:to>
+                                        <p:strVal val="visible"/>
+                                      </p:to>
+                                    </p:set>
+                                    <p:animEffect transition="in" filter="fade">
+                                      <p:cBhvr>
+                                        <p:cTn id="7" dur="500"/>
+                                        <p:tgtEl>
+                                          <p:spTgt spid="6"/>
+                                        </p:tgtEl>
+                                      </p:cBhvr>
+                                    </p:animEffect>
+                                  </p:childTnLst>
+                                </p:cTn>
+                              </p:par>
+                            </p:childTnLst>
+                          </p:cTn>
+                        </p:par>
+                        <p:par>
+                          <p:cTn id="8" fill="hold">
+                            <p:stCondLst>
+                              <p:cond delay="550"/>
+                            </p:stCondLst>
+                            <p:childTnLst>
+                              <p:par>
+                                <p:cTn id="9" presetID="22" presetClass="entr" presetSubtype="8" fill="hold" nodeType="afterEffect">
+                                  <p:stCondLst>
+                                    <p:cond delay="0"/>
+                                  </p:stCondLst>
+                                  <p:childTnLst>
+                                    <p:set>
+                                      <p:cBhvr>
+                                        <p:cTn id="10" dur="1" fill="hold">
+                                          <p:stCondLst>
+                                            <p:cond delay="0"/>
+                                          </p:stCondLst>
+                                        </p:cTn>
+                                        <p:tgtEl>
+                                          <p:spTgt spid="7"/>
+                                        </p:tgtEl>
+                                        <p:attrNameLst>
+                                          <p:attrName>style.visibility</p:attrName>
+                                        </p:attrNameLst>
+                                      </p:cBhvr>
+                                      <p:to>
+                                        <p:strVal val="visible"/>
+                                      </p:to>
+                                    </p:set>
+                                    <p:animEffect transition="in" filter="wipe(left)">
+                                      <p:cBhvr>
+                                        <p:cTn id="11" dur="1000"/>
+                                        <p:tgtEl>
+                                          <p:spTgt spid="7"/>
+                                        </p:tgtEl>
+                                      </p:cBhvr>
+                                    </p:animEffect>
+                                  </p:childTnLst>
+                                </p:cTn>
+                              </p:par>
+                            </p:childTnLst>
+                          </p:cTn>
+                        </p:par>
+                      </p:childTnLst>
+                    </p:cTn>
+                  </p:par>
+                </p:childTnLst>
+              </p:cTn>
+              <p:prevCondLst>
+                <p:cond evt="onPrev" delay="0">
+                  <p:tgtEl>
+                    <p:sldTgt/>
+                  </p:tgtEl>
+                </p:cond>
+              </p:prevCondLst>
+              <p:nextCondLst>
+                <p:cond evt="onNext" delay="0">
+                  <p:tgtEl>
+                    <p:sldTgt/>
+                  </p:tgtEl>
+                </p:cond>
+              </p:nextCondLst>
+            </p:seq>
+          </p:childTnLst>
+        </p:cTn>
+      </p:par>
+    </p:tnLst>
+    <p:bldLst>
+      <p:bldP spid="6" grpId="0"/>
+    </p:bldLst>
+  </p:timing>
+</p:sld>
+</file>
+
+<file path=ppt/slides/slide11.xml><?xml version="1.0" encoding="utf-8"?>
+<p:sld xmlns:a="http://schemas.openxmlformats.org/drawingml/2006/main" xmlns:r="http://schemas.openxmlformats.org/officeDocument/2006/relationships" xmlns:p="http://schemas.openxmlformats.org/presentationml/2006/main">
+  <p:cSld>
+    <p:spTree>
+      <p:nvGrpSpPr>
+        <p:cNvPr id="1" name=""/>
+        <p:cNvGrpSpPr/>
+        <p:nvPr/>
+      </p:nvGrpSpPr>
+      <p:grpSpPr>
+        <a:xfrm>
+          <a:off x="0" y="0"/>
+          <a:ext cx="0" cy="0"/>
+          <a:chOff x="0" y="0"/>
+          <a:chExt cx="0" cy="0"/>
+        </a:xfrm>
+      </p:grpSpPr>
+      <p:cxnSp>
+        <p:nvCxnSpPr>
+          <p:cNvPr id="7" name="直接连接符 6"/>
+          <p:cNvCxnSpPr/>
+          <p:nvPr/>
+        </p:nvCxnSpPr>
+        <p:spPr>
+          <a:xfrm>
+            <a:off x="584734" y="2048065"/>
+            <a:ext cx="11367663" cy="0"/>
+          </a:xfrm>
+          <a:prstGeom prst="line">
+            <a:avLst/>
+          </a:prstGeom>
+          <a:ln>
+            <a:solidFill>
+              <a:schemeClr val="tx1">
+                <a:lumMod val="50000"/>
+                <a:lumOff val="50000"/>
+              </a:schemeClr>
+            </a:solidFill>
+          </a:ln>
+        </p:spPr>
+        <p:style>
+          <a:lnRef idx="1">
+            <a:schemeClr val="accent1"/>
+          </a:lnRef>
+          <a:fillRef idx="0">
+            <a:schemeClr val="accent1"/>
+          </a:fillRef>
+          <a:effectRef idx="0">
+            <a:schemeClr val="accent1"/>
+          </a:effectRef>
+          <a:fontRef idx="minor">
+            <a:schemeClr val="tx1"/>
+          </a:fontRef>
+        </p:style>
+      </p:cxnSp>
+      <p:sp>
+        <p:nvSpPr>
+          <p:cNvPr id="8" name="文本框 13"/>
+          <p:cNvSpPr txBox="1"/>
+          <p:nvPr/>
+        </p:nvSpPr>
+        <p:spPr>
+          <a:xfrm>
+            <a:off x="1061214" y="855266"/>
+            <a:ext cx="7601426" cy="801897"/>
+          </a:xfrm>
+          <a:prstGeom prst="rect">
+            <a:avLst/>
+          </a:prstGeom>
+          <a:noFill/>
+        </p:spPr>
+        <p:txBody>
+          <a:bodyPr wrap="square" lIns="123581" tIns="61791" rIns="123581" bIns="61791" rtlCol="0">
+            <a:spAutoFit/>
+          </a:bodyPr>
+          <a:lstStyle/>
+          <a:p>
+            <a:r>
+              <a:rPr lang="en-US" altLang="zh-CN" sz="4400" dirty="0" smtClean="0">
+                <a:solidFill>
+                  <a:srgbClr val="0070C0"/>
+                </a:solidFill>
+                <a:latin typeface="黑体" panose="02010609060101010101" pitchFamily="49" charset="-122"/>
+                <a:ea typeface="黑体" panose="02010609060101010101" pitchFamily="49" charset="-122"/>
+              </a:rPr>
+              <a:t>holes</a:t>
+            </a:r>
+            <a:endParaRPr lang="zh-CN" altLang="en-US" sz="4400" dirty="0">
+              <a:solidFill>
+                <a:srgbClr val="0070C0"/>
+              </a:solidFill>
+              <a:latin typeface="黑体" panose="02010609060101010101" pitchFamily="49" charset="-122"/>
+              <a:ea typeface="黑体" panose="02010609060101010101" pitchFamily="49" charset="-122"/>
+            </a:endParaRPr>
+          </a:p>
+        </p:txBody>
+      </p:sp>
+      <p:sp>
+        <p:nvSpPr>
+          <p:cNvPr id="3" name="TextBox 2"/>
+          <p:cNvSpPr txBox="1"/>
+          <p:nvPr/>
+        </p:nvSpPr>
+        <p:spPr>
+          <a:xfrm>
+            <a:off x="1061214" y="2367434"/>
+            <a:ext cx="6389891" cy="461665"/>
+          </a:xfrm>
+          <a:prstGeom prst="rect">
+            <a:avLst/>
+          </a:prstGeom>
+          <a:noFill/>
+        </p:spPr>
+        <p:txBody>
+          <a:bodyPr wrap="none" rtlCol="0">
+            <a:spAutoFit/>
+          </a:bodyPr>
+          <a:lstStyle/>
+          <a:p>
+            <a:r>
+              <a:rPr lang="zh-CN" altLang="en-US" dirty="0" smtClean="0"/>
+              <a:t>参考：</a:t>
+            </a:r>
+            <a:r>
+              <a:rPr lang="zh-CN" altLang="en-US" b="1" dirty="0"/>
+              <a:t>这可能是你见过的最全的</a:t>
+            </a:r>
+            <a:r>
+              <a:rPr lang="en-US" altLang="zh-CN" b="1" dirty="0"/>
+              <a:t>SaaS</a:t>
+            </a:r>
+            <a:r>
+              <a:rPr lang="zh-CN" altLang="en-US" b="1" dirty="0"/>
+              <a:t>行业</a:t>
+            </a:r>
+            <a:r>
+              <a:rPr lang="zh-CN" altLang="en-US" b="1" dirty="0" smtClean="0"/>
+              <a:t>分析</a:t>
+            </a:r>
+            <a:endParaRPr lang="zh-CN" altLang="en-US" b="1" dirty="0"/>
+          </a:p>
+        </p:txBody>
+      </p:sp>
+      <p:sp>
+        <p:nvSpPr>
+          <p:cNvPr id="4" name="TextBox 3"/>
+          <p:cNvSpPr txBox="1"/>
+          <p:nvPr/>
+        </p:nvSpPr>
+        <p:spPr>
+          <a:xfrm>
+            <a:off x="1389832" y="3087514"/>
+            <a:ext cx="10973517" cy="4154984"/>
+          </a:xfrm>
+          <a:prstGeom prst="rect">
+            <a:avLst/>
+          </a:prstGeom>
+          <a:noFill/>
+        </p:spPr>
+        <p:txBody>
+          <a:bodyPr wrap="none" rtlCol="0">
+            <a:spAutoFit/>
+          </a:bodyPr>
+          <a:lstStyle/>
+          <a:p>
+            <a:r>
+              <a:rPr lang="zh-CN" altLang="en-US" dirty="0" smtClean="0"/>
+              <a:t>分类：</a:t>
+            </a:r>
+            <a:endParaRPr lang="en-US" altLang="zh-CN" dirty="0" smtClean="0"/>
+          </a:p>
+          <a:p>
+            <a:pPr marL="342900" indent="-342900">
+              <a:buFont typeface="Arial" panose="020B0604020202020204" pitchFamily="34" charset="0"/>
+              <a:buChar char="•"/>
+            </a:pPr>
+            <a:r>
+              <a:rPr lang="fi-FI" altLang="zh-CN" b="1" dirty="0"/>
+              <a:t>“</a:t>
+            </a:r>
+            <a:r>
+              <a:rPr lang="zh-CN" altLang="fi-FI" b="1" dirty="0"/>
+              <a:t>大</a:t>
+            </a:r>
+            <a:r>
+              <a:rPr lang="fi-FI" altLang="zh-CN" b="1" dirty="0"/>
+              <a:t>SaaS”</a:t>
+            </a:r>
+            <a:r>
+              <a:rPr lang="zh-CN" altLang="fi-FI" b="1" dirty="0"/>
+              <a:t>：管理工具型</a:t>
+            </a:r>
+            <a:r>
+              <a:rPr lang="fi-FI" altLang="zh-CN" b="1" dirty="0" smtClean="0"/>
+              <a:t>Saa</a:t>
+            </a:r>
+            <a:r>
+              <a:rPr lang="en-US" altLang="zh-CN" b="1" dirty="0" smtClean="0"/>
+              <a:t>s</a:t>
+            </a:r>
+          </a:p>
+          <a:p>
+            <a:r>
+              <a:rPr lang="en-US" altLang="zh-CN" b="1" dirty="0" smtClean="0"/>
+              <a:t>	</a:t>
+            </a:r>
+            <a:r>
+              <a:rPr lang="en-US" altLang="zh-CN" dirty="0"/>
+              <a:t>CRM</a:t>
+            </a:r>
+            <a:r>
+              <a:rPr lang="zh-CN" altLang="en-US" dirty="0"/>
+              <a:t>、</a:t>
+            </a:r>
+            <a:r>
+              <a:rPr lang="en-US" altLang="zh-CN" dirty="0"/>
+              <a:t>OA</a:t>
+            </a:r>
+            <a:r>
+              <a:rPr lang="zh-CN" altLang="en-US" dirty="0"/>
+              <a:t>及协同管理、项目管理、</a:t>
+            </a:r>
+            <a:r>
+              <a:rPr lang="en-US" altLang="zh-CN" dirty="0"/>
+              <a:t>HRM</a:t>
+            </a:r>
+            <a:r>
+              <a:rPr lang="zh-CN" altLang="en-US" dirty="0"/>
+              <a:t>（人力资源管理）</a:t>
+            </a:r>
+            <a:r>
+              <a:rPr lang="zh-CN" altLang="en-US" dirty="0" smtClean="0"/>
+              <a:t>、</a:t>
+            </a:r>
+            <a:endParaRPr lang="en-US" altLang="zh-CN" dirty="0" smtClean="0"/>
+          </a:p>
+          <a:p>
+            <a:r>
+              <a:rPr lang="en-US" altLang="zh-CN" dirty="0"/>
+              <a:t>	</a:t>
+            </a:r>
+            <a:r>
+              <a:rPr lang="zh-CN" altLang="en-US" dirty="0" smtClean="0"/>
+              <a:t>营销</a:t>
+            </a:r>
+            <a:r>
+              <a:rPr lang="zh-CN" altLang="en-US" dirty="0"/>
+              <a:t>管理、</a:t>
+            </a:r>
+            <a:r>
+              <a:rPr lang="en-US" altLang="zh-CN" dirty="0"/>
+              <a:t>BPM</a:t>
+            </a:r>
+            <a:r>
+              <a:rPr lang="zh-CN" altLang="en-US" dirty="0"/>
+              <a:t>（业务流程管理</a:t>
+            </a:r>
+            <a:r>
+              <a:rPr lang="zh-CN" altLang="en-US" dirty="0" smtClean="0"/>
+              <a:t>）</a:t>
+            </a:r>
+            <a:endParaRPr lang="en-US" altLang="zh-CN" b="1" dirty="0"/>
+          </a:p>
+          <a:p>
+            <a:pPr lvl="1"/>
+            <a:r>
+              <a:rPr lang="zh-CN" altLang="en-US" b="1" dirty="0"/>
+              <a:t>重</a:t>
+            </a:r>
+            <a:r>
+              <a:rPr lang="en-US" altLang="zh-CN" b="1" dirty="0" smtClean="0"/>
+              <a:t>SaaS</a:t>
+            </a:r>
+          </a:p>
+          <a:p>
+            <a:pPr lvl="1"/>
+            <a:r>
+              <a:rPr lang="en-US" altLang="zh-CN" dirty="0" smtClean="0"/>
+              <a:t>	</a:t>
+            </a:r>
+            <a:r>
+              <a:rPr lang="zh-CN" altLang="en-US" dirty="0" smtClean="0"/>
+              <a:t>相对</a:t>
+            </a:r>
+            <a:r>
+              <a:rPr lang="zh-CN" altLang="en-US" dirty="0"/>
+              <a:t>比较复杂，能够实现的功能也相对较多，往往需要实施的企业</a:t>
+            </a:r>
+            <a:r>
+              <a:rPr lang="zh-CN" altLang="en-US" dirty="0" smtClean="0"/>
+              <a:t>具有</a:t>
+            </a:r>
+            <a:endParaRPr lang="en-US" altLang="zh-CN" dirty="0" smtClean="0"/>
+          </a:p>
+          <a:p>
+            <a:pPr lvl="1"/>
+            <a:r>
+              <a:rPr lang="en-US" altLang="zh-CN" dirty="0"/>
+              <a:t>	</a:t>
+            </a:r>
+            <a:r>
+              <a:rPr lang="zh-CN" altLang="en-US" dirty="0" smtClean="0"/>
+              <a:t>较强</a:t>
+            </a:r>
+            <a:r>
+              <a:rPr lang="zh-CN" altLang="en-US" dirty="0"/>
+              <a:t>的信息化管理能力</a:t>
+            </a:r>
+            <a:endParaRPr lang="en-US" altLang="zh-CN" dirty="0" smtClean="0"/>
+          </a:p>
+          <a:p>
+            <a:pPr lvl="1"/>
+            <a:r>
+              <a:rPr lang="zh-CN" altLang="en-US" b="1" dirty="0"/>
+              <a:t>轻</a:t>
+            </a:r>
+            <a:r>
+              <a:rPr lang="en-US" altLang="zh-CN" b="1" dirty="0" smtClean="0"/>
+              <a:t>SaaS</a:t>
+            </a:r>
+          </a:p>
+          <a:p>
+            <a:pPr lvl="1"/>
+            <a:r>
+              <a:rPr lang="en-US" altLang="zh-CN" b="1" dirty="0"/>
+              <a:t>	</a:t>
+            </a:r>
+            <a:r>
+              <a:rPr lang="zh-CN" altLang="en-US" dirty="0"/>
+              <a:t>轻量级的企业</a:t>
+            </a:r>
+            <a:r>
+              <a:rPr lang="en-US" altLang="zh-CN" dirty="0"/>
+              <a:t>IM</a:t>
+            </a:r>
+            <a:r>
+              <a:rPr lang="zh-CN" altLang="en-US" dirty="0"/>
+              <a:t>、</a:t>
+            </a:r>
+            <a:r>
+              <a:rPr lang="en-US" altLang="zh-CN" dirty="0"/>
+              <a:t>OA</a:t>
+            </a:r>
+            <a:r>
+              <a:rPr lang="zh-CN" altLang="en-US" dirty="0"/>
+              <a:t>协同、</a:t>
+            </a:r>
+            <a:r>
+              <a:rPr lang="en-US" altLang="zh-CN" dirty="0"/>
+              <a:t>CRM</a:t>
+            </a:r>
+            <a:r>
+              <a:rPr lang="zh-CN" altLang="en-US" dirty="0"/>
+              <a:t>、项目管理、通信</a:t>
+            </a:r>
+            <a:r>
+              <a:rPr lang="en-US" altLang="zh-CN" dirty="0"/>
+              <a:t>SDK</a:t>
+            </a:r>
+            <a:r>
+              <a:rPr lang="zh-CN" altLang="en-US" dirty="0"/>
+              <a:t>、支付</a:t>
+            </a:r>
+            <a:r>
+              <a:rPr lang="en-US" altLang="zh-CN" dirty="0"/>
+              <a:t>SDK</a:t>
+            </a:r>
+            <a:r>
+              <a:rPr lang="zh-CN" altLang="en-US" dirty="0"/>
+              <a:t>等</a:t>
+            </a:r>
+            <a:endParaRPr lang="en-US" altLang="zh-CN" b="1" dirty="0" smtClean="0"/>
+          </a:p>
+          <a:p>
+            <a:pPr lvl="1"/>
+            <a:r>
+              <a:rPr lang="zh-CN" altLang="en-US" b="1" dirty="0"/>
+              <a:t>技术工具</a:t>
+            </a:r>
+            <a:r>
+              <a:rPr lang="en-US" altLang="zh-CN" b="1" dirty="0" smtClean="0"/>
+              <a:t>SaaS</a:t>
+            </a:r>
+          </a:p>
+          <a:p>
+            <a:pPr lvl="1"/>
+            <a:r>
+              <a:rPr lang="en-US" altLang="zh-CN" b="1" dirty="0"/>
+              <a:t>	</a:t>
+            </a:r>
+            <a:r>
+              <a:rPr lang="zh-CN" altLang="en-US" dirty="0"/>
+              <a:t>通信</a:t>
+            </a:r>
+            <a:r>
+              <a:rPr lang="en-US" altLang="zh-CN" dirty="0"/>
+              <a:t>SDK</a:t>
+            </a:r>
+            <a:r>
+              <a:rPr lang="zh-CN" altLang="en-US" dirty="0"/>
+              <a:t>、支付</a:t>
+            </a:r>
+            <a:r>
+              <a:rPr lang="en-US" altLang="zh-CN" dirty="0"/>
+              <a:t>SDK</a:t>
+            </a:r>
+            <a:r>
+              <a:rPr lang="zh-CN" altLang="en-US" dirty="0"/>
+              <a:t>、数据</a:t>
+            </a:r>
+            <a:r>
+              <a:rPr lang="en-US" altLang="zh-CN" dirty="0"/>
+              <a:t>SDK</a:t>
+            </a:r>
+            <a:r>
+              <a:rPr lang="zh-CN" altLang="en-US" dirty="0"/>
+              <a:t>、开发</a:t>
+            </a:r>
+            <a:r>
+              <a:rPr lang="zh-CN" altLang="en-US" dirty="0" smtClean="0"/>
+              <a:t>平台</a:t>
+            </a:r>
+            <a:endParaRPr lang="en-US" altLang="zh-CN" b="1" dirty="0" smtClean="0"/>
+          </a:p>
+        </p:txBody>
+      </p:sp>
+    </p:spTree>
+    <p:extLst>
+      <p:ext uri="{BB962C8B-B14F-4D97-AF65-F5344CB8AC3E}">
+        <p14:creationId xmlns:p14="http://schemas.microsoft.com/office/powerpoint/2010/main" val="3949717004"/>
+      </p:ext>
+    </p:extLst>
+  </p:cSld>
+  <p:clrMapOvr>
+    <a:masterClrMapping/>
+  </p:clrMapOvr>
+  <p:timing>
+    <p:tnLst>
+      <p:par>
+        <p:cTn id="1" dur="indefinite" restart="never" nodeType="tmRoot">
+          <p:childTnLst>
+            <p:seq concurrent="1" nextAc="seek">
+              <p:cTn id="2" dur="indefinite" nodeType="mainSeq">
+                <p:childTnLst>
+                  <p:par>
+                    <p:cTn id="3" fill="hold">
+                      <p:stCondLst>
+                        <p:cond delay="indefinite"/>
+                        <p:cond evt="onBegin" delay="0">
+                          <p:tn val="2"/>
+                        </p:cond>
+                      </p:stCondLst>
+                      <p:childTnLst>
+                        <p:par>
+                          <p:cTn id="4" fill="hold">
+                            <p:stCondLst>
+                              <p:cond delay="0"/>
+                            </p:stCondLst>
+                            <p:childTnLst>
+                              <p:par>
+                                <p:cTn id="5" presetID="22" presetClass="entr" presetSubtype="8" fill="hold" nodeType="afterEffect">
+                                  <p:stCondLst>
+                                    <p:cond delay="0"/>
+                                  </p:stCondLst>
+                                  <p:childTnLst>
+                                    <p:set>
+                                      <p:cBhvr>
+                                        <p:cTn id="6" dur="1" fill="hold">
+                                          <p:stCondLst>
+                                            <p:cond delay="0"/>
+                                          </p:stCondLst>
+                                        </p:cTn>
+                                        <p:tgtEl>
+                                          <p:spTgt spid="7"/>
+                                        </p:tgtEl>
+                                        <p:attrNameLst>
+                                          <p:attrName>style.visibility</p:attrName>
+                                        </p:attrNameLst>
+                                      </p:cBhvr>
+                                      <p:to>
+                                        <p:strVal val="visible"/>
+                                      </p:to>
+                                    </p:set>
+                                    <p:animEffect transition="in" filter="wipe(left)">
+                                      <p:cBhvr>
+                                        <p:cTn id="7" dur="1000"/>
+                                        <p:tgtEl>
+                                          <p:spTgt spid="7"/>
+                                        </p:tgtEl>
+                                      </p:cBhvr>
+                                    </p:animEffect>
+                                  </p:childTnLst>
+                                </p:cTn>
+                              </p:par>
+                            </p:childTnLst>
+                          </p:cTn>
+                        </p:par>
+                        <p:par>
+                          <p:cTn id="8" fill="hold">
+                            <p:stCondLst>
+                              <p:cond delay="1000"/>
+                            </p:stCondLst>
+                            <p:childTnLst>
+                              <p:par>
+                                <p:cTn id="9" presetID="10" presetClass="entr" presetSubtype="0" fill="hold" grpId="0" nodeType="afterEffect">
+                                  <p:stCondLst>
+                                    <p:cond delay="0"/>
+                                  </p:stCondLst>
+                                  <p:iterate type="lt">
+                                    <p:tmPct val="10000"/>
+                                  </p:iterate>
+                                  <p:childTnLst>
+                                    <p:set>
+                                      <p:cBhvr>
+                                        <p:cTn id="10" dur="1" fill="hold">
+                                          <p:stCondLst>
+                                            <p:cond delay="0"/>
+                                          </p:stCondLst>
+                                        </p:cTn>
+                                        <p:tgtEl>
+                                          <p:spTgt spid="8"/>
+                                        </p:tgtEl>
+                                        <p:attrNameLst>
+                                          <p:attrName>style.visibility</p:attrName>
+                                        </p:attrNameLst>
+                                      </p:cBhvr>
+                                      <p:to>
+                                        <p:strVal val="visible"/>
+                                      </p:to>
+                                    </p:set>
+                                    <p:animEffect transition="in" filter="fade">
+                                      <p:cBhvr>
+                                        <p:cTn id="11" dur="500"/>
+                                        <p:tgtEl>
+                                          <p:spTgt spid="8"/>
+                                        </p:tgtEl>
+                                      </p:cBhvr>
+                                    </p:animEffect>
+                                  </p:childTnLst>
+                                </p:cTn>
+                              </p:par>
+                            </p:childTnLst>
+                          </p:cTn>
+                        </p:par>
+                      </p:childTnLst>
+                    </p:cTn>
+                  </p:par>
+                </p:childTnLst>
+              </p:cTn>
+              <p:prevCondLst>
+                <p:cond evt="onPrev" delay="0">
+                  <p:tgtEl>
+                    <p:sldTgt/>
+                  </p:tgtEl>
+                </p:cond>
+              </p:prevCondLst>
+              <p:nextCondLst>
+                <p:cond evt="onNext" delay="0">
+                  <p:tgtEl>
+                    <p:sldTgt/>
+                  </p:tgtEl>
+                </p:cond>
+              </p:nextCondLst>
+            </p:seq>
+          </p:childTnLst>
+        </p:cTn>
+      </p:par>
+    </p:tnLst>
+    <p:bldLst>
+      <p:bldP spid="8" grpId="0"/>
+    </p:bldLst>
+  </p:timing>
+</p:sld>
+</file>
+
+<file path=ppt/slides/slide12.xml><?xml version="1.0" encoding="utf-8"?>
+<p:sld xmlns:a="http://schemas.openxmlformats.org/drawingml/2006/main" xmlns:r="http://schemas.openxmlformats.org/officeDocument/2006/relationships" xmlns:p="http://schemas.openxmlformats.org/presentationml/2006/main">
+  <p:cSld>
+    <p:spTree>
+      <p:nvGrpSpPr>
+        <p:cNvPr id="1" name=""/>
+        <p:cNvGrpSpPr/>
+        <p:nvPr/>
+      </p:nvGrpSpPr>
+      <p:grpSpPr>
+        <a:xfrm>
+          <a:off x="0" y="0"/>
+          <a:ext cx="0" cy="0"/>
+          <a:chOff x="0" y="0"/>
+          <a:chExt cx="0" cy="0"/>
+        </a:xfrm>
+      </p:grpSpPr>
+      <p:cxnSp>
+        <p:nvCxnSpPr>
+          <p:cNvPr id="7" name="直接连接符 6"/>
+          <p:cNvCxnSpPr/>
+          <p:nvPr/>
+        </p:nvCxnSpPr>
+        <p:spPr>
+          <a:xfrm>
+            <a:off x="584734" y="2048065"/>
+            <a:ext cx="11367663" cy="0"/>
+          </a:xfrm>
+          <a:prstGeom prst="line">
+            <a:avLst/>
+          </a:prstGeom>
+          <a:ln>
+            <a:solidFill>
+              <a:schemeClr val="tx1">
+                <a:lumMod val="50000"/>
+                <a:lumOff val="50000"/>
+              </a:schemeClr>
+            </a:solidFill>
+          </a:ln>
+        </p:spPr>
+        <p:style>
+          <a:lnRef idx="1">
+            <a:schemeClr val="accent1"/>
+          </a:lnRef>
+          <a:fillRef idx="0">
+            <a:schemeClr val="accent1"/>
+          </a:fillRef>
+          <a:effectRef idx="0">
+            <a:schemeClr val="accent1"/>
+          </a:effectRef>
+          <a:fontRef idx="minor">
+            <a:schemeClr val="tx1"/>
+          </a:fontRef>
+        </p:style>
+      </p:cxnSp>
+      <p:sp>
+        <p:nvSpPr>
+          <p:cNvPr id="8" name="文本框 13"/>
+          <p:cNvSpPr txBox="1"/>
+          <p:nvPr/>
+        </p:nvSpPr>
+        <p:spPr>
+          <a:xfrm>
+            <a:off x="1061214" y="855266"/>
+            <a:ext cx="7601426" cy="801897"/>
+          </a:xfrm>
+          <a:prstGeom prst="rect">
+            <a:avLst/>
+          </a:prstGeom>
+          <a:noFill/>
+        </p:spPr>
+        <p:txBody>
+          <a:bodyPr wrap="square" lIns="123581" tIns="61791" rIns="123581" bIns="61791" rtlCol="0">
+            <a:spAutoFit/>
+          </a:bodyPr>
+          <a:lstStyle/>
+          <a:p>
+            <a:r>
+              <a:rPr lang="en-US" altLang="zh-CN" sz="4400" dirty="0" smtClean="0">
+                <a:solidFill>
+                  <a:srgbClr val="0070C0"/>
+                </a:solidFill>
+                <a:latin typeface="黑体" panose="02010609060101010101" pitchFamily="49" charset="-122"/>
+                <a:ea typeface="黑体" panose="02010609060101010101" pitchFamily="49" charset="-122"/>
+              </a:rPr>
+              <a:t>holes</a:t>
+            </a:r>
+            <a:endParaRPr lang="zh-CN" altLang="en-US" sz="4400" dirty="0">
+              <a:solidFill>
+                <a:srgbClr val="0070C0"/>
+              </a:solidFill>
+              <a:latin typeface="黑体" panose="02010609060101010101" pitchFamily="49" charset="-122"/>
+              <a:ea typeface="黑体" panose="02010609060101010101" pitchFamily="49" charset="-122"/>
+            </a:endParaRPr>
+          </a:p>
+        </p:txBody>
+      </p:sp>
+      <p:sp>
+        <p:nvSpPr>
+          <p:cNvPr id="3" name="TextBox 2"/>
+          <p:cNvSpPr txBox="1"/>
+          <p:nvPr/>
+        </p:nvSpPr>
+        <p:spPr>
+          <a:xfrm>
+            <a:off x="1061214" y="2367434"/>
+            <a:ext cx="12088566" cy="3416320"/>
+          </a:xfrm>
+          <a:prstGeom prst="rect">
+            <a:avLst/>
+          </a:prstGeom>
+          <a:noFill/>
+        </p:spPr>
+        <p:txBody>
+          <a:bodyPr wrap="none" rtlCol="0">
+            <a:spAutoFit/>
+          </a:bodyPr>
+          <a:lstStyle/>
+          <a:p>
+            <a:r>
+              <a:rPr lang="en-US" altLang="zh-CN" b="1" dirty="0" smtClean="0"/>
+              <a:t>Holes:</a:t>
+            </a:r>
+          </a:p>
+          <a:p>
+            <a:pPr marL="457200" indent="-457200">
+              <a:buFont typeface="+mj-lt"/>
+              <a:buAutoNum type="arabicPeriod"/>
+            </a:pPr>
+            <a:r>
+              <a:rPr lang="zh-CN" altLang="en-US" b="1" dirty="0"/>
+              <a:t>信息化需求不够刚性，产品替代性拐点价值不够</a:t>
+            </a:r>
+            <a:r>
+              <a:rPr lang="zh-CN" altLang="en-US" b="1" dirty="0" smtClean="0"/>
+              <a:t>突出</a:t>
+            </a:r>
+            <a:endParaRPr lang="en-US" altLang="zh-CN" b="1" dirty="0" smtClean="0"/>
+          </a:p>
+          <a:p>
+            <a:pPr marL="457200" indent="-457200">
+              <a:buFont typeface="+mj-lt"/>
+              <a:buAutoNum type="arabicPeriod"/>
+            </a:pPr>
+            <a:r>
+              <a:rPr lang="zh-CN" altLang="en-US" b="1" dirty="0"/>
+              <a:t>三分技术七分管理，用得好不好完全取决于老板的决心及管理</a:t>
+            </a:r>
+            <a:r>
+              <a:rPr lang="zh-CN" altLang="en-US" b="1" dirty="0" smtClean="0"/>
+              <a:t>能力</a:t>
+            </a:r>
+            <a:endParaRPr lang="en-US" altLang="zh-CN" b="1" dirty="0" smtClean="0"/>
+          </a:p>
+          <a:p>
+            <a:pPr marL="457200" indent="-457200">
+              <a:buFont typeface="+mj-lt"/>
+              <a:buAutoNum type="arabicPeriod"/>
+            </a:pPr>
+            <a:r>
+              <a:rPr lang="zh-CN" altLang="en-US" b="1" dirty="0"/>
+              <a:t>通用型</a:t>
+            </a:r>
+            <a:r>
+              <a:rPr lang="en-US" altLang="zh-CN" b="1" dirty="0"/>
+              <a:t>SaaS</a:t>
+            </a:r>
+            <a:r>
+              <a:rPr lang="zh-CN" altLang="en-US" b="1" dirty="0"/>
+              <a:t>无法满足企业成长后期的个性化</a:t>
+            </a:r>
+            <a:r>
+              <a:rPr lang="zh-CN" altLang="en-US" b="1" dirty="0" smtClean="0"/>
+              <a:t>需求</a:t>
+            </a:r>
+            <a:endParaRPr lang="en-US" altLang="zh-CN" b="1" dirty="0" smtClean="0"/>
+          </a:p>
+          <a:p>
+            <a:pPr marL="457200" indent="-457200">
+              <a:buFont typeface="+mj-lt"/>
+              <a:buAutoNum type="arabicPeriod"/>
+            </a:pPr>
+            <a:r>
+              <a:rPr lang="zh-CN" altLang="en-US" b="1" dirty="0"/>
+              <a:t>用</a:t>
+            </a:r>
+            <a:r>
+              <a:rPr lang="en-US" altLang="zh-CN" b="1" dirty="0"/>
+              <a:t>2C</a:t>
+            </a:r>
+            <a:r>
+              <a:rPr lang="zh-CN" altLang="en-US" b="1" dirty="0"/>
+              <a:t>的思维做</a:t>
+            </a:r>
+            <a:r>
+              <a:rPr lang="en-US" altLang="zh-CN" b="1" dirty="0"/>
+              <a:t>2B</a:t>
+            </a:r>
+            <a:r>
+              <a:rPr lang="zh-CN" altLang="en-US" b="1" dirty="0"/>
+              <a:t>的产品，互联网思维可能</a:t>
+            </a:r>
+            <a:r>
+              <a:rPr lang="zh-CN" altLang="en-US" b="1" dirty="0" smtClean="0"/>
+              <a:t>失灵</a:t>
+            </a:r>
+            <a:endParaRPr lang="en-US" altLang="zh-CN" b="1" dirty="0" smtClean="0"/>
+          </a:p>
+          <a:p>
+            <a:pPr marL="457200" indent="-457200">
+              <a:buFont typeface="+mj-lt"/>
+              <a:buAutoNum type="arabicPeriod"/>
+            </a:pPr>
+            <a:r>
+              <a:rPr lang="zh-CN" altLang="en-US" b="1" dirty="0"/>
+              <a:t>“中等收入陷阱”：中小漏斗、中低客单、中低续费，</a:t>
+            </a:r>
+            <a:r>
+              <a:rPr lang="zh-CN" altLang="en-US" b="1" dirty="0" smtClean="0"/>
+              <a:t>不死不活</a:t>
+            </a:r>
+            <a:endParaRPr lang="en-US" altLang="zh-CN" b="1" dirty="0" smtClean="0"/>
+          </a:p>
+          <a:p>
+            <a:pPr marL="457200" indent="-457200">
+              <a:buFont typeface="+mj-lt"/>
+              <a:buAutoNum type="arabicPeriod"/>
+            </a:pPr>
+            <a:r>
+              <a:rPr lang="zh-CN" altLang="en-US" b="1" dirty="0"/>
+              <a:t>“平台梦”：无法变成一个大漏斗，电商导流和</a:t>
+            </a:r>
+            <a:r>
+              <a:rPr lang="en-US" altLang="zh-CN" b="1" dirty="0"/>
+              <a:t>O2O</a:t>
+            </a:r>
+            <a:r>
+              <a:rPr lang="zh-CN" altLang="en-US" b="1" dirty="0"/>
+              <a:t>导流都面临专业垂直平台的</a:t>
+            </a:r>
+            <a:r>
+              <a:rPr lang="zh-CN" altLang="en-US" b="1" dirty="0" smtClean="0"/>
+              <a:t>竞争</a:t>
+            </a:r>
+            <a:endParaRPr lang="en-US" altLang="zh-CN" b="1" dirty="0" smtClean="0"/>
+          </a:p>
+          <a:p>
+            <a:pPr marL="457200" indent="-457200">
+              <a:buFont typeface="+mj-lt"/>
+              <a:buAutoNum type="arabicPeriod"/>
+            </a:pPr>
+            <a:r>
+              <a:rPr lang="zh-CN" altLang="en-US" b="1" dirty="0"/>
+              <a:t>技术工具类</a:t>
+            </a:r>
+            <a:r>
+              <a:rPr lang="en-US" altLang="zh-CN" b="1" dirty="0"/>
+              <a:t>SaaS</a:t>
+            </a:r>
+            <a:r>
+              <a:rPr lang="zh-CN" altLang="en-US" b="1" dirty="0"/>
+              <a:t>的“互联网思维陷阱”</a:t>
+            </a:r>
+            <a:endParaRPr lang="en-US" altLang="zh-CN" b="1" dirty="0" smtClean="0"/>
+          </a:p>
+          <a:p>
+            <a:endParaRPr lang="zh-CN" altLang="en-US" b="1" dirty="0"/>
+          </a:p>
+        </p:txBody>
+      </p:sp>
+    </p:spTree>
+    <p:extLst>
+      <p:ext uri="{BB962C8B-B14F-4D97-AF65-F5344CB8AC3E}">
+        <p14:creationId xmlns:p14="http://schemas.microsoft.com/office/powerpoint/2010/main" val="3279459317"/>
+      </p:ext>
+    </p:extLst>
+  </p:cSld>
+  <p:clrMapOvr>
+    <a:masterClrMapping/>
+  </p:clrMapOvr>
+  <p:timing>
+    <p:tnLst>
+      <p:par>
+        <p:cTn id="1" dur="indefinite" restart="never" nodeType="tmRoot">
+          <p:childTnLst>
+            <p:seq concurrent="1" nextAc="seek">
+              <p:cTn id="2" dur="indefinite" nodeType="mainSeq">
+                <p:childTnLst>
+                  <p:par>
+                    <p:cTn id="3" fill="hold">
+                      <p:stCondLst>
+                        <p:cond delay="indefinite"/>
+                        <p:cond evt="onBegin" delay="0">
+                          <p:tn val="2"/>
+                        </p:cond>
+                      </p:stCondLst>
+                      <p:childTnLst>
+                        <p:par>
+                          <p:cTn id="4" fill="hold">
+                            <p:stCondLst>
+                              <p:cond delay="0"/>
+                            </p:stCondLst>
+                            <p:childTnLst>
+                              <p:par>
+                                <p:cTn id="5" presetID="22" presetClass="entr" presetSubtype="8" fill="hold" nodeType="afterEffect">
+                                  <p:stCondLst>
+                                    <p:cond delay="0"/>
+                                  </p:stCondLst>
+                                  <p:childTnLst>
+                                    <p:set>
+                                      <p:cBhvr>
+                                        <p:cTn id="6" dur="1" fill="hold">
+                                          <p:stCondLst>
+                                            <p:cond delay="0"/>
+                                          </p:stCondLst>
+                                        </p:cTn>
+                                        <p:tgtEl>
+                                          <p:spTgt spid="7"/>
+                                        </p:tgtEl>
+                                        <p:attrNameLst>
+                                          <p:attrName>style.visibility</p:attrName>
+                                        </p:attrNameLst>
+                                      </p:cBhvr>
+                                      <p:to>
+                                        <p:strVal val="visible"/>
+                                      </p:to>
+                                    </p:set>
+                                    <p:animEffect transition="in" filter="wipe(left)">
+                                      <p:cBhvr>
+                                        <p:cTn id="7" dur="1000"/>
+                                        <p:tgtEl>
+                                          <p:spTgt spid="7"/>
+                                        </p:tgtEl>
+                                      </p:cBhvr>
+                                    </p:animEffect>
+                                  </p:childTnLst>
+                                </p:cTn>
+                              </p:par>
+                            </p:childTnLst>
+                          </p:cTn>
+                        </p:par>
+                        <p:par>
+                          <p:cTn id="8" fill="hold">
+                            <p:stCondLst>
+                              <p:cond delay="1000"/>
+                            </p:stCondLst>
+                            <p:childTnLst>
+                              <p:par>
+                                <p:cTn id="9" presetID="10" presetClass="entr" presetSubtype="0" fill="hold" grpId="0" nodeType="afterEffect">
+                                  <p:stCondLst>
+                                    <p:cond delay="0"/>
+                                  </p:stCondLst>
+                                  <p:iterate type="lt">
+                                    <p:tmPct val="10000"/>
+                                  </p:iterate>
+                                  <p:childTnLst>
+                                    <p:set>
+                                      <p:cBhvr>
+                                        <p:cTn id="10" dur="1" fill="hold">
+                                          <p:stCondLst>
+                                            <p:cond delay="0"/>
+                                          </p:stCondLst>
+                                        </p:cTn>
+                                        <p:tgtEl>
+                                          <p:spTgt spid="8"/>
+                                        </p:tgtEl>
+                                        <p:attrNameLst>
+                                          <p:attrName>style.visibility</p:attrName>
+                                        </p:attrNameLst>
+                                      </p:cBhvr>
+                                      <p:to>
+                                        <p:strVal val="visible"/>
+                                      </p:to>
+                                    </p:set>
+                                    <p:animEffect transition="in" filter="fade">
+                                      <p:cBhvr>
+                                        <p:cTn id="11" dur="500"/>
+                                        <p:tgtEl>
+                                          <p:spTgt spid="8"/>
+                                        </p:tgtEl>
+                                      </p:cBhvr>
+                                    </p:animEffect>
+                                  </p:childTnLst>
+                                </p:cTn>
+                              </p:par>
+                            </p:childTnLst>
+                          </p:cTn>
+                        </p:par>
+                      </p:childTnLst>
+                    </p:cTn>
+                  </p:par>
+                </p:childTnLst>
+              </p:cTn>
+              <p:prevCondLst>
+                <p:cond evt="onPrev" delay="0">
+                  <p:tgtEl>
+                    <p:sldTgt/>
+                  </p:tgtEl>
+                </p:cond>
+              </p:prevCondLst>
+              <p:nextCondLst>
+                <p:cond evt="onNext" delay="0">
+                  <p:tgtEl>
+                    <p:sldTgt/>
+                  </p:tgtEl>
+                </p:cond>
+              </p:nextCondLst>
+            </p:seq>
+          </p:childTnLst>
+        </p:cTn>
+      </p:par>
+    </p:tnLst>
+    <p:bldLst>
+      <p:bldP spid="8" grpId="0"/>
+    </p:bldLst>
+  </p:timing>
+</p:sld>
+</file>
+
+<file path=ppt/slides/slide13.xml><?xml version="1.0" encoding="utf-8"?>
+<p:sld xmlns:a="http://schemas.openxmlformats.org/drawingml/2006/main" xmlns:r="http://schemas.openxmlformats.org/officeDocument/2006/relationships" xmlns:p="http://schemas.openxmlformats.org/presentationml/2006/main">
+  <p:cSld>
+    <p:spTree>
+      <p:nvGrpSpPr>
+        <p:cNvPr id="1" name=""/>
+        <p:cNvGrpSpPr/>
+        <p:nvPr/>
+      </p:nvGrpSpPr>
+      <p:grpSpPr>
+        <a:xfrm>
+          <a:off x="0" y="0"/>
+          <a:ext cx="0" cy="0"/>
+          <a:chOff x="0" y="0"/>
+          <a:chExt cx="0" cy="0"/>
+        </a:xfrm>
+      </p:grpSpPr>
+      <p:cxnSp>
+        <p:nvCxnSpPr>
+          <p:cNvPr id="7" name="直接连接符 6"/>
+          <p:cNvCxnSpPr/>
+          <p:nvPr/>
+        </p:nvCxnSpPr>
+        <p:spPr>
+          <a:xfrm>
+            <a:off x="584734" y="2048065"/>
+            <a:ext cx="11367663" cy="0"/>
+          </a:xfrm>
+          <a:prstGeom prst="line">
+            <a:avLst/>
+          </a:prstGeom>
+          <a:ln>
+            <a:solidFill>
+              <a:schemeClr val="tx1">
+                <a:lumMod val="50000"/>
+                <a:lumOff val="50000"/>
+              </a:schemeClr>
+            </a:solidFill>
+          </a:ln>
+        </p:spPr>
+        <p:style>
+          <a:lnRef idx="1">
+            <a:schemeClr val="accent1"/>
+          </a:lnRef>
+          <a:fillRef idx="0">
+            <a:schemeClr val="accent1"/>
+          </a:fillRef>
+          <a:effectRef idx="0">
+            <a:schemeClr val="accent1"/>
+          </a:effectRef>
+          <a:fontRef idx="minor">
+            <a:schemeClr val="tx1"/>
+          </a:fontRef>
+        </p:style>
+      </p:cxnSp>
+      <p:sp>
+        <p:nvSpPr>
+          <p:cNvPr id="8" name="文本框 13"/>
+          <p:cNvSpPr txBox="1"/>
+          <p:nvPr/>
+        </p:nvSpPr>
+        <p:spPr>
+          <a:xfrm>
+            <a:off x="1061214" y="855266"/>
+            <a:ext cx="7601426" cy="801897"/>
+          </a:xfrm>
+          <a:prstGeom prst="rect">
+            <a:avLst/>
+          </a:prstGeom>
+          <a:noFill/>
+        </p:spPr>
+        <p:txBody>
+          <a:bodyPr wrap="square" lIns="123581" tIns="61791" rIns="123581" bIns="61791" rtlCol="0">
+            <a:spAutoFit/>
+          </a:bodyPr>
+          <a:lstStyle/>
+          <a:p>
+            <a:r>
+              <a:rPr lang="en-US" altLang="zh-CN" sz="4400" dirty="0" smtClean="0">
+                <a:solidFill>
+                  <a:srgbClr val="0070C0"/>
+                </a:solidFill>
+                <a:latin typeface="黑体" panose="02010609060101010101" pitchFamily="49" charset="-122"/>
+                <a:ea typeface="黑体" panose="02010609060101010101" pitchFamily="49" charset="-122"/>
+              </a:rPr>
+              <a:t>holes</a:t>
+            </a:r>
+            <a:endParaRPr lang="zh-CN" altLang="en-US" sz="4400" dirty="0">
+              <a:solidFill>
+                <a:srgbClr val="0070C0"/>
+              </a:solidFill>
+              <a:latin typeface="黑体" panose="02010609060101010101" pitchFamily="49" charset="-122"/>
+              <a:ea typeface="黑体" panose="02010609060101010101" pitchFamily="49" charset="-122"/>
+            </a:endParaRPr>
+          </a:p>
+        </p:txBody>
+      </p:sp>
+      <p:sp>
+        <p:nvSpPr>
+          <p:cNvPr id="4" name="TextBox 3"/>
+          <p:cNvSpPr txBox="1"/>
+          <p:nvPr/>
+        </p:nvSpPr>
+        <p:spPr>
+          <a:xfrm>
+            <a:off x="957784" y="2256517"/>
+            <a:ext cx="11414663" cy="1200329"/>
+          </a:xfrm>
+          <a:prstGeom prst="rect">
+            <a:avLst/>
+          </a:prstGeom>
+          <a:noFill/>
+        </p:spPr>
+        <p:txBody>
+          <a:bodyPr wrap="none" rtlCol="0">
+            <a:spAutoFit/>
+          </a:bodyPr>
+          <a:lstStyle/>
+          <a:p>
+            <a:pPr marL="342900" indent="-342900">
+              <a:buFont typeface="Arial" panose="020B0604020202020204" pitchFamily="34" charset="0"/>
+              <a:buChar char="•"/>
+            </a:pPr>
+            <a:r>
+              <a:rPr lang="zh-CN" altLang="en-US" b="1" dirty="0"/>
+              <a:t>“小</a:t>
+            </a:r>
+            <a:r>
+              <a:rPr lang="en-US" altLang="zh-CN" b="1" dirty="0"/>
+              <a:t>SaaS”</a:t>
+            </a:r>
+            <a:r>
+              <a:rPr lang="zh-CN" altLang="en-US" b="1" dirty="0"/>
+              <a:t>：业务管控型</a:t>
+            </a:r>
+            <a:r>
+              <a:rPr lang="en-US" altLang="zh-CN" b="1" dirty="0" smtClean="0"/>
+              <a:t>SaaS</a:t>
+            </a:r>
+          </a:p>
+          <a:p>
+            <a:r>
+              <a:rPr lang="en-US" altLang="zh-CN" b="1" dirty="0"/>
+              <a:t>	</a:t>
+            </a:r>
+            <a:r>
+              <a:rPr lang="zh-CN" altLang="en-US" dirty="0"/>
+              <a:t>既是线下商家门店提升其内部运营效率的有效工具</a:t>
+            </a:r>
+            <a:r>
+              <a:rPr lang="zh-CN" altLang="en-US" dirty="0" smtClean="0"/>
+              <a:t>，</a:t>
+            </a:r>
+            <a:endParaRPr lang="en-US" altLang="zh-CN" dirty="0" smtClean="0"/>
+          </a:p>
+          <a:p>
+            <a:r>
+              <a:rPr lang="en-US" altLang="zh-CN" dirty="0"/>
+              <a:t>	</a:t>
+            </a:r>
+            <a:r>
+              <a:rPr lang="zh-CN" altLang="en-US" dirty="0" smtClean="0"/>
+              <a:t>同时</a:t>
+            </a:r>
+            <a:r>
+              <a:rPr lang="zh-CN" altLang="en-US" dirty="0"/>
+              <a:t>也是线下门店真正拥抱互联网所必须要完成的基础设施建设。</a:t>
+            </a:r>
+            <a:r>
+              <a:rPr lang="en-US" altLang="zh-CN" b="1" dirty="0" smtClean="0"/>
+              <a:t>	</a:t>
+            </a:r>
+          </a:p>
+        </p:txBody>
+      </p:sp>
+      <p:sp>
+        <p:nvSpPr>
+          <p:cNvPr id="2" name="TextBox 1"/>
+          <p:cNvSpPr txBox="1"/>
+          <p:nvPr/>
+        </p:nvSpPr>
+        <p:spPr>
+          <a:xfrm>
+            <a:off x="1245816" y="3879602"/>
+            <a:ext cx="11165236" cy="1938992"/>
+          </a:xfrm>
+          <a:prstGeom prst="rect">
+            <a:avLst/>
+          </a:prstGeom>
+          <a:noFill/>
+        </p:spPr>
+        <p:txBody>
+          <a:bodyPr wrap="none" rtlCol="0">
+            <a:spAutoFit/>
+          </a:bodyPr>
+          <a:lstStyle/>
+          <a:p>
+            <a:pPr marL="457200" indent="-457200">
+              <a:buFont typeface="+mj-lt"/>
+              <a:buAutoNum type="arabicPeriod"/>
+            </a:pPr>
+            <a:r>
+              <a:rPr lang="zh-CN" altLang="en-US" b="1" dirty="0"/>
+              <a:t>店老板的“近视”可能是一个</a:t>
+            </a:r>
+            <a:r>
+              <a:rPr lang="zh-CN" altLang="en-US" b="1" dirty="0" smtClean="0"/>
+              <a:t>定时炸弹</a:t>
+            </a:r>
+            <a:endParaRPr lang="en-US" altLang="zh-CN" b="1" dirty="0" smtClean="0"/>
+          </a:p>
+          <a:p>
+            <a:pPr marL="457200" indent="-457200">
+              <a:buFont typeface="+mj-lt"/>
+              <a:buAutoNum type="arabicPeriod"/>
+            </a:pPr>
+            <a:r>
+              <a:rPr lang="zh-CN" altLang="en-US" b="1" dirty="0"/>
+              <a:t>如果玩不转</a:t>
+            </a:r>
+            <a:r>
+              <a:rPr lang="en-US" altLang="zh-CN" b="1" dirty="0"/>
+              <a:t>C</a:t>
+            </a:r>
+            <a:r>
+              <a:rPr lang="zh-CN" altLang="en-US" b="1" dirty="0"/>
+              <a:t>，指望</a:t>
+            </a:r>
+            <a:r>
+              <a:rPr lang="en-US" altLang="zh-CN" b="1" dirty="0"/>
+              <a:t>B</a:t>
+            </a:r>
+            <a:r>
+              <a:rPr lang="zh-CN" altLang="en-US" b="1" dirty="0"/>
+              <a:t>带动</a:t>
+            </a:r>
+            <a:r>
+              <a:rPr lang="en-US" altLang="zh-CN" b="1" dirty="0"/>
+              <a:t>C</a:t>
+            </a:r>
+            <a:r>
+              <a:rPr lang="zh-CN" altLang="en-US" b="1" dirty="0"/>
+              <a:t>进而实现</a:t>
+            </a:r>
+            <a:r>
+              <a:rPr lang="en-US" altLang="zh-CN" b="1" dirty="0"/>
+              <a:t>O2O</a:t>
+            </a:r>
+            <a:r>
+              <a:rPr lang="zh-CN" altLang="en-US" b="1" dirty="0"/>
+              <a:t>可能会比较</a:t>
+            </a:r>
+            <a:r>
+              <a:rPr lang="zh-CN" altLang="en-US" b="1" dirty="0" smtClean="0"/>
+              <a:t>艰难</a:t>
+            </a:r>
+            <a:endParaRPr lang="en-US" altLang="zh-CN" b="1" dirty="0" smtClean="0"/>
+          </a:p>
+          <a:p>
+            <a:pPr marL="457200" indent="-457200">
+              <a:buFont typeface="+mj-lt"/>
+              <a:buAutoNum type="arabicPeriod"/>
+            </a:pPr>
+            <a:r>
+              <a:rPr lang="zh-CN" altLang="en-US" b="1" dirty="0"/>
+              <a:t>如果平台不能提供足够超越性的增量价值，烧钱换来的订单也只是繁荣的</a:t>
+            </a:r>
+            <a:r>
+              <a:rPr lang="zh-CN" altLang="en-US" b="1" dirty="0" smtClean="0"/>
+              <a:t>假象</a:t>
+            </a:r>
+            <a:endParaRPr lang="en-US" altLang="zh-CN" b="1" dirty="0" smtClean="0"/>
+          </a:p>
+          <a:p>
+            <a:pPr marL="457200" indent="-457200">
+              <a:buFont typeface="+mj-lt"/>
+              <a:buAutoNum type="arabicPeriod"/>
+            </a:pPr>
+            <a:r>
+              <a:rPr lang="zh-CN" altLang="en-US" b="1" dirty="0"/>
+              <a:t>过早地切入上游供应链可能存在</a:t>
+            </a:r>
+            <a:r>
+              <a:rPr lang="zh-CN" altLang="en-US" b="1" dirty="0" smtClean="0"/>
+              <a:t>风险</a:t>
+            </a:r>
+            <a:endParaRPr lang="en-US" altLang="zh-CN" b="1" dirty="0" smtClean="0"/>
+          </a:p>
+          <a:p>
+            <a:pPr marL="457200" indent="-457200">
+              <a:buFont typeface="+mj-lt"/>
+              <a:buAutoNum type="arabicPeriod"/>
+            </a:pPr>
+            <a:r>
+              <a:rPr lang="zh-CN" altLang="en-US" b="1" dirty="0"/>
+              <a:t>团队交易基因不足，重不下去，轻</a:t>
+            </a:r>
+            <a:r>
+              <a:rPr lang="zh-CN" altLang="en-US" b="1"/>
+              <a:t>不</a:t>
+            </a:r>
+            <a:r>
+              <a:rPr lang="zh-CN" altLang="en-US" b="1" smtClean="0"/>
+              <a:t>上来</a:t>
+            </a:r>
+            <a:endParaRPr lang="en-US" altLang="zh-CN" b="1" smtClean="0"/>
+          </a:p>
+        </p:txBody>
+      </p:sp>
+    </p:spTree>
+    <p:extLst>
+      <p:ext uri="{BB962C8B-B14F-4D97-AF65-F5344CB8AC3E}">
+        <p14:creationId xmlns:p14="http://schemas.microsoft.com/office/powerpoint/2010/main" val="2017763778"/>
+      </p:ext>
+    </p:extLst>
+  </p:cSld>
+  <p:clrMapOvr>
+    <a:masterClrMapping/>
+  </p:clrMapOvr>
+  <p:timing>
+    <p:tnLst>
+      <p:par>
+        <p:cTn id="1" dur="indefinite" restart="never" nodeType="tmRoot">
+          <p:childTnLst>
+            <p:seq concurrent="1" nextAc="seek">
+              <p:cTn id="2" dur="indefinite" nodeType="mainSeq">
+                <p:childTnLst>
+                  <p:par>
+                    <p:cTn id="3" fill="hold">
+                      <p:stCondLst>
+                        <p:cond delay="indefinite"/>
+                        <p:cond evt="onBegin" delay="0">
+                          <p:tn val="2"/>
+                        </p:cond>
+                      </p:stCondLst>
+                      <p:childTnLst>
+                        <p:par>
+                          <p:cTn id="4" fill="hold">
+                            <p:stCondLst>
+                              <p:cond delay="0"/>
+                            </p:stCondLst>
+                            <p:childTnLst>
+                              <p:par>
+                                <p:cTn id="5" presetID="22" presetClass="entr" presetSubtype="8" fill="hold" nodeType="afterEffect">
+                                  <p:stCondLst>
+                                    <p:cond delay="0"/>
+                                  </p:stCondLst>
+                                  <p:childTnLst>
+                                    <p:set>
+                                      <p:cBhvr>
+                                        <p:cTn id="6" dur="1" fill="hold">
+                                          <p:stCondLst>
+                                            <p:cond delay="0"/>
+                                          </p:stCondLst>
+                                        </p:cTn>
+                                        <p:tgtEl>
+                                          <p:spTgt spid="7"/>
+                                        </p:tgtEl>
+                                        <p:attrNameLst>
+                                          <p:attrName>style.visibility</p:attrName>
+                                        </p:attrNameLst>
+                                      </p:cBhvr>
+                                      <p:to>
+                                        <p:strVal val="visible"/>
+                                      </p:to>
+                                    </p:set>
+                                    <p:animEffect transition="in" filter="wipe(left)">
+                                      <p:cBhvr>
+                                        <p:cTn id="7" dur="1000"/>
+                                        <p:tgtEl>
+                                          <p:spTgt spid="7"/>
+                                        </p:tgtEl>
+                                      </p:cBhvr>
+                                    </p:animEffect>
+                                  </p:childTnLst>
+                                </p:cTn>
+                              </p:par>
+                            </p:childTnLst>
+                          </p:cTn>
+                        </p:par>
+                        <p:par>
+                          <p:cTn id="8" fill="hold">
+                            <p:stCondLst>
+                              <p:cond delay="1000"/>
+                            </p:stCondLst>
+                            <p:childTnLst>
+                              <p:par>
+                                <p:cTn id="9" presetID="10" presetClass="entr" presetSubtype="0" fill="hold" grpId="0" nodeType="afterEffect">
+                                  <p:stCondLst>
+                                    <p:cond delay="0"/>
+                                  </p:stCondLst>
+                                  <p:iterate type="lt">
+                                    <p:tmPct val="10000"/>
+                                  </p:iterate>
+                                  <p:childTnLst>
+                                    <p:set>
+                                      <p:cBhvr>
+                                        <p:cTn id="10" dur="1" fill="hold">
+                                          <p:stCondLst>
+                                            <p:cond delay="0"/>
+                                          </p:stCondLst>
+                                        </p:cTn>
+                                        <p:tgtEl>
+                                          <p:spTgt spid="8"/>
+                                        </p:tgtEl>
+                                        <p:attrNameLst>
+                                          <p:attrName>style.visibility</p:attrName>
+                                        </p:attrNameLst>
+                                      </p:cBhvr>
+                                      <p:to>
+                                        <p:strVal val="visible"/>
+                                      </p:to>
+                                    </p:set>
+                                    <p:animEffect transition="in" filter="fade">
+                                      <p:cBhvr>
+                                        <p:cTn id="11" dur="500"/>
+                                        <p:tgtEl>
+                                          <p:spTgt spid="8"/>
+                                        </p:tgtEl>
+                                      </p:cBhvr>
+                                    </p:animEffect>
+                                  </p:childTnLst>
+                                </p:cTn>
+                              </p:par>
+                            </p:childTnLst>
+                          </p:cTn>
+                        </p:par>
+                      </p:childTnLst>
+                    </p:cTn>
+                  </p:par>
+                </p:childTnLst>
+              </p:cTn>
+              <p:prevCondLst>
+                <p:cond evt="onPrev" delay="0">
+                  <p:tgtEl>
+                    <p:sldTgt/>
+                  </p:tgtEl>
+                </p:cond>
+              </p:prevCondLst>
+              <p:nextCondLst>
+                <p:cond evt="onNext" delay="0">
+                  <p:tgtEl>
+                    <p:sldTgt/>
+                  </p:tgtEl>
+                </p:cond>
+              </p:nextCondLst>
+            </p:seq>
+          </p:childTnLst>
+        </p:cTn>
+      </p:par>
+    </p:tnLst>
+    <p:bldLst>
+      <p:bldP spid="8" grpId="0"/>
+    </p:bldLst>
+  </p:timing>
+</p:sld>
+</file>
+
+<file path=ppt/slides/slide14.xml><?xml version="1.0" encoding="utf-8"?>
+<p:sld xmlns:a="http://schemas.openxmlformats.org/drawingml/2006/main" xmlns:r="http://schemas.openxmlformats.org/officeDocument/2006/relationships" xmlns:p="http://schemas.openxmlformats.org/presentationml/2006/main">
+  <p:cSld>
+    <p:spTree>
+      <p:nvGrpSpPr>
+        <p:cNvPr id="1" name=""/>
+        <p:cNvGrpSpPr/>
+        <p:nvPr/>
+      </p:nvGrpSpPr>
+      <p:grpSpPr>
+        <a:xfrm>
+          <a:off x="0" y="0"/>
+          <a:ext cx="0" cy="0"/>
+          <a:chOff x="0" y="0"/>
+          <a:chExt cx="0" cy="0"/>
+        </a:xfrm>
+      </p:grpSpPr>
+      <p:sp>
+        <p:nvSpPr>
+          <p:cNvPr id="6" name="文本框 13"/>
+          <p:cNvSpPr txBox="1"/>
+          <p:nvPr/>
+        </p:nvSpPr>
+        <p:spPr>
+          <a:xfrm>
+            <a:off x="1061214" y="855266"/>
+            <a:ext cx="15989242" cy="801897"/>
+          </a:xfrm>
+          <a:prstGeom prst="rect">
+            <a:avLst/>
+          </a:prstGeom>
+          <a:noFill/>
+        </p:spPr>
+        <p:txBody>
+          <a:bodyPr wrap="square" lIns="123581" tIns="61791" rIns="123581" bIns="61791" rtlCol="0">
+            <a:spAutoFit/>
+          </a:bodyPr>
+          <a:lstStyle/>
+          <a:p>
+            <a:r>
+              <a:rPr lang="zh-CN" altLang="en-US" sz="4400" dirty="0" smtClean="0">
+                <a:solidFill>
+                  <a:srgbClr val="0070C0"/>
+                </a:solidFill>
+                <a:latin typeface="黑体" panose="02010609060101010101" pitchFamily="49" charset="-122"/>
+                <a:ea typeface="黑体" panose="02010609060101010101" pitchFamily="49" charset="-122"/>
+              </a:rPr>
+              <a:t>目录</a:t>
+            </a:r>
+            <a:endParaRPr lang="zh-CN" altLang="en-US" sz="4400" dirty="0">
+              <a:solidFill>
+                <a:srgbClr val="0070C0"/>
+              </a:solidFill>
+              <a:latin typeface="黑体" panose="02010609060101010101" pitchFamily="49" charset="-122"/>
+              <a:ea typeface="黑体" panose="02010609060101010101" pitchFamily="49" charset="-122"/>
+            </a:endParaRPr>
+          </a:p>
+        </p:txBody>
+      </p:sp>
+      <p:cxnSp>
+        <p:nvCxnSpPr>
+          <p:cNvPr id="7" name="直接连接符 6"/>
+          <p:cNvCxnSpPr/>
+          <p:nvPr/>
+        </p:nvCxnSpPr>
+        <p:spPr>
+          <a:xfrm>
+            <a:off x="584734" y="2048065"/>
+            <a:ext cx="11367663" cy="0"/>
+          </a:xfrm>
+          <a:prstGeom prst="line">
+            <a:avLst/>
+          </a:prstGeom>
+          <a:ln>
+            <a:solidFill>
+              <a:schemeClr val="tx1">
+                <a:lumMod val="50000"/>
+                <a:lumOff val="50000"/>
+              </a:schemeClr>
+            </a:solidFill>
+          </a:ln>
+        </p:spPr>
+        <p:style>
+          <a:lnRef idx="1">
+            <a:schemeClr val="accent1"/>
+          </a:lnRef>
+          <a:fillRef idx="0">
+            <a:schemeClr val="accent1"/>
+          </a:fillRef>
+          <a:effectRef idx="0">
+            <a:schemeClr val="accent1"/>
+          </a:effectRef>
+          <a:fontRef idx="minor">
+            <a:schemeClr val="tx1"/>
+          </a:fontRef>
+        </p:style>
+      </p:cxnSp>
+      <p:sp>
+        <p:nvSpPr>
+          <p:cNvPr id="3" name="TextBox 2"/>
+          <p:cNvSpPr txBox="1"/>
+          <p:nvPr/>
+        </p:nvSpPr>
+        <p:spPr>
+          <a:xfrm>
+            <a:off x="1093419" y="2511449"/>
+            <a:ext cx="7704856" cy="2431435"/>
+          </a:xfrm>
+          <a:prstGeom prst="rect">
+            <a:avLst/>
+          </a:prstGeom>
+          <a:noFill/>
+        </p:spPr>
+        <p:txBody>
+          <a:bodyPr wrap="square" rtlCol="0">
+            <a:spAutoFit/>
+          </a:bodyPr>
+          <a:lstStyle/>
+          <a:p>
+            <a:pPr marL="457200" indent="-457200">
+              <a:buFont typeface="+mj-lt"/>
+              <a:buAutoNum type="arabicPeriod"/>
+            </a:pPr>
+            <a:r>
+              <a:rPr lang="zh-CN" altLang="en-US" sz="3200" dirty="0" smtClean="0"/>
+              <a:t>介绍</a:t>
+            </a:r>
+            <a:r>
+              <a:rPr lang="en-US" altLang="zh-CN" sz="3200" dirty="0" err="1" smtClean="0"/>
+              <a:t>Saas</a:t>
+            </a:r>
+            <a:endParaRPr lang="en-US" altLang="zh-CN" sz="3200" dirty="0" smtClean="0"/>
+          </a:p>
+          <a:p>
+            <a:pPr marL="457200" indent="-457200">
+              <a:buFont typeface="+mj-lt"/>
+              <a:buAutoNum type="arabicPeriod"/>
+            </a:pPr>
+            <a:r>
+              <a:rPr lang="en-US" altLang="zh-CN" sz="3200" dirty="0" err="1" smtClean="0"/>
+              <a:t>Saas</a:t>
+            </a:r>
+            <a:r>
+              <a:rPr lang="zh-CN" altLang="en-US" sz="3200" dirty="0" smtClean="0"/>
+              <a:t>定位及案例</a:t>
+            </a:r>
+            <a:endParaRPr lang="en-US" altLang="zh-CN" sz="3200" dirty="0" smtClean="0"/>
+          </a:p>
+          <a:p>
+            <a:pPr marL="457200" indent="-457200">
+              <a:buFont typeface="+mj-lt"/>
+              <a:buAutoNum type="arabicPeriod"/>
+            </a:pPr>
+            <a:r>
+              <a:rPr lang="en-US" altLang="zh-CN" sz="3200" dirty="0" err="1" smtClean="0"/>
+              <a:t>Saas</a:t>
+            </a:r>
+            <a:r>
+              <a:rPr lang="zh-CN" altLang="en-US" sz="3200" dirty="0" smtClean="0"/>
+              <a:t>的坑</a:t>
+            </a:r>
+            <a:endParaRPr lang="en-US" altLang="zh-CN" sz="3200" dirty="0" smtClean="0"/>
+          </a:p>
+          <a:p>
+            <a:pPr marL="457200" indent="-457200">
+              <a:buFont typeface="+mj-lt"/>
+              <a:buAutoNum type="arabicPeriod"/>
+            </a:pPr>
+            <a:r>
+              <a:rPr lang="zh-CN" altLang="en-US" sz="3200" dirty="0" smtClean="0">
+                <a:solidFill>
+                  <a:srgbClr val="FF0000"/>
+                </a:solidFill>
+              </a:rPr>
+              <a:t>如何做</a:t>
+            </a:r>
+            <a:endParaRPr lang="en-US" altLang="zh-CN" sz="3200" dirty="0" smtClean="0">
+              <a:solidFill>
+                <a:srgbClr val="FF0000"/>
+              </a:solidFill>
+            </a:endParaRPr>
+          </a:p>
+          <a:p>
+            <a:pPr marL="457200" indent="-457200">
+              <a:buFont typeface="+mj-lt"/>
+              <a:buAutoNum type="arabicPeriod"/>
+            </a:pPr>
+            <a:endParaRPr lang="zh-CN" altLang="en-US" dirty="0"/>
+          </a:p>
+        </p:txBody>
+      </p:sp>
+    </p:spTree>
+    <p:extLst>
+      <p:ext uri="{BB962C8B-B14F-4D97-AF65-F5344CB8AC3E}">
+        <p14:creationId xmlns:p14="http://schemas.microsoft.com/office/powerpoint/2010/main" val="371576089"/>
+      </p:ext>
+    </p:extLst>
+  </p:cSld>
+  <p:clrMapOvr>
+    <a:masterClrMapping/>
+  </p:clrMapOvr>
+  <p:timing>
+    <p:tnLst>
+      <p:par>
+        <p:cTn id="1" dur="indefinite" restart="never" nodeType="tmRoot">
+          <p:childTnLst>
+            <p:seq concurrent="1" nextAc="seek">
+              <p:cTn id="2" dur="indefinite" nodeType="mainSeq">
+                <p:childTnLst>
+                  <p:par>
+                    <p:cTn id="3" fill="hold">
+                      <p:stCondLst>
+                        <p:cond delay="indefinite"/>
+                        <p:cond evt="onBegin" delay="0">
+                          <p:tn val="2"/>
+                        </p:cond>
+                      </p:stCondLst>
+                      <p:childTnLst>
+                        <p:par>
+                          <p:cTn id="4" fill="hold">
+                            <p:stCondLst>
+                              <p:cond delay="0"/>
+                            </p:stCondLst>
+                            <p:childTnLst>
+                              <p:par>
+                                <p:cTn id="5" presetID="10" presetClass="entr" presetSubtype="0" fill="hold" grpId="0" nodeType="afterEffect">
+                                  <p:stCondLst>
+                                    <p:cond delay="0"/>
+                                  </p:stCondLst>
+                                  <p:iterate type="lt">
+                                    <p:tmPct val="10000"/>
+                                  </p:iterate>
+                                  <p:childTnLst>
+                                    <p:set>
+                                      <p:cBhvr>
+                                        <p:cTn id="6" dur="1" fill="hold">
+                                          <p:stCondLst>
+                                            <p:cond delay="0"/>
+                                          </p:stCondLst>
+                                        </p:cTn>
+                                        <p:tgtEl>
+                                          <p:spTgt spid="6"/>
+                                        </p:tgtEl>
+                                        <p:attrNameLst>
+                                          <p:attrName>style.visibility</p:attrName>
+                                        </p:attrNameLst>
+                                      </p:cBhvr>
+                                      <p:to>
+                                        <p:strVal val="visible"/>
+                                      </p:to>
+                                    </p:set>
+                                    <p:animEffect transition="in" filter="fade">
+                                      <p:cBhvr>
+                                        <p:cTn id="7" dur="500"/>
+                                        <p:tgtEl>
+                                          <p:spTgt spid="6"/>
+                                        </p:tgtEl>
+                                      </p:cBhvr>
+                                    </p:animEffect>
+                                  </p:childTnLst>
+                                </p:cTn>
+                              </p:par>
+                            </p:childTnLst>
+                          </p:cTn>
+                        </p:par>
+                        <p:par>
+                          <p:cTn id="8" fill="hold">
+                            <p:stCondLst>
+                              <p:cond delay="550"/>
+                            </p:stCondLst>
+                            <p:childTnLst>
+                              <p:par>
+                                <p:cTn id="9" presetID="22" presetClass="entr" presetSubtype="8" fill="hold" nodeType="afterEffect">
+                                  <p:stCondLst>
+                                    <p:cond delay="0"/>
+                                  </p:stCondLst>
+                                  <p:childTnLst>
+                                    <p:set>
+                                      <p:cBhvr>
+                                        <p:cTn id="10" dur="1" fill="hold">
+                                          <p:stCondLst>
+                                            <p:cond delay="0"/>
+                                          </p:stCondLst>
+                                        </p:cTn>
+                                        <p:tgtEl>
+                                          <p:spTgt spid="7"/>
+                                        </p:tgtEl>
+                                        <p:attrNameLst>
+                                          <p:attrName>style.visibility</p:attrName>
+                                        </p:attrNameLst>
+                                      </p:cBhvr>
+                                      <p:to>
+                                        <p:strVal val="visible"/>
+                                      </p:to>
+                                    </p:set>
+                                    <p:animEffect transition="in" filter="wipe(left)">
+                                      <p:cBhvr>
+                                        <p:cTn id="11" dur="1000"/>
+                                        <p:tgtEl>
+                                          <p:spTgt spid="7"/>
+                                        </p:tgtEl>
+                                      </p:cBhvr>
+                                    </p:animEffect>
+                                  </p:childTnLst>
+                                </p:cTn>
+                              </p:par>
+                            </p:childTnLst>
+                          </p:cTn>
+                        </p:par>
+                      </p:childTnLst>
+                    </p:cTn>
+                  </p:par>
+                </p:childTnLst>
+              </p:cTn>
+              <p:prevCondLst>
+                <p:cond evt="onPrev" delay="0">
+                  <p:tgtEl>
+                    <p:sldTgt/>
+                  </p:tgtEl>
+                </p:cond>
+              </p:prevCondLst>
+              <p:nextCondLst>
+                <p:cond evt="onNext" delay="0">
+                  <p:tgtEl>
+                    <p:sldTgt/>
+                  </p:tgtEl>
+                </p:cond>
+              </p:nextCondLst>
+            </p:seq>
+          </p:childTnLst>
+        </p:cTn>
+      </p:par>
+    </p:tnLst>
+    <p:bldLst>
+      <p:bldP spid="6" grpId="0"/>
+    </p:bldLst>
+  </p:timing>
+</p:sld>
+</file>
+
+<file path=ppt/slides/slide15.xml><?xml version="1.0" encoding="utf-8"?>
+<p:sld xmlns:a="http://schemas.openxmlformats.org/drawingml/2006/main" xmlns:r="http://schemas.openxmlformats.org/officeDocument/2006/relationships" xmlns:p="http://schemas.openxmlformats.org/presentationml/2006/main">
+  <p:cSld>
+    <p:spTree>
+      <p:nvGrpSpPr>
+        <p:cNvPr id="1" name=""/>
+        <p:cNvGrpSpPr/>
+        <p:nvPr/>
+      </p:nvGrpSpPr>
+      <p:grpSpPr>
+        <a:xfrm>
+          <a:off x="0" y="0"/>
+          <a:ext cx="0" cy="0"/>
+          <a:chOff x="0" y="0"/>
+          <a:chExt cx="0" cy="0"/>
+        </a:xfrm>
+      </p:grpSpPr>
+      <p:sp>
+        <p:nvSpPr>
+          <p:cNvPr id="6" name="文本框 13"/>
+          <p:cNvSpPr txBox="1"/>
+          <p:nvPr/>
+        </p:nvSpPr>
+        <p:spPr>
+          <a:xfrm>
+            <a:off x="1061214" y="854180"/>
+            <a:ext cx="8681546" cy="801897"/>
+          </a:xfrm>
+          <a:prstGeom prst="rect">
+            <a:avLst/>
+          </a:prstGeom>
+          <a:noFill/>
+        </p:spPr>
+        <p:txBody>
+          <a:bodyPr wrap="square" lIns="123581" tIns="61791" rIns="123581" bIns="61791" rtlCol="0">
+            <a:spAutoFit/>
+          </a:bodyPr>
+          <a:lstStyle/>
+          <a:p>
+            <a:r>
+              <a:rPr lang="zh-CN" altLang="en-US" sz="4400" dirty="0" smtClean="0">
+                <a:solidFill>
+                  <a:srgbClr val="0070C0"/>
+                </a:solidFill>
+                <a:latin typeface="黑体" panose="02010609060101010101" pitchFamily="49" charset="-122"/>
+                <a:ea typeface="黑体" panose="02010609060101010101" pitchFamily="49" charset="-122"/>
+              </a:rPr>
+              <a:t>我们的</a:t>
+            </a:r>
+            <a:r>
+              <a:rPr lang="en-US" altLang="zh-CN" sz="4400" dirty="0" err="1" smtClean="0">
+                <a:solidFill>
+                  <a:srgbClr val="0070C0"/>
+                </a:solidFill>
+                <a:latin typeface="黑体" panose="02010609060101010101" pitchFamily="49" charset="-122"/>
+                <a:ea typeface="黑体" panose="02010609060101010101" pitchFamily="49" charset="-122"/>
+              </a:rPr>
+              <a:t>Saas</a:t>
+            </a:r>
+            <a:r>
+              <a:rPr lang="zh-CN" altLang="en-US" sz="4400" dirty="0" smtClean="0">
+                <a:solidFill>
+                  <a:srgbClr val="0070C0"/>
+                </a:solidFill>
+                <a:latin typeface="黑体" panose="02010609060101010101" pitchFamily="49" charset="-122"/>
+                <a:ea typeface="黑体" panose="02010609060101010101" pitchFamily="49" charset="-122"/>
+              </a:rPr>
+              <a:t>设想</a:t>
+            </a:r>
+            <a:endParaRPr lang="zh-CN" altLang="en-US" sz="4400" dirty="0">
+              <a:solidFill>
+                <a:srgbClr val="0070C0"/>
+              </a:solidFill>
+              <a:latin typeface="黑体" panose="02010609060101010101" pitchFamily="49" charset="-122"/>
+              <a:ea typeface="黑体" panose="02010609060101010101" pitchFamily="49" charset="-122"/>
+            </a:endParaRPr>
+          </a:p>
+        </p:txBody>
+      </p:sp>
+      <p:cxnSp>
+        <p:nvCxnSpPr>
+          <p:cNvPr id="7" name="直接连接符 6"/>
+          <p:cNvCxnSpPr/>
+          <p:nvPr/>
+        </p:nvCxnSpPr>
+        <p:spPr>
+          <a:xfrm>
+            <a:off x="584734" y="2048065"/>
+            <a:ext cx="11367663" cy="0"/>
+          </a:xfrm>
+          <a:prstGeom prst="line">
+            <a:avLst/>
+          </a:prstGeom>
+          <a:ln>
+            <a:solidFill>
+              <a:schemeClr val="tx1">
+                <a:lumMod val="50000"/>
+                <a:lumOff val="50000"/>
+              </a:schemeClr>
+            </a:solidFill>
+          </a:ln>
+        </p:spPr>
+        <p:style>
+          <a:lnRef idx="1">
+            <a:schemeClr val="accent1"/>
+          </a:lnRef>
+          <a:fillRef idx="0">
+            <a:schemeClr val="accent1"/>
+          </a:fillRef>
+          <a:effectRef idx="0">
+            <a:schemeClr val="accent1"/>
+          </a:effectRef>
+          <a:fontRef idx="minor">
+            <a:schemeClr val="tx1"/>
+          </a:fontRef>
+        </p:style>
+      </p:cxnSp>
+    </p:spTree>
+    <p:extLst>
+      <p:ext uri="{BB962C8B-B14F-4D97-AF65-F5344CB8AC3E}">
+        <p14:creationId xmlns:p14="http://schemas.microsoft.com/office/powerpoint/2010/main" val="3703982820"/>
+      </p:ext>
+    </p:extLst>
+  </p:cSld>
+  <p:clrMapOvr>
+    <a:masterClrMapping/>
+  </p:clrMapOvr>
+  <p:timing>
+    <p:tnLst>
+      <p:par>
+        <p:cTn id="1" dur="indefinite" restart="never" nodeType="tmRoot">
+          <p:childTnLst>
+            <p:seq concurrent="1" nextAc="seek">
+              <p:cTn id="2" dur="indefinite" nodeType="mainSeq">
+                <p:childTnLst>
+                  <p:par>
+                    <p:cTn id="3" fill="hold">
+                      <p:stCondLst>
+                        <p:cond delay="indefinite"/>
+                        <p:cond evt="onBegin" delay="0">
+                          <p:tn val="2"/>
+                        </p:cond>
+                      </p:stCondLst>
+                      <p:childTnLst>
+                        <p:par>
+                          <p:cTn id="4" fill="hold">
+                            <p:stCondLst>
+                              <p:cond delay="0"/>
+                            </p:stCondLst>
+                            <p:childTnLst>
+                              <p:par>
+                                <p:cTn id="5" presetID="10" presetClass="entr" presetSubtype="0" fill="hold" grpId="0" nodeType="afterEffect">
+                                  <p:stCondLst>
+                                    <p:cond delay="0"/>
+                                  </p:stCondLst>
+                                  <p:iterate type="lt">
+                                    <p:tmPct val="10000"/>
+                                  </p:iterate>
+                                  <p:childTnLst>
+                                    <p:set>
+                                      <p:cBhvr>
+                                        <p:cTn id="6" dur="1" fill="hold">
+                                          <p:stCondLst>
+                                            <p:cond delay="0"/>
+                                          </p:stCondLst>
+                                        </p:cTn>
+                                        <p:tgtEl>
+                                          <p:spTgt spid="6"/>
+                                        </p:tgtEl>
+                                        <p:attrNameLst>
+                                          <p:attrName>style.visibility</p:attrName>
+                                        </p:attrNameLst>
+                                      </p:cBhvr>
+                                      <p:to>
+                                        <p:strVal val="visible"/>
+                                      </p:to>
+                                    </p:set>
+                                    <p:animEffect transition="in" filter="fade">
+                                      <p:cBhvr>
+                                        <p:cTn id="7" dur="500"/>
+                                        <p:tgtEl>
+                                          <p:spTgt spid="6"/>
+                                        </p:tgtEl>
+                                      </p:cBhvr>
+                                    </p:animEffect>
+                                  </p:childTnLst>
+                                </p:cTn>
+                              </p:par>
+                            </p:childTnLst>
+                          </p:cTn>
+                        </p:par>
+                        <p:par>
+                          <p:cTn id="8" fill="hold">
+                            <p:stCondLst>
+                              <p:cond delay="900"/>
+                            </p:stCondLst>
+                            <p:childTnLst>
+                              <p:par>
+                                <p:cTn id="9" presetID="22" presetClass="entr" presetSubtype="8" fill="hold" nodeType="afterEffect">
+                                  <p:stCondLst>
+                                    <p:cond delay="0"/>
+                                  </p:stCondLst>
+                                  <p:childTnLst>
+                                    <p:set>
+                                      <p:cBhvr>
+                                        <p:cTn id="10" dur="1" fill="hold">
+                                          <p:stCondLst>
+                                            <p:cond delay="0"/>
+                                          </p:stCondLst>
+                                        </p:cTn>
+                                        <p:tgtEl>
+                                          <p:spTgt spid="7"/>
+                                        </p:tgtEl>
+                                        <p:attrNameLst>
+                                          <p:attrName>style.visibility</p:attrName>
+                                        </p:attrNameLst>
+                                      </p:cBhvr>
+                                      <p:to>
+                                        <p:strVal val="visible"/>
+                                      </p:to>
+                                    </p:set>
+                                    <p:animEffect transition="in" filter="wipe(left)">
+                                      <p:cBhvr>
+                                        <p:cTn id="11" dur="1000"/>
+                                        <p:tgtEl>
+                                          <p:spTgt spid="7"/>
+                                        </p:tgtEl>
+                                      </p:cBhvr>
+                                    </p:animEffect>
+                                  </p:childTnLst>
+                                </p:cTn>
+                              </p:par>
+                            </p:childTnLst>
+                          </p:cTn>
+                        </p:par>
+                      </p:childTnLst>
+                    </p:cTn>
+                  </p:par>
+                </p:childTnLst>
+              </p:cTn>
+              <p:prevCondLst>
+                <p:cond evt="onPrev" delay="0">
+                  <p:tgtEl>
+                    <p:sldTgt/>
+                  </p:tgtEl>
+                </p:cond>
+              </p:prevCondLst>
+              <p:nextCondLst>
+                <p:cond evt="onNext" delay="0">
+                  <p:tgtEl>
+                    <p:sldTgt/>
+                  </p:tgtEl>
+                </p:cond>
+              </p:nextCondLst>
+            </p:seq>
+          </p:childTnLst>
+        </p:cTn>
+      </p:par>
+    </p:tnLst>
+    <p:bldLst>
+      <p:bldP spid="6" grpId="0"/>
+    </p:bldLst>
+  </p:timing>
+</p:sld>
+</file>
+
+<file path=ppt/slides/slide16.xml><?xml version="1.0" encoding="utf-8"?>
+<p:sld xmlns:a="http://schemas.openxmlformats.org/drawingml/2006/main" xmlns:r="http://schemas.openxmlformats.org/officeDocument/2006/relationships" xmlns:p="http://schemas.openxmlformats.org/presentationml/2006/main">
+  <p:cSld>
+    <p:spTree>
+      <p:nvGrpSpPr>
+        <p:cNvPr id="1" name=""/>
+        <p:cNvGrpSpPr/>
+        <p:nvPr/>
+      </p:nvGrpSpPr>
+      <p:grpSpPr>
+        <a:xfrm>
+          <a:off x="0" y="0"/>
+          <a:ext cx="0" cy="0"/>
+          <a:chOff x="0" y="0"/>
+          <a:chExt cx="0" cy="0"/>
+        </a:xfrm>
+      </p:grpSpPr>
+      <p:sp>
+        <p:nvSpPr>
+          <p:cNvPr id="6" name="文本框 13"/>
+          <p:cNvSpPr txBox="1"/>
+          <p:nvPr/>
+        </p:nvSpPr>
+        <p:spPr>
+          <a:xfrm>
+            <a:off x="1061214" y="854180"/>
+            <a:ext cx="8681546" cy="801897"/>
+          </a:xfrm>
+          <a:prstGeom prst="rect">
+            <a:avLst/>
+          </a:prstGeom>
+          <a:noFill/>
+        </p:spPr>
+        <p:txBody>
+          <a:bodyPr wrap="square" lIns="123581" tIns="61791" rIns="123581" bIns="61791" rtlCol="0">
+            <a:spAutoFit/>
+          </a:bodyPr>
+          <a:lstStyle/>
+          <a:p>
+            <a:r>
+              <a:rPr lang="en-US" altLang="zh-CN" sz="4400" dirty="0" err="1" smtClean="0">
+                <a:solidFill>
+                  <a:srgbClr val="0070C0"/>
+                </a:solidFill>
+                <a:latin typeface="黑体" panose="02010609060101010101" pitchFamily="49" charset="-122"/>
+                <a:ea typeface="黑体" panose="02010609060101010101" pitchFamily="49" charset="-122"/>
+              </a:rPr>
+              <a:t>Saas</a:t>
+            </a:r>
+            <a:r>
+              <a:rPr lang="zh-CN" altLang="en-US" sz="4400" dirty="0" smtClean="0">
+                <a:solidFill>
+                  <a:srgbClr val="0070C0"/>
+                </a:solidFill>
+                <a:latin typeface="黑体" panose="02010609060101010101" pitchFamily="49" charset="-122"/>
+                <a:ea typeface="黑体" panose="02010609060101010101" pitchFamily="49" charset="-122"/>
+              </a:rPr>
+              <a:t>要做哪些？</a:t>
+            </a:r>
+            <a:endParaRPr lang="zh-CN" altLang="en-US" sz="4400" dirty="0">
+              <a:solidFill>
+                <a:srgbClr val="0070C0"/>
+              </a:solidFill>
+              <a:latin typeface="黑体" panose="02010609060101010101" pitchFamily="49" charset="-122"/>
+              <a:ea typeface="黑体" panose="02010609060101010101" pitchFamily="49" charset="-122"/>
+            </a:endParaRPr>
+          </a:p>
+        </p:txBody>
+      </p:sp>
+      <p:cxnSp>
+        <p:nvCxnSpPr>
+          <p:cNvPr id="7" name="直接连接符 6"/>
+          <p:cNvCxnSpPr/>
+          <p:nvPr/>
+        </p:nvCxnSpPr>
+        <p:spPr>
+          <a:xfrm>
+            <a:off x="584734" y="2048065"/>
+            <a:ext cx="11367663" cy="0"/>
+          </a:xfrm>
+          <a:prstGeom prst="line">
+            <a:avLst/>
+          </a:prstGeom>
+          <a:ln>
+            <a:solidFill>
+              <a:schemeClr val="tx1">
+                <a:lumMod val="50000"/>
+                <a:lumOff val="50000"/>
+              </a:schemeClr>
+            </a:solidFill>
+          </a:ln>
+        </p:spPr>
+        <p:style>
+          <a:lnRef idx="1">
+            <a:schemeClr val="accent1"/>
+          </a:lnRef>
+          <a:fillRef idx="0">
+            <a:schemeClr val="accent1"/>
+          </a:fillRef>
+          <a:effectRef idx="0">
+            <a:schemeClr val="accent1"/>
+          </a:effectRef>
+          <a:fontRef idx="minor">
+            <a:schemeClr val="tx1"/>
+          </a:fontRef>
+        </p:style>
+      </p:cxnSp>
+    </p:spTree>
+    <p:extLst>
+      <p:ext uri="{BB962C8B-B14F-4D97-AF65-F5344CB8AC3E}">
+        <p14:creationId xmlns:p14="http://schemas.microsoft.com/office/powerpoint/2010/main" val="1882629828"/>
+      </p:ext>
+    </p:extLst>
+  </p:cSld>
+  <p:clrMapOvr>
+    <a:masterClrMapping/>
+  </p:clrMapOvr>
+  <p:timing>
+    <p:tnLst>
+      <p:par>
+        <p:cTn id="1" dur="indefinite" restart="never" nodeType="tmRoot">
+          <p:childTnLst>
+            <p:seq concurrent="1" nextAc="seek">
+              <p:cTn id="2" dur="indefinite" nodeType="mainSeq">
+                <p:childTnLst>
+                  <p:par>
+                    <p:cTn id="3" fill="hold">
+                      <p:stCondLst>
+                        <p:cond delay="indefinite"/>
+                        <p:cond evt="onBegin" delay="0">
+                          <p:tn val="2"/>
+                        </p:cond>
+                      </p:stCondLst>
+                      <p:childTnLst>
+                        <p:par>
+                          <p:cTn id="4" fill="hold">
+                            <p:stCondLst>
+                              <p:cond delay="0"/>
+                            </p:stCondLst>
+                            <p:childTnLst>
+                              <p:par>
+                                <p:cTn id="5" presetID="10" presetClass="entr" presetSubtype="0" fill="hold" grpId="0" nodeType="afterEffect">
+                                  <p:stCondLst>
+                                    <p:cond delay="0"/>
+                                  </p:stCondLst>
+                                  <p:iterate type="lt">
+                                    <p:tmPct val="10000"/>
+                                  </p:iterate>
+                                  <p:childTnLst>
+                                    <p:set>
+                                      <p:cBhvr>
+                                        <p:cTn id="6" dur="1" fill="hold">
+                                          <p:stCondLst>
+                                            <p:cond delay="0"/>
+                                          </p:stCondLst>
+                                        </p:cTn>
+                                        <p:tgtEl>
+                                          <p:spTgt spid="6"/>
+                                        </p:tgtEl>
+                                        <p:attrNameLst>
+                                          <p:attrName>style.visibility</p:attrName>
+                                        </p:attrNameLst>
+                                      </p:cBhvr>
+                                      <p:to>
+                                        <p:strVal val="visible"/>
+                                      </p:to>
+                                    </p:set>
+                                    <p:animEffect transition="in" filter="fade">
+                                      <p:cBhvr>
+                                        <p:cTn id="7" dur="500"/>
+                                        <p:tgtEl>
+                                          <p:spTgt spid="6"/>
+                                        </p:tgtEl>
+                                      </p:cBhvr>
+                                    </p:animEffect>
+                                  </p:childTnLst>
+                                </p:cTn>
+                              </p:par>
+                            </p:childTnLst>
+                          </p:cTn>
+                        </p:par>
+                        <p:par>
+                          <p:cTn id="8" fill="hold">
+                            <p:stCondLst>
+                              <p:cond delay="900"/>
+                            </p:stCondLst>
+                            <p:childTnLst>
+                              <p:par>
+                                <p:cTn id="9" presetID="22" presetClass="entr" presetSubtype="8" fill="hold" nodeType="afterEffect">
+                                  <p:stCondLst>
+                                    <p:cond delay="0"/>
+                                  </p:stCondLst>
+                                  <p:childTnLst>
+                                    <p:set>
+                                      <p:cBhvr>
+                                        <p:cTn id="10" dur="1" fill="hold">
+                                          <p:stCondLst>
+                                            <p:cond delay="0"/>
+                                          </p:stCondLst>
+                                        </p:cTn>
+                                        <p:tgtEl>
+                                          <p:spTgt spid="7"/>
+                                        </p:tgtEl>
+                                        <p:attrNameLst>
+                                          <p:attrName>style.visibility</p:attrName>
+                                        </p:attrNameLst>
+                                      </p:cBhvr>
+                                      <p:to>
+                                        <p:strVal val="visible"/>
+                                      </p:to>
+                                    </p:set>
+                                    <p:animEffect transition="in" filter="wipe(left)">
+                                      <p:cBhvr>
+                                        <p:cTn id="11" dur="1000"/>
+                                        <p:tgtEl>
+                                          <p:spTgt spid="7"/>
+                                        </p:tgtEl>
+                                      </p:cBhvr>
+                                    </p:animEffect>
+                                  </p:childTnLst>
+                                </p:cTn>
+                              </p:par>
+                            </p:childTnLst>
+                          </p:cTn>
+                        </p:par>
+                      </p:childTnLst>
+                    </p:cTn>
+                  </p:par>
+                </p:childTnLst>
+              </p:cTn>
+              <p:prevCondLst>
+                <p:cond evt="onPrev" delay="0">
+                  <p:tgtEl>
+                    <p:sldTgt/>
+                  </p:tgtEl>
+                </p:cond>
+              </p:prevCondLst>
+              <p:nextCondLst>
+                <p:cond evt="onNext" delay="0">
+                  <p:tgtEl>
+                    <p:sldTgt/>
+                  </p:tgtEl>
+                </p:cond>
+              </p:nextCondLst>
+            </p:seq>
+          </p:childTnLst>
+        </p:cTn>
+      </p:par>
+    </p:tnLst>
+    <p:bldLst>
+      <p:bldP spid="6" grpId="0"/>
+    </p:bldLst>
+  </p:timing>
+</p:sld>
+</file>
+
+<file path=ppt/slides/slide17.xml><?xml version="1.0" encoding="utf-8"?>
+<p:sld xmlns:a="http://schemas.openxmlformats.org/drawingml/2006/main" xmlns:r="http://schemas.openxmlformats.org/officeDocument/2006/relationships" xmlns:p="http://schemas.openxmlformats.org/presentationml/2006/main">
+  <p:cSld>
+    <p:spTree>
+      <p:nvGrpSpPr>
+        <p:cNvPr id="1" name=""/>
+        <p:cNvGrpSpPr/>
+        <p:nvPr/>
+      </p:nvGrpSpPr>
+      <p:grpSpPr>
+        <a:xfrm>
+          <a:off x="0" y="0"/>
+          <a:ext cx="0" cy="0"/>
+          <a:chOff x="0" y="0"/>
+          <a:chExt cx="0" cy="0"/>
+        </a:xfrm>
+      </p:grpSpPr>
       <p:pic>
         <p:nvPicPr>
           <p:cNvPr id="1027" name="Picture 3" descr="E:\工作\0530\银色系列\1.jpg"/>
@@ -5861,7 +9544,7 @@
 </p:sld>
 </file>
 
-<file path=ppt/slides/slide11.xml><?xml version="1.0" encoding="utf-8"?>
+<file path=ppt/slides/slide18.xml><?xml version="1.0" encoding="utf-8"?>
 <p:sld xmlns:a="http://schemas.openxmlformats.org/drawingml/2006/main" xmlns:r="http://schemas.openxmlformats.org/officeDocument/2006/relationships" xmlns:p="http://schemas.openxmlformats.org/presentationml/2006/main">
   <p:cSld>
     <p:spTree>
@@ -5954,6 +9637,350 @@
 </file>
 
 <file path=ppt/slides/slide2.xml><?xml version="1.0" encoding="utf-8"?>
+<p:sld xmlns:a="http://schemas.openxmlformats.org/drawingml/2006/main" xmlns:r="http://schemas.openxmlformats.org/officeDocument/2006/relationships" xmlns:p="http://schemas.openxmlformats.org/presentationml/2006/main">
+  <p:cSld>
+    <p:spTree>
+      <p:nvGrpSpPr>
+        <p:cNvPr id="1" name=""/>
+        <p:cNvGrpSpPr/>
+        <p:nvPr/>
+      </p:nvGrpSpPr>
+      <p:grpSpPr>
+        <a:xfrm>
+          <a:off x="0" y="0"/>
+          <a:ext cx="0" cy="0"/>
+          <a:chOff x="0" y="0"/>
+          <a:chExt cx="0" cy="0"/>
+        </a:xfrm>
+      </p:grpSpPr>
+      <p:sp>
+        <p:nvSpPr>
+          <p:cNvPr id="6" name="文本框 13"/>
+          <p:cNvSpPr txBox="1"/>
+          <p:nvPr/>
+        </p:nvSpPr>
+        <p:spPr>
+          <a:xfrm>
+            <a:off x="1061214" y="855266"/>
+            <a:ext cx="15989242" cy="801897"/>
+          </a:xfrm>
+          <a:prstGeom prst="rect">
+            <a:avLst/>
+          </a:prstGeom>
+          <a:noFill/>
+        </p:spPr>
+        <p:txBody>
+          <a:bodyPr wrap="square" lIns="123581" tIns="61791" rIns="123581" bIns="61791" rtlCol="0">
+            <a:spAutoFit/>
+          </a:bodyPr>
+          <a:lstStyle/>
+          <a:p>
+            <a:r>
+              <a:rPr lang="zh-CN" altLang="en-US" sz="4400" dirty="0" smtClean="0">
+                <a:solidFill>
+                  <a:srgbClr val="0070C0"/>
+                </a:solidFill>
+                <a:latin typeface="黑体" panose="02010609060101010101" pitchFamily="49" charset="-122"/>
+                <a:ea typeface="黑体" panose="02010609060101010101" pitchFamily="49" charset="-122"/>
+              </a:rPr>
+              <a:t>目录</a:t>
+            </a:r>
+            <a:endParaRPr lang="zh-CN" altLang="en-US" sz="4400" dirty="0">
+              <a:solidFill>
+                <a:srgbClr val="0070C0"/>
+              </a:solidFill>
+              <a:latin typeface="黑体" panose="02010609060101010101" pitchFamily="49" charset="-122"/>
+              <a:ea typeface="黑体" panose="02010609060101010101" pitchFamily="49" charset="-122"/>
+            </a:endParaRPr>
+          </a:p>
+        </p:txBody>
+      </p:sp>
+      <p:cxnSp>
+        <p:nvCxnSpPr>
+          <p:cNvPr id="7" name="直接连接符 6"/>
+          <p:cNvCxnSpPr/>
+          <p:nvPr/>
+        </p:nvCxnSpPr>
+        <p:spPr>
+          <a:xfrm>
+            <a:off x="584734" y="2048065"/>
+            <a:ext cx="11367663" cy="0"/>
+          </a:xfrm>
+          <a:prstGeom prst="line">
+            <a:avLst/>
+          </a:prstGeom>
+          <a:ln>
+            <a:solidFill>
+              <a:schemeClr val="tx1">
+                <a:lumMod val="50000"/>
+                <a:lumOff val="50000"/>
+              </a:schemeClr>
+            </a:solidFill>
+          </a:ln>
+        </p:spPr>
+        <p:style>
+          <a:lnRef idx="1">
+            <a:schemeClr val="accent1"/>
+          </a:lnRef>
+          <a:fillRef idx="0">
+            <a:schemeClr val="accent1"/>
+          </a:fillRef>
+          <a:effectRef idx="0">
+            <a:schemeClr val="accent1"/>
+          </a:effectRef>
+          <a:fontRef idx="minor">
+            <a:schemeClr val="tx1"/>
+          </a:fontRef>
+        </p:style>
+      </p:cxnSp>
+      <p:sp>
+        <p:nvSpPr>
+          <p:cNvPr id="3" name="TextBox 2"/>
+          <p:cNvSpPr txBox="1"/>
+          <p:nvPr/>
+        </p:nvSpPr>
+        <p:spPr>
+          <a:xfrm>
+            <a:off x="1173808" y="2511450"/>
+            <a:ext cx="7704856" cy="2431435"/>
+          </a:xfrm>
+          <a:prstGeom prst="rect">
+            <a:avLst/>
+          </a:prstGeom>
+          <a:noFill/>
+        </p:spPr>
+        <p:txBody>
+          <a:bodyPr wrap="square" rtlCol="0">
+            <a:spAutoFit/>
+          </a:bodyPr>
+          <a:lstStyle/>
+          <a:p>
+            <a:pPr marL="457200" indent="-457200">
+              <a:buFont typeface="+mj-lt"/>
+              <a:buAutoNum type="arabicPeriod"/>
+            </a:pPr>
+            <a:r>
+              <a:rPr lang="zh-CN" altLang="en-US" sz="3200" dirty="0" smtClean="0">
+                <a:solidFill>
+                  <a:srgbClr val="FF0000"/>
+                </a:solidFill>
+              </a:rPr>
+              <a:t>介绍</a:t>
+            </a:r>
+            <a:r>
+              <a:rPr lang="en-US" altLang="zh-CN" sz="3200" dirty="0" err="1" smtClean="0">
+                <a:solidFill>
+                  <a:srgbClr val="FF0000"/>
+                </a:solidFill>
+              </a:rPr>
+              <a:t>Saas</a:t>
+            </a:r>
+            <a:endParaRPr lang="en-US" altLang="zh-CN" sz="3200" dirty="0" smtClean="0">
+              <a:solidFill>
+                <a:srgbClr val="FF0000"/>
+              </a:solidFill>
+            </a:endParaRPr>
+          </a:p>
+          <a:p>
+            <a:pPr marL="457200" indent="-457200">
+              <a:buFont typeface="+mj-lt"/>
+              <a:buAutoNum type="arabicPeriod"/>
+            </a:pPr>
+            <a:r>
+              <a:rPr lang="en-US" altLang="zh-CN" sz="3200" dirty="0" err="1" smtClean="0"/>
+              <a:t>Saas</a:t>
+            </a:r>
+            <a:r>
+              <a:rPr lang="zh-CN" altLang="en-US" sz="3200" dirty="0" smtClean="0"/>
+              <a:t>定位及案例</a:t>
+            </a:r>
+            <a:endParaRPr lang="en-US" altLang="zh-CN" sz="3200" dirty="0" smtClean="0"/>
+          </a:p>
+          <a:p>
+            <a:pPr marL="457200" indent="-457200">
+              <a:buFont typeface="+mj-lt"/>
+              <a:buAutoNum type="arabicPeriod"/>
+            </a:pPr>
+            <a:r>
+              <a:rPr lang="en-US" altLang="zh-CN" sz="3200" dirty="0" err="1" smtClean="0"/>
+              <a:t>Saas</a:t>
+            </a:r>
+            <a:r>
+              <a:rPr lang="zh-CN" altLang="en-US" sz="3200" dirty="0" smtClean="0"/>
+              <a:t>的坑</a:t>
+            </a:r>
+            <a:endParaRPr lang="en-US" altLang="zh-CN" sz="3200" dirty="0" smtClean="0"/>
+          </a:p>
+          <a:p>
+            <a:pPr marL="457200" indent="-457200">
+              <a:buFont typeface="+mj-lt"/>
+              <a:buAutoNum type="arabicPeriod"/>
+            </a:pPr>
+            <a:r>
+              <a:rPr lang="zh-CN" altLang="en-US" sz="3200" dirty="0" smtClean="0"/>
+              <a:t>如何做</a:t>
+            </a:r>
+            <a:endParaRPr lang="en-US" altLang="zh-CN" sz="3200" dirty="0" smtClean="0"/>
+          </a:p>
+          <a:p>
+            <a:pPr marL="457200" indent="-457200">
+              <a:buFont typeface="+mj-lt"/>
+              <a:buAutoNum type="arabicPeriod"/>
+            </a:pPr>
+            <a:endParaRPr lang="zh-CN" altLang="en-US" dirty="0"/>
+          </a:p>
+        </p:txBody>
+      </p:sp>
+    </p:spTree>
+    <p:extLst>
+      <p:ext uri="{BB962C8B-B14F-4D97-AF65-F5344CB8AC3E}">
+        <p14:creationId xmlns:p14="http://schemas.microsoft.com/office/powerpoint/2010/main" val="362182347"/>
+      </p:ext>
+    </p:extLst>
+  </p:cSld>
+  <p:clrMapOvr>
+    <a:masterClrMapping/>
+  </p:clrMapOvr>
+  <p:timing>
+    <p:tnLst>
+      <p:par>
+        <p:cTn id="1" dur="indefinite" restart="never" nodeType="tmRoot">
+          <p:childTnLst>
+            <p:seq concurrent="1" nextAc="seek">
+              <p:cTn id="2" dur="indefinite" nodeType="mainSeq">
+                <p:childTnLst>
+                  <p:par>
+                    <p:cTn id="3" fill="hold">
+                      <p:stCondLst>
+                        <p:cond delay="indefinite"/>
+                        <p:cond evt="onBegin" delay="0">
+                          <p:tn val="2"/>
+                        </p:cond>
+                      </p:stCondLst>
+                      <p:childTnLst>
+                        <p:par>
+                          <p:cTn id="4" fill="hold">
+                            <p:stCondLst>
+                              <p:cond delay="0"/>
+                            </p:stCondLst>
+                            <p:childTnLst>
+                              <p:par>
+                                <p:cTn id="5" presetID="10" presetClass="entr" presetSubtype="0" fill="hold" grpId="0" nodeType="afterEffect">
+                                  <p:stCondLst>
+                                    <p:cond delay="0"/>
+                                  </p:stCondLst>
+                                  <p:iterate type="lt">
+                                    <p:tmPct val="10000"/>
+                                  </p:iterate>
+                                  <p:childTnLst>
+                                    <p:set>
+                                      <p:cBhvr>
+                                        <p:cTn id="6" dur="1" fill="hold">
+                                          <p:stCondLst>
+                                            <p:cond delay="0"/>
+                                          </p:stCondLst>
+                                        </p:cTn>
+                                        <p:tgtEl>
+                                          <p:spTgt spid="6"/>
+                                        </p:tgtEl>
+                                        <p:attrNameLst>
+                                          <p:attrName>style.visibility</p:attrName>
+                                        </p:attrNameLst>
+                                      </p:cBhvr>
+                                      <p:to>
+                                        <p:strVal val="visible"/>
+                                      </p:to>
+                                    </p:set>
+                                    <p:animEffect transition="in" filter="fade">
+                                      <p:cBhvr>
+                                        <p:cTn id="7" dur="500"/>
+                                        <p:tgtEl>
+                                          <p:spTgt spid="6"/>
+                                        </p:tgtEl>
+                                      </p:cBhvr>
+                                    </p:animEffect>
+                                  </p:childTnLst>
+                                </p:cTn>
+                              </p:par>
+                            </p:childTnLst>
+                          </p:cTn>
+                        </p:par>
+                        <p:par>
+                          <p:cTn id="8" fill="hold">
+                            <p:stCondLst>
+                              <p:cond delay="550"/>
+                            </p:stCondLst>
+                            <p:childTnLst>
+                              <p:par>
+                                <p:cTn id="9" presetID="22" presetClass="entr" presetSubtype="8" fill="hold" nodeType="afterEffect">
+                                  <p:stCondLst>
+                                    <p:cond delay="0"/>
+                                  </p:stCondLst>
+                                  <p:childTnLst>
+                                    <p:set>
+                                      <p:cBhvr>
+                                        <p:cTn id="10" dur="1" fill="hold">
+                                          <p:stCondLst>
+                                            <p:cond delay="0"/>
+                                          </p:stCondLst>
+                                        </p:cTn>
+                                        <p:tgtEl>
+                                          <p:spTgt spid="7"/>
+                                        </p:tgtEl>
+                                        <p:attrNameLst>
+                                          <p:attrName>style.visibility</p:attrName>
+                                        </p:attrNameLst>
+                                      </p:cBhvr>
+                                      <p:to>
+                                        <p:strVal val="visible"/>
+                                      </p:to>
+                                    </p:set>
+                                    <p:animEffect transition="in" filter="wipe(left)">
+                                      <p:cBhvr>
+                                        <p:cTn id="11" dur="1000"/>
+                                        <p:tgtEl>
+                                          <p:spTgt spid="7"/>
+                                        </p:tgtEl>
+                                      </p:cBhvr>
+                                    </p:animEffect>
+                                  </p:childTnLst>
+                                </p:cTn>
+                              </p:par>
+                            </p:childTnLst>
+                          </p:cTn>
+                        </p:par>
+                      </p:childTnLst>
+                    </p:cTn>
+                  </p:par>
+                </p:childTnLst>
+              </p:cTn>
+              <p:prevCondLst>
+                <p:cond evt="onPrev" delay="0">
+                  <p:tgtEl>
+                    <p:sldTgt/>
+                  </p:tgtEl>
+                </p:cond>
+              </p:prevCondLst>
+              <p:nextCondLst>
+                <p:cond evt="onNext" delay="0">
+                  <p:tgtEl>
+                    <p:sldTgt/>
+                  </p:tgtEl>
+                </p:cond>
+              </p:nextCondLst>
+            </p:seq>
+          </p:childTnLst>
+        </p:cTn>
+      </p:par>
+    </p:tnLst>
+    <p:bldLst>
+      <p:bldP spid="6" grpId="0"/>
+    </p:bldLst>
+  </p:timing>
+</p:sld>
+</file>
+
+<file path=ppt/slides/slide3.xml><?xml version="1.0" encoding="utf-8"?>
 <p:sld xmlns:a="http://schemas.openxmlformats.org/drawingml/2006/main" xmlns:r="http://schemas.openxmlformats.org/officeDocument/2006/relationships" xmlns:p="http://schemas.openxmlformats.org/presentationml/2006/main">
   <p:cSld>
     <p:spTree>
@@ -6536,7 +10563,7 @@
 </p:sld>
 </file>
 
-<file path=ppt/slides/slide3.xml><?xml version="1.0" encoding="utf-8"?>
+<file path=ppt/slides/slide4.xml><?xml version="1.0" encoding="utf-8"?>
 <p:sld xmlns:a="http://schemas.openxmlformats.org/drawingml/2006/main" xmlns:r="http://schemas.openxmlformats.org/officeDocument/2006/relationships" xmlns:p="http://schemas.openxmlformats.org/presentationml/2006/main">
   <p:cSld>
     <p:spTree>
@@ -6970,7 +10997,7 @@
 </p:sld>
 </file>
 
-<file path=ppt/slides/slide4.xml><?xml version="1.0" encoding="utf-8"?>
+<file path=ppt/slides/slide5.xml><?xml version="1.0" encoding="utf-8"?>
 <p:sld xmlns:a="http://schemas.openxmlformats.org/drawingml/2006/main" xmlns:r="http://schemas.openxmlformats.org/officeDocument/2006/relationships" xmlns:p="http://schemas.openxmlformats.org/presentationml/2006/main">
   <p:cSld>
     <p:spTree>
@@ -7327,7 +11354,351 @@
 </p:sld>
 </file>
 
-<file path=ppt/slides/slide5.xml><?xml version="1.0" encoding="utf-8"?>
+<file path=ppt/slides/slide6.xml><?xml version="1.0" encoding="utf-8"?>
+<p:sld xmlns:a="http://schemas.openxmlformats.org/drawingml/2006/main" xmlns:r="http://schemas.openxmlformats.org/officeDocument/2006/relationships" xmlns:p="http://schemas.openxmlformats.org/presentationml/2006/main">
+  <p:cSld>
+    <p:spTree>
+      <p:nvGrpSpPr>
+        <p:cNvPr id="1" name=""/>
+        <p:cNvGrpSpPr/>
+        <p:nvPr/>
+      </p:nvGrpSpPr>
+      <p:grpSpPr>
+        <a:xfrm>
+          <a:off x="0" y="0"/>
+          <a:ext cx="0" cy="0"/>
+          <a:chOff x="0" y="0"/>
+          <a:chExt cx="0" cy="0"/>
+        </a:xfrm>
+      </p:grpSpPr>
+      <p:sp>
+        <p:nvSpPr>
+          <p:cNvPr id="6" name="文本框 13"/>
+          <p:cNvSpPr txBox="1"/>
+          <p:nvPr/>
+        </p:nvSpPr>
+        <p:spPr>
+          <a:xfrm>
+            <a:off x="1061214" y="855266"/>
+            <a:ext cx="15989242" cy="801897"/>
+          </a:xfrm>
+          <a:prstGeom prst="rect">
+            <a:avLst/>
+          </a:prstGeom>
+          <a:noFill/>
+        </p:spPr>
+        <p:txBody>
+          <a:bodyPr wrap="square" lIns="123581" tIns="61791" rIns="123581" bIns="61791" rtlCol="0">
+            <a:spAutoFit/>
+          </a:bodyPr>
+          <a:lstStyle/>
+          <a:p>
+            <a:r>
+              <a:rPr lang="zh-CN" altLang="en-US" sz="4400" dirty="0" smtClean="0">
+                <a:solidFill>
+                  <a:srgbClr val="0070C0"/>
+                </a:solidFill>
+                <a:latin typeface="黑体" panose="02010609060101010101" pitchFamily="49" charset="-122"/>
+                <a:ea typeface="黑体" panose="02010609060101010101" pitchFamily="49" charset="-122"/>
+              </a:rPr>
+              <a:t>目录</a:t>
+            </a:r>
+            <a:endParaRPr lang="zh-CN" altLang="en-US" sz="4400" dirty="0">
+              <a:solidFill>
+                <a:srgbClr val="0070C0"/>
+              </a:solidFill>
+              <a:latin typeface="黑体" panose="02010609060101010101" pitchFamily="49" charset="-122"/>
+              <a:ea typeface="黑体" panose="02010609060101010101" pitchFamily="49" charset="-122"/>
+            </a:endParaRPr>
+          </a:p>
+        </p:txBody>
+      </p:sp>
+      <p:cxnSp>
+        <p:nvCxnSpPr>
+          <p:cNvPr id="7" name="直接连接符 6"/>
+          <p:cNvCxnSpPr/>
+          <p:nvPr/>
+        </p:nvCxnSpPr>
+        <p:spPr>
+          <a:xfrm>
+            <a:off x="584734" y="2048065"/>
+            <a:ext cx="11367663" cy="0"/>
+          </a:xfrm>
+          <a:prstGeom prst="line">
+            <a:avLst/>
+          </a:prstGeom>
+          <a:ln>
+            <a:solidFill>
+              <a:schemeClr val="tx1">
+                <a:lumMod val="50000"/>
+                <a:lumOff val="50000"/>
+              </a:schemeClr>
+            </a:solidFill>
+          </a:ln>
+        </p:spPr>
+        <p:style>
+          <a:lnRef idx="1">
+            <a:schemeClr val="accent1"/>
+          </a:lnRef>
+          <a:fillRef idx="0">
+            <a:schemeClr val="accent1"/>
+          </a:fillRef>
+          <a:effectRef idx="0">
+            <a:schemeClr val="accent1"/>
+          </a:effectRef>
+          <a:fontRef idx="minor">
+            <a:schemeClr val="tx1"/>
+          </a:fontRef>
+        </p:style>
+      </p:cxnSp>
+      <p:sp>
+        <p:nvSpPr>
+          <p:cNvPr id="3" name="TextBox 2"/>
+          <p:cNvSpPr txBox="1"/>
+          <p:nvPr/>
+        </p:nvSpPr>
+        <p:spPr>
+          <a:xfrm>
+            <a:off x="1093419" y="2511449"/>
+            <a:ext cx="7704856" cy="2431435"/>
+          </a:xfrm>
+          <a:prstGeom prst="rect">
+            <a:avLst/>
+          </a:prstGeom>
+          <a:noFill/>
+        </p:spPr>
+        <p:txBody>
+          <a:bodyPr wrap="square" rtlCol="0">
+            <a:spAutoFit/>
+          </a:bodyPr>
+          <a:lstStyle/>
+          <a:p>
+            <a:pPr marL="457200" indent="-457200">
+              <a:buFont typeface="+mj-lt"/>
+              <a:buAutoNum type="arabicPeriod"/>
+            </a:pPr>
+            <a:r>
+              <a:rPr lang="zh-CN" altLang="en-US" sz="3200" dirty="0" smtClean="0"/>
+              <a:t>介绍</a:t>
+            </a:r>
+            <a:r>
+              <a:rPr lang="en-US" altLang="zh-CN" sz="3200" dirty="0" err="1" smtClean="0"/>
+              <a:t>Saas</a:t>
+            </a:r>
+            <a:endParaRPr lang="en-US" altLang="zh-CN" sz="3200" dirty="0" smtClean="0"/>
+          </a:p>
+          <a:p>
+            <a:pPr marL="457200" indent="-457200">
+              <a:buFont typeface="+mj-lt"/>
+              <a:buAutoNum type="arabicPeriod"/>
+            </a:pPr>
+            <a:r>
+              <a:rPr lang="en-US" altLang="zh-CN" sz="3200" dirty="0" err="1" smtClean="0">
+                <a:solidFill>
+                  <a:srgbClr val="FF0000"/>
+                </a:solidFill>
+              </a:rPr>
+              <a:t>Saas</a:t>
+            </a:r>
+            <a:r>
+              <a:rPr lang="zh-CN" altLang="en-US" sz="3200" dirty="0" smtClean="0">
+                <a:solidFill>
+                  <a:srgbClr val="FF0000"/>
+                </a:solidFill>
+              </a:rPr>
+              <a:t>定位及案例</a:t>
+            </a:r>
+            <a:endParaRPr lang="en-US" altLang="zh-CN" sz="3200" dirty="0" smtClean="0">
+              <a:solidFill>
+                <a:srgbClr val="FF0000"/>
+              </a:solidFill>
+            </a:endParaRPr>
+          </a:p>
+          <a:p>
+            <a:pPr marL="457200" indent="-457200">
+              <a:buFont typeface="+mj-lt"/>
+              <a:buAutoNum type="arabicPeriod"/>
+            </a:pPr>
+            <a:r>
+              <a:rPr lang="en-US" altLang="zh-CN" sz="3200" dirty="0" err="1" smtClean="0"/>
+              <a:t>Saas</a:t>
+            </a:r>
+            <a:r>
+              <a:rPr lang="zh-CN" altLang="en-US" sz="3200" dirty="0" smtClean="0"/>
+              <a:t>的坑</a:t>
+            </a:r>
+            <a:endParaRPr lang="en-US" altLang="zh-CN" sz="3200" dirty="0" smtClean="0"/>
+          </a:p>
+          <a:p>
+            <a:pPr marL="457200" indent="-457200">
+              <a:buFont typeface="+mj-lt"/>
+              <a:buAutoNum type="arabicPeriod"/>
+            </a:pPr>
+            <a:r>
+              <a:rPr lang="zh-CN" altLang="en-US" sz="3200" dirty="0" smtClean="0"/>
+              <a:t>如何做</a:t>
+            </a:r>
+            <a:endParaRPr lang="en-US" altLang="zh-CN" sz="3200" dirty="0" smtClean="0"/>
+          </a:p>
+          <a:p>
+            <a:pPr marL="457200" indent="-457200">
+              <a:buFont typeface="+mj-lt"/>
+              <a:buAutoNum type="arabicPeriod"/>
+            </a:pPr>
+            <a:endParaRPr lang="zh-CN" altLang="en-US" dirty="0"/>
+          </a:p>
+        </p:txBody>
+      </p:sp>
+    </p:spTree>
+    <p:extLst>
+      <p:ext uri="{BB962C8B-B14F-4D97-AF65-F5344CB8AC3E}">
+        <p14:creationId xmlns:p14="http://schemas.microsoft.com/office/powerpoint/2010/main" val="210173297"/>
+      </p:ext>
+    </p:extLst>
+  </p:cSld>
+  <p:clrMapOvr>
+    <a:masterClrMapping/>
+  </p:clrMapOvr>
+  <p:timing>
+    <p:tnLst>
+      <p:par>
+        <p:cTn id="1" dur="indefinite" restart="never" nodeType="tmRoot">
+          <p:childTnLst>
+            <p:seq concurrent="1" nextAc="seek">
+              <p:cTn id="2" dur="indefinite" nodeType="mainSeq">
+                <p:childTnLst>
+                  <p:par>
+                    <p:cTn id="3" fill="hold">
+                      <p:stCondLst>
+                        <p:cond delay="indefinite"/>
+                        <p:cond evt="onBegin" delay="0">
+                          <p:tn val="2"/>
+                        </p:cond>
+                      </p:stCondLst>
+                      <p:childTnLst>
+                        <p:par>
+                          <p:cTn id="4" fill="hold">
+                            <p:stCondLst>
+                              <p:cond delay="0"/>
+                            </p:stCondLst>
+                            <p:childTnLst>
+                              <p:par>
+                                <p:cTn id="5" presetID="10" presetClass="entr" presetSubtype="0" fill="hold" grpId="0" nodeType="afterEffect">
+                                  <p:stCondLst>
+                                    <p:cond delay="0"/>
+                                  </p:stCondLst>
+                                  <p:iterate type="lt">
+                                    <p:tmPct val="10000"/>
+                                  </p:iterate>
+                                  <p:childTnLst>
+                                    <p:set>
+                                      <p:cBhvr>
+                                        <p:cTn id="6" dur="1" fill="hold">
+                                          <p:stCondLst>
+                                            <p:cond delay="0"/>
+                                          </p:stCondLst>
+                                        </p:cTn>
+                                        <p:tgtEl>
+                                          <p:spTgt spid="6"/>
+                                        </p:tgtEl>
+                                        <p:attrNameLst>
+                                          <p:attrName>style.visibility</p:attrName>
+                                        </p:attrNameLst>
+                                      </p:cBhvr>
+                                      <p:to>
+                                        <p:strVal val="visible"/>
+                                      </p:to>
+                                    </p:set>
+                                    <p:animEffect transition="in" filter="fade">
+                                      <p:cBhvr>
+                                        <p:cTn id="7" dur="500"/>
+                                        <p:tgtEl>
+                                          <p:spTgt spid="6"/>
+                                        </p:tgtEl>
+                                      </p:cBhvr>
+                                    </p:animEffect>
+                                  </p:childTnLst>
+                                </p:cTn>
+                              </p:par>
+                            </p:childTnLst>
+                          </p:cTn>
+                        </p:par>
+                        <p:par>
+                          <p:cTn id="8" fill="hold">
+                            <p:stCondLst>
+                              <p:cond delay="550"/>
+                            </p:stCondLst>
+                            <p:childTnLst>
+                              <p:par>
+                                <p:cTn id="9" presetID="22" presetClass="entr" presetSubtype="8" fill="hold" nodeType="afterEffect">
+                                  <p:stCondLst>
+                                    <p:cond delay="0"/>
+                                  </p:stCondLst>
+                                  <p:childTnLst>
+                                    <p:set>
+                                      <p:cBhvr>
+                                        <p:cTn id="10" dur="1" fill="hold">
+                                          <p:stCondLst>
+                                            <p:cond delay="0"/>
+                                          </p:stCondLst>
+                                        </p:cTn>
+                                        <p:tgtEl>
+                                          <p:spTgt spid="7"/>
+                                        </p:tgtEl>
+                                        <p:attrNameLst>
+                                          <p:attrName>style.visibility</p:attrName>
+                                        </p:attrNameLst>
+                                      </p:cBhvr>
+                                      <p:to>
+                                        <p:strVal val="visible"/>
+                                      </p:to>
+                                    </p:set>
+                                    <p:animEffect transition="in" filter="wipe(left)">
+                                      <p:cBhvr>
+                                        <p:cTn id="11" dur="1000"/>
+                                        <p:tgtEl>
+                                          <p:spTgt spid="7"/>
+                                        </p:tgtEl>
+                                      </p:cBhvr>
+                                    </p:animEffect>
+                                  </p:childTnLst>
+                                </p:cTn>
+                              </p:par>
+                            </p:childTnLst>
+                          </p:cTn>
+                        </p:par>
+                      </p:childTnLst>
+                    </p:cTn>
+                  </p:par>
+                </p:childTnLst>
+              </p:cTn>
+              <p:prevCondLst>
+                <p:cond evt="onPrev" delay="0">
+                  <p:tgtEl>
+                    <p:sldTgt/>
+                  </p:tgtEl>
+                </p:cond>
+              </p:prevCondLst>
+              <p:nextCondLst>
+                <p:cond evt="onNext" delay="0">
+                  <p:tgtEl>
+                    <p:sldTgt/>
+                  </p:tgtEl>
+                </p:cond>
+              </p:nextCondLst>
+            </p:seq>
+          </p:childTnLst>
+        </p:cTn>
+      </p:par>
+    </p:tnLst>
+    <p:bldLst>
+      <p:bldP spid="6" grpId="0"/>
+    </p:bldLst>
+  </p:timing>
+</p:sld>
+</file>
+
+<file path=ppt/slides/slide7.xml><?xml version="1.0" encoding="utf-8"?>
 <p:sld xmlns:a="http://schemas.openxmlformats.org/drawingml/2006/main" xmlns:r="http://schemas.openxmlformats.org/officeDocument/2006/relationships" xmlns:p="http://schemas.openxmlformats.org/presentationml/2006/main">
   <p:cSld>
     <p:spTree>
@@ -8081,7 +12452,7 @@
 </p:sld>
 </file>
 
-<file path=ppt/slides/slide6.xml><?xml version="1.0" encoding="utf-8"?>
+<file path=ppt/slides/slide8.xml><?xml version="1.0" encoding="utf-8"?>
 <p:sld xmlns:a="http://schemas.openxmlformats.org/drawingml/2006/main" xmlns:r="http://schemas.openxmlformats.org/officeDocument/2006/relationships" xmlns:p="http://schemas.openxmlformats.org/presentationml/2006/main">
   <p:cSld>
     <p:spTree>
@@ -8531,7 +12902,7 @@
 </p:sld>
 </file>
 
-<file path=ppt/slides/slide7.xml><?xml version="1.0" encoding="utf-8"?>
+<file path=ppt/slides/slide9.xml><?xml version="1.0" encoding="utf-8"?>
 <p:sld xmlns:a="http://schemas.openxmlformats.org/drawingml/2006/main" xmlns:r="http://schemas.openxmlformats.org/officeDocument/2006/relationships" xmlns:p="http://schemas.openxmlformats.org/presentationml/2006/main">
   <p:cSld>
     <p:spTree>
@@ -8927,528 +13298,6 @@
     </p:tnLst>
     <p:bldLst>
       <p:bldP spid="8" grpId="0"/>
-    </p:bldLst>
-  </p:timing>
-</p:sld>
-</file>
-
-<file path=ppt/slides/slide8.xml><?xml version="1.0" encoding="utf-8"?>
-<p:sld xmlns:a="http://schemas.openxmlformats.org/drawingml/2006/main" xmlns:r="http://schemas.openxmlformats.org/officeDocument/2006/relationships" xmlns:p="http://schemas.openxmlformats.org/presentationml/2006/main">
-  <p:cSld>
-    <p:spTree>
-      <p:nvGrpSpPr>
-        <p:cNvPr id="1" name=""/>
-        <p:cNvGrpSpPr/>
-        <p:nvPr/>
-      </p:nvGrpSpPr>
-      <p:grpSpPr>
-        <a:xfrm>
-          <a:off x="0" y="0"/>
-          <a:ext cx="0" cy="0"/>
-          <a:chOff x="0" y="0"/>
-          <a:chExt cx="0" cy="0"/>
-        </a:xfrm>
-      </p:grpSpPr>
-      <p:sp>
-        <p:nvSpPr>
-          <p:cNvPr id="6" name="文本框 13"/>
-          <p:cNvSpPr txBox="1"/>
-          <p:nvPr/>
-        </p:nvSpPr>
-        <p:spPr>
-          <a:xfrm>
-            <a:off x="1061214" y="854180"/>
-            <a:ext cx="8681546" cy="801897"/>
-          </a:xfrm>
-          <a:prstGeom prst="rect">
-            <a:avLst/>
-          </a:prstGeom>
-          <a:noFill/>
-        </p:spPr>
-        <p:txBody>
-          <a:bodyPr wrap="square" lIns="123581" tIns="61791" rIns="123581" bIns="61791" rtlCol="0">
-            <a:spAutoFit/>
-          </a:bodyPr>
-          <a:lstStyle/>
-          <a:p>
-            <a:r>
-              <a:rPr lang="zh-CN" altLang="en-US" sz="4400" dirty="0" smtClean="0">
-                <a:solidFill>
-                  <a:srgbClr val="0070C0"/>
-                </a:solidFill>
-                <a:latin typeface="黑体" panose="02010609060101010101" pitchFamily="49" charset="-122"/>
-                <a:ea typeface="黑体" panose="02010609060101010101" pitchFamily="49" charset="-122"/>
-              </a:rPr>
-              <a:t>我们的</a:t>
-            </a:r>
-            <a:r>
-              <a:rPr lang="en-US" altLang="zh-CN" sz="4400" dirty="0" err="1" smtClean="0">
-                <a:solidFill>
-                  <a:srgbClr val="0070C0"/>
-                </a:solidFill>
-                <a:latin typeface="黑体" panose="02010609060101010101" pitchFamily="49" charset="-122"/>
-                <a:ea typeface="黑体" panose="02010609060101010101" pitchFamily="49" charset="-122"/>
-              </a:rPr>
-              <a:t>Saas</a:t>
-            </a:r>
-            <a:r>
-              <a:rPr lang="zh-CN" altLang="en-US" sz="4400" dirty="0" smtClean="0">
-                <a:solidFill>
-                  <a:srgbClr val="0070C0"/>
-                </a:solidFill>
-                <a:latin typeface="黑体" panose="02010609060101010101" pitchFamily="49" charset="-122"/>
-                <a:ea typeface="黑体" panose="02010609060101010101" pitchFamily="49" charset="-122"/>
-              </a:rPr>
-              <a:t>设想</a:t>
-            </a:r>
-            <a:endParaRPr lang="zh-CN" altLang="en-US" sz="4400" dirty="0">
-              <a:solidFill>
-                <a:srgbClr val="0070C0"/>
-              </a:solidFill>
-              <a:latin typeface="黑体" panose="02010609060101010101" pitchFamily="49" charset="-122"/>
-              <a:ea typeface="黑体" panose="02010609060101010101" pitchFamily="49" charset="-122"/>
-            </a:endParaRPr>
-          </a:p>
-        </p:txBody>
-      </p:sp>
-      <p:cxnSp>
-        <p:nvCxnSpPr>
-          <p:cNvPr id="7" name="直接连接符 6"/>
-          <p:cNvCxnSpPr/>
-          <p:nvPr/>
-        </p:nvCxnSpPr>
-        <p:spPr>
-          <a:xfrm>
-            <a:off x="584734" y="2048065"/>
-            <a:ext cx="11367663" cy="0"/>
-          </a:xfrm>
-          <a:prstGeom prst="line">
-            <a:avLst/>
-          </a:prstGeom>
-          <a:ln>
-            <a:solidFill>
-              <a:schemeClr val="tx1">
-                <a:lumMod val="50000"/>
-                <a:lumOff val="50000"/>
-              </a:schemeClr>
-            </a:solidFill>
-          </a:ln>
-        </p:spPr>
-        <p:style>
-          <a:lnRef idx="1">
-            <a:schemeClr val="accent1"/>
-          </a:lnRef>
-          <a:fillRef idx="0">
-            <a:schemeClr val="accent1"/>
-          </a:fillRef>
-          <a:effectRef idx="0">
-            <a:schemeClr val="accent1"/>
-          </a:effectRef>
-          <a:fontRef idx="minor">
-            <a:schemeClr val="tx1"/>
-          </a:fontRef>
-        </p:style>
-      </p:cxnSp>
-    </p:spTree>
-    <p:extLst>
-      <p:ext uri="{BB962C8B-B14F-4D97-AF65-F5344CB8AC3E}">
-        <p14:creationId xmlns:p14="http://schemas.microsoft.com/office/powerpoint/2010/main" val="3703982820"/>
-      </p:ext>
-    </p:extLst>
-  </p:cSld>
-  <p:clrMapOvr>
-    <a:masterClrMapping/>
-  </p:clrMapOvr>
-  <p:timing>
-    <p:tnLst>
-      <p:par>
-        <p:cTn id="1" dur="indefinite" restart="never" nodeType="tmRoot">
-          <p:childTnLst>
-            <p:seq concurrent="1" nextAc="seek">
-              <p:cTn id="2" dur="indefinite" nodeType="mainSeq">
-                <p:childTnLst>
-                  <p:par>
-                    <p:cTn id="3" fill="hold">
-                      <p:stCondLst>
-                        <p:cond delay="indefinite"/>
-                        <p:cond evt="onBegin" delay="0">
-                          <p:tn val="2"/>
-                        </p:cond>
-                      </p:stCondLst>
-                      <p:childTnLst>
-                        <p:par>
-                          <p:cTn id="4" fill="hold">
-                            <p:stCondLst>
-                              <p:cond delay="0"/>
-                            </p:stCondLst>
-                            <p:childTnLst>
-                              <p:par>
-                                <p:cTn id="5" presetID="10" presetClass="entr" presetSubtype="0" fill="hold" grpId="0" nodeType="afterEffect">
-                                  <p:stCondLst>
-                                    <p:cond delay="0"/>
-                                  </p:stCondLst>
-                                  <p:iterate type="lt">
-                                    <p:tmPct val="10000"/>
-                                  </p:iterate>
-                                  <p:childTnLst>
-                                    <p:set>
-                                      <p:cBhvr>
-                                        <p:cTn id="6" dur="1" fill="hold">
-                                          <p:stCondLst>
-                                            <p:cond delay="0"/>
-                                          </p:stCondLst>
-                                        </p:cTn>
-                                        <p:tgtEl>
-                                          <p:spTgt spid="6"/>
-                                        </p:tgtEl>
-                                        <p:attrNameLst>
-                                          <p:attrName>style.visibility</p:attrName>
-                                        </p:attrNameLst>
-                                      </p:cBhvr>
-                                      <p:to>
-                                        <p:strVal val="visible"/>
-                                      </p:to>
-                                    </p:set>
-                                    <p:animEffect transition="in" filter="fade">
-                                      <p:cBhvr>
-                                        <p:cTn id="7" dur="500"/>
-                                        <p:tgtEl>
-                                          <p:spTgt spid="6"/>
-                                        </p:tgtEl>
-                                      </p:cBhvr>
-                                    </p:animEffect>
-                                  </p:childTnLst>
-                                </p:cTn>
-                              </p:par>
-                            </p:childTnLst>
-                          </p:cTn>
-                        </p:par>
-                        <p:par>
-                          <p:cTn id="8" fill="hold">
-                            <p:stCondLst>
-                              <p:cond delay="900"/>
-                            </p:stCondLst>
-                            <p:childTnLst>
-                              <p:par>
-                                <p:cTn id="9" presetID="22" presetClass="entr" presetSubtype="8" fill="hold" nodeType="afterEffect">
-                                  <p:stCondLst>
-                                    <p:cond delay="0"/>
-                                  </p:stCondLst>
-                                  <p:childTnLst>
-                                    <p:set>
-                                      <p:cBhvr>
-                                        <p:cTn id="10" dur="1" fill="hold">
-                                          <p:stCondLst>
-                                            <p:cond delay="0"/>
-                                          </p:stCondLst>
-                                        </p:cTn>
-                                        <p:tgtEl>
-                                          <p:spTgt spid="7"/>
-                                        </p:tgtEl>
-                                        <p:attrNameLst>
-                                          <p:attrName>style.visibility</p:attrName>
-                                        </p:attrNameLst>
-                                      </p:cBhvr>
-                                      <p:to>
-                                        <p:strVal val="visible"/>
-                                      </p:to>
-                                    </p:set>
-                                    <p:animEffect transition="in" filter="wipe(left)">
-                                      <p:cBhvr>
-                                        <p:cTn id="11" dur="1000"/>
-                                        <p:tgtEl>
-                                          <p:spTgt spid="7"/>
-                                        </p:tgtEl>
-                                      </p:cBhvr>
-                                    </p:animEffect>
-                                  </p:childTnLst>
-                                </p:cTn>
-                              </p:par>
-                            </p:childTnLst>
-                          </p:cTn>
-                        </p:par>
-                      </p:childTnLst>
-                    </p:cTn>
-                  </p:par>
-                </p:childTnLst>
-              </p:cTn>
-              <p:prevCondLst>
-                <p:cond evt="onPrev" delay="0">
-                  <p:tgtEl>
-                    <p:sldTgt/>
-                  </p:tgtEl>
-                </p:cond>
-              </p:prevCondLst>
-              <p:nextCondLst>
-                <p:cond evt="onNext" delay="0">
-                  <p:tgtEl>
-                    <p:sldTgt/>
-                  </p:tgtEl>
-                </p:cond>
-              </p:nextCondLst>
-            </p:seq>
-          </p:childTnLst>
-        </p:cTn>
-      </p:par>
-    </p:tnLst>
-    <p:bldLst>
-      <p:bldP spid="6" grpId="0"/>
-    </p:bldLst>
-  </p:timing>
-</p:sld>
-</file>
-
-<file path=ppt/slides/slide9.xml><?xml version="1.0" encoding="utf-8"?>
-<p:sld xmlns:a="http://schemas.openxmlformats.org/drawingml/2006/main" xmlns:r="http://schemas.openxmlformats.org/officeDocument/2006/relationships" xmlns:p="http://schemas.openxmlformats.org/presentationml/2006/main">
-  <p:cSld>
-    <p:spTree>
-      <p:nvGrpSpPr>
-        <p:cNvPr id="1" name=""/>
-        <p:cNvGrpSpPr/>
-        <p:nvPr/>
-      </p:nvGrpSpPr>
-      <p:grpSpPr>
-        <a:xfrm>
-          <a:off x="0" y="0"/>
-          <a:ext cx="0" cy="0"/>
-          <a:chOff x="0" y="0"/>
-          <a:chExt cx="0" cy="0"/>
-        </a:xfrm>
-      </p:grpSpPr>
-      <p:sp>
-        <p:nvSpPr>
-          <p:cNvPr id="6" name="文本框 13"/>
-          <p:cNvSpPr txBox="1"/>
-          <p:nvPr/>
-        </p:nvSpPr>
-        <p:spPr>
-          <a:xfrm>
-            <a:off x="1061214" y="854180"/>
-            <a:ext cx="8681546" cy="801897"/>
-          </a:xfrm>
-          <a:prstGeom prst="rect">
-            <a:avLst/>
-          </a:prstGeom>
-          <a:noFill/>
-        </p:spPr>
-        <p:txBody>
-          <a:bodyPr wrap="square" lIns="123581" tIns="61791" rIns="123581" bIns="61791" rtlCol="0">
-            <a:spAutoFit/>
-          </a:bodyPr>
-          <a:lstStyle/>
-          <a:p>
-            <a:r>
-              <a:rPr lang="en-US" altLang="zh-CN" sz="4400" dirty="0" err="1" smtClean="0">
-                <a:solidFill>
-                  <a:srgbClr val="0070C0"/>
-                </a:solidFill>
-                <a:latin typeface="黑体" panose="02010609060101010101" pitchFamily="49" charset="-122"/>
-                <a:ea typeface="黑体" panose="02010609060101010101" pitchFamily="49" charset="-122"/>
-              </a:rPr>
-              <a:t>Saas</a:t>
-            </a:r>
-            <a:r>
-              <a:rPr lang="zh-CN" altLang="en-US" sz="4400" dirty="0" smtClean="0">
-                <a:solidFill>
-                  <a:srgbClr val="0070C0"/>
-                </a:solidFill>
-                <a:latin typeface="黑体" panose="02010609060101010101" pitchFamily="49" charset="-122"/>
-                <a:ea typeface="黑体" panose="02010609060101010101" pitchFamily="49" charset="-122"/>
-              </a:rPr>
-              <a:t>要做哪些？</a:t>
-            </a:r>
-            <a:endParaRPr lang="zh-CN" altLang="en-US" sz="4400" dirty="0">
-              <a:solidFill>
-                <a:srgbClr val="0070C0"/>
-              </a:solidFill>
-              <a:latin typeface="黑体" panose="02010609060101010101" pitchFamily="49" charset="-122"/>
-              <a:ea typeface="黑体" panose="02010609060101010101" pitchFamily="49" charset="-122"/>
-            </a:endParaRPr>
-          </a:p>
-        </p:txBody>
-      </p:sp>
-      <p:cxnSp>
-        <p:nvCxnSpPr>
-          <p:cNvPr id="7" name="直接连接符 6"/>
-          <p:cNvCxnSpPr/>
-          <p:nvPr/>
-        </p:nvCxnSpPr>
-        <p:spPr>
-          <a:xfrm>
-            <a:off x="584734" y="2048065"/>
-            <a:ext cx="11367663" cy="0"/>
-          </a:xfrm>
-          <a:prstGeom prst="line">
-            <a:avLst/>
-          </a:prstGeom>
-          <a:ln>
-            <a:solidFill>
-              <a:schemeClr val="tx1">
-                <a:lumMod val="50000"/>
-                <a:lumOff val="50000"/>
-              </a:schemeClr>
-            </a:solidFill>
-          </a:ln>
-        </p:spPr>
-        <p:style>
-          <a:lnRef idx="1">
-            <a:schemeClr val="accent1"/>
-          </a:lnRef>
-          <a:fillRef idx="0">
-            <a:schemeClr val="accent1"/>
-          </a:fillRef>
-          <a:effectRef idx="0">
-            <a:schemeClr val="accent1"/>
-          </a:effectRef>
-          <a:fontRef idx="minor">
-            <a:schemeClr val="tx1"/>
-          </a:fontRef>
-        </p:style>
-      </p:cxnSp>
-    </p:spTree>
-    <p:extLst>
-      <p:ext uri="{BB962C8B-B14F-4D97-AF65-F5344CB8AC3E}">
-        <p14:creationId xmlns:p14="http://schemas.microsoft.com/office/powerpoint/2010/main" val="1882629828"/>
-      </p:ext>
-    </p:extLst>
-  </p:cSld>
-  <p:clrMapOvr>
-    <a:masterClrMapping/>
-  </p:clrMapOvr>
-  <p:timing>
-    <p:tnLst>
-      <p:par>
-        <p:cTn id="1" dur="indefinite" restart="never" nodeType="tmRoot">
-          <p:childTnLst>
-            <p:seq concurrent="1" nextAc="seek">
-              <p:cTn id="2" dur="indefinite" nodeType="mainSeq">
-                <p:childTnLst>
-                  <p:par>
-                    <p:cTn id="3" fill="hold">
-                      <p:stCondLst>
-                        <p:cond delay="indefinite"/>
-                        <p:cond evt="onBegin" delay="0">
-                          <p:tn val="2"/>
-                        </p:cond>
-                      </p:stCondLst>
-                      <p:childTnLst>
-                        <p:par>
-                          <p:cTn id="4" fill="hold">
-                            <p:stCondLst>
-                              <p:cond delay="0"/>
-                            </p:stCondLst>
-                            <p:childTnLst>
-                              <p:par>
-                                <p:cTn id="5" presetID="10" presetClass="entr" presetSubtype="0" fill="hold" grpId="0" nodeType="afterEffect">
-                                  <p:stCondLst>
-                                    <p:cond delay="0"/>
-                                  </p:stCondLst>
-                                  <p:iterate type="lt">
-                                    <p:tmPct val="10000"/>
-                                  </p:iterate>
-                                  <p:childTnLst>
-                                    <p:set>
-                                      <p:cBhvr>
-                                        <p:cTn id="6" dur="1" fill="hold">
-                                          <p:stCondLst>
-                                            <p:cond delay="0"/>
-                                          </p:stCondLst>
-                                        </p:cTn>
-                                        <p:tgtEl>
-                                          <p:spTgt spid="6"/>
-                                        </p:tgtEl>
-                                        <p:attrNameLst>
-                                          <p:attrName>style.visibility</p:attrName>
-                                        </p:attrNameLst>
-                                      </p:cBhvr>
-                                      <p:to>
-                                        <p:strVal val="visible"/>
-                                      </p:to>
-                                    </p:set>
-                                    <p:animEffect transition="in" filter="fade">
-                                      <p:cBhvr>
-                                        <p:cTn id="7" dur="500"/>
-                                        <p:tgtEl>
-                                          <p:spTgt spid="6"/>
-                                        </p:tgtEl>
-                                      </p:cBhvr>
-                                    </p:animEffect>
-                                  </p:childTnLst>
-                                </p:cTn>
-                              </p:par>
-                            </p:childTnLst>
-                          </p:cTn>
-                        </p:par>
-                        <p:par>
-                          <p:cTn id="8" fill="hold">
-                            <p:stCondLst>
-                              <p:cond delay="900"/>
-                            </p:stCondLst>
-                            <p:childTnLst>
-                              <p:par>
-                                <p:cTn id="9" presetID="22" presetClass="entr" presetSubtype="8" fill="hold" nodeType="afterEffect">
-                                  <p:stCondLst>
-                                    <p:cond delay="0"/>
-                                  </p:stCondLst>
-                                  <p:childTnLst>
-                                    <p:set>
-                                      <p:cBhvr>
-                                        <p:cTn id="10" dur="1" fill="hold">
-                                          <p:stCondLst>
-                                            <p:cond delay="0"/>
-                                          </p:stCondLst>
-                                        </p:cTn>
-                                        <p:tgtEl>
-                                          <p:spTgt spid="7"/>
-                                        </p:tgtEl>
-                                        <p:attrNameLst>
-                                          <p:attrName>style.visibility</p:attrName>
-                                        </p:attrNameLst>
-                                      </p:cBhvr>
-                                      <p:to>
-                                        <p:strVal val="visible"/>
-                                      </p:to>
-                                    </p:set>
-                                    <p:animEffect transition="in" filter="wipe(left)">
-                                      <p:cBhvr>
-                                        <p:cTn id="11" dur="1000"/>
-                                        <p:tgtEl>
-                                          <p:spTgt spid="7"/>
-                                        </p:tgtEl>
-                                      </p:cBhvr>
-                                    </p:animEffect>
-                                  </p:childTnLst>
-                                </p:cTn>
-                              </p:par>
-                            </p:childTnLst>
-                          </p:cTn>
-                        </p:par>
-                      </p:childTnLst>
-                    </p:cTn>
-                  </p:par>
-                </p:childTnLst>
-              </p:cTn>
-              <p:prevCondLst>
-                <p:cond evt="onPrev" delay="0">
-                  <p:tgtEl>
-                    <p:sldTgt/>
-                  </p:tgtEl>
-                </p:cond>
-              </p:prevCondLst>
-              <p:nextCondLst>
-                <p:cond evt="onNext" delay="0">
-                  <p:tgtEl>
-                    <p:sldTgt/>
-                  </p:tgtEl>
-                </p:cond>
-              </p:nextCondLst>
-            </p:seq>
-          </p:childTnLst>
-        </p:cTn>
-      </p:par>
-    </p:tnLst>
-    <p:bldLst>
-      <p:bldP spid="6" grpId="0"/>
     </p:bldLst>
   </p:timing>
 </p:sld>

--- a/c云服务架构/Saas架构设计.pptx
+++ b/c云服务架构/Saas架构设计.pptx
@@ -209,7 +209,7 @@
           <a:p>
             <a:fld id="{FCF34936-9BE8-4133-A782-55B70958D9F1}" type="datetimeFigureOut">
               <a:rPr lang="zh-CN" altLang="en-US" smtClean="0"/>
-              <a:t>2017/4/7</a:t>
+              <a:t>2017/4/8</a:t>
             </a:fld>
             <a:endParaRPr lang="zh-CN" altLang="en-US"/>
           </a:p>
@@ -2589,7 +2589,7 @@
           <a:p>
             <a:fld id="{A9A3A160-64B0-433E-876E-E206ABB7688A}" type="datetimeFigureOut">
               <a:rPr lang="zh-CN" altLang="en-US" smtClean="0"/>
-              <a:t>2017/4/7</a:t>
+              <a:t>2017/4/8</a:t>
             </a:fld>
             <a:endParaRPr lang="zh-CN" altLang="en-US"/>
           </a:p>
@@ -2801,7 +2801,7 @@
           <a:p>
             <a:fld id="{A9A3A160-64B0-433E-876E-E206ABB7688A}" type="datetimeFigureOut">
               <a:rPr lang="zh-CN" altLang="en-US" smtClean="0"/>
-              <a:t>2017/4/7</a:t>
+              <a:t>2017/4/8</a:t>
             </a:fld>
             <a:endParaRPr lang="zh-CN" altLang="en-US"/>
           </a:p>
@@ -2988,7 +2988,7 @@
           <a:p>
             <a:fld id="{A9A3A160-64B0-433E-876E-E206ABB7688A}" type="datetimeFigureOut">
               <a:rPr lang="zh-CN" altLang="en-US" smtClean="0"/>
-              <a:t>2017/4/7</a:t>
+              <a:t>2017/4/8</a:t>
             </a:fld>
             <a:endParaRPr lang="zh-CN" altLang="en-US"/>
           </a:p>
@@ -3085,7 +3085,7 @@
           <a:p>
             <a:fld id="{A9A3A160-64B0-433E-876E-E206ABB7688A}" type="datetimeFigureOut">
               <a:rPr lang="zh-CN" altLang="en-US" smtClean="0"/>
-              <a:t>2017/4/7</a:t>
+              <a:t>2017/4/8</a:t>
             </a:fld>
             <a:endParaRPr lang="zh-CN" altLang="en-US"/>
           </a:p>
@@ -3681,7 +3681,7 @@
           <a:p>
             <a:fld id="{A9A3A160-64B0-433E-876E-E206ABB7688A}" type="datetimeFigureOut">
               <a:rPr lang="zh-CN" altLang="en-US" smtClean="0"/>
-              <a:t>2017/4/7</a:t>
+              <a:t>2017/4/8</a:t>
             </a:fld>
             <a:endParaRPr lang="zh-CN" altLang="en-US"/>
           </a:p>
@@ -3778,7 +3778,7 @@
           <a:p>
             <a:fld id="{A9A3A160-64B0-433E-876E-E206ABB7688A}" type="datetimeFigureOut">
               <a:rPr lang="zh-CN" altLang="en-US" smtClean="0"/>
-              <a:t>2017/4/7</a:t>
+              <a:t>2017/4/8</a:t>
             </a:fld>
             <a:endParaRPr lang="zh-CN" altLang="en-US"/>
           </a:p>
@@ -4383,7 +4383,7 @@
           <a:p>
             <a:fld id="{A9A3A160-64B0-433E-876E-E206ABB7688A}" type="datetimeFigureOut">
               <a:rPr lang="zh-CN" altLang="en-US" smtClean="0"/>
-              <a:t>2017/4/7</a:t>
+              <a:t>2017/4/8</a:t>
             </a:fld>
             <a:endParaRPr lang="zh-CN" altLang="en-US"/>
           </a:p>
@@ -4526,7 +4526,7 @@
           <a:p>
             <a:fld id="{A9A3A160-64B0-433E-876E-E206ABB7688A}" type="datetimeFigureOut">
               <a:rPr lang="zh-CN" altLang="en-US" smtClean="0"/>
-              <a:t>2017/4/7</a:t>
+              <a:t>2017/4/8</a:t>
             </a:fld>
             <a:endParaRPr lang="zh-CN" altLang="en-US"/>
           </a:p>
@@ -4623,7 +4623,7 @@
           <a:p>
             <a:fld id="{A9A3A160-64B0-433E-876E-E206ABB7688A}" type="datetimeFigureOut">
               <a:rPr lang="zh-CN" altLang="en-US" smtClean="0"/>
-              <a:t>2017/4/7</a:t>
+              <a:t>2017/4/8</a:t>
             </a:fld>
             <a:endParaRPr lang="zh-CN" altLang="en-US"/>
           </a:p>
@@ -4907,7 +4907,7 @@
           <a:p>
             <a:fld id="{A9A3A160-64B0-433E-876E-E206ABB7688A}" type="datetimeFigureOut">
               <a:rPr lang="zh-CN" altLang="en-US" smtClean="0"/>
-              <a:t>2017/4/7</a:t>
+              <a:t>2017/4/8</a:t>
             </a:fld>
             <a:endParaRPr lang="zh-CN" altLang="en-US"/>
           </a:p>
@@ -5429,7 +5429,7 @@
           <a:p>
             <a:fld id="{A9A3A160-64B0-433E-876E-E206ABB7688A}" type="datetimeFigureOut">
               <a:rPr lang="zh-CN" altLang="en-US" smtClean="0"/>
-              <a:t>2017/4/7</a:t>
+              <a:t>2017/4/8</a:t>
             </a:fld>
             <a:endParaRPr lang="zh-CN" altLang="en-US"/>
           </a:p>
@@ -5949,7 +5949,7 @@
           <a:p>
             <a:fld id="{A9A3A160-64B0-433E-876E-E206ABB7688A}" type="datetimeFigureOut">
               <a:rPr lang="zh-CN" altLang="en-US" smtClean="0"/>
-              <a:t>2017/4/7</a:t>
+              <a:t>2017/4/8</a:t>
             </a:fld>
             <a:endParaRPr lang="zh-CN" altLang="en-US"/>
           </a:p>
@@ -12133,7 +12133,7 @@
         </p:nvSpPr>
         <p:spPr>
           <a:xfrm>
-            <a:off x="1173808" y="6399882"/>
+            <a:off x="1232505" y="5761559"/>
             <a:ext cx="3073470" cy="461665"/>
           </a:xfrm>
           <a:prstGeom prst="rect">
@@ -12198,7 +12198,7 @@
         </p:blipFill>
         <p:spPr bwMode="auto">
           <a:xfrm>
-            <a:off x="1310368" y="5031730"/>
+            <a:off x="1310368" y="4917430"/>
             <a:ext cx="2800350" cy="590550"/>
           </a:xfrm>
           <a:prstGeom prst="rect">
@@ -12262,7 +12262,7 @@
         </p:blipFill>
         <p:spPr bwMode="auto">
           <a:xfrm>
-            <a:off x="5186680" y="5031730"/>
+            <a:off x="5050463" y="4910747"/>
             <a:ext cx="1257300" cy="476250"/>
           </a:xfrm>
           <a:prstGeom prst="rect">
@@ -12303,6 +12303,67 @@
           </a:extLst>
         </p:spPr>
       </p:pic>
+      <p:sp>
+        <p:nvSpPr>
+          <p:cNvPr id="3" name="TextBox 2"/>
+          <p:cNvSpPr txBox="1"/>
+          <p:nvPr/>
+        </p:nvSpPr>
+        <p:spPr>
+          <a:xfrm>
+            <a:off x="1232505" y="6903938"/>
+            <a:ext cx="8779968" cy="461665"/>
+          </a:xfrm>
+          <a:prstGeom prst="rect">
+            <a:avLst/>
+          </a:prstGeom>
+          <a:noFill/>
+        </p:spPr>
+        <p:txBody>
+          <a:bodyPr wrap="none" rtlCol="0">
+            <a:spAutoFit/>
+          </a:bodyPr>
+          <a:lstStyle/>
+          <a:p>
+            <a:r>
+              <a:rPr lang="zh-CN" altLang="en-US" dirty="0"/>
+              <a:t>金蝶友商</a:t>
+            </a:r>
+            <a:r>
+              <a:rPr lang="zh-CN" altLang="en-US" dirty="0" smtClean="0"/>
+              <a:t>网、用友（</a:t>
+            </a:r>
+            <a:r>
+              <a:rPr lang="en-US" altLang="zh-CN" dirty="0" err="1" smtClean="0"/>
+              <a:t>yonyou</a:t>
+            </a:r>
+            <a:r>
+              <a:rPr lang="zh-CN" altLang="en-US" dirty="0" smtClean="0"/>
+              <a:t>）、</a:t>
+            </a:r>
+            <a:r>
+              <a:rPr lang="en-US" altLang="zh-CN" dirty="0" err="1" smtClean="0"/>
+              <a:t>gleasy</a:t>
+            </a:r>
+            <a:r>
+              <a:rPr lang="zh-CN" altLang="en-US" dirty="0" smtClean="0"/>
+              <a:t>云、致</a:t>
+            </a:r>
+            <a:r>
+              <a:rPr lang="zh-CN" altLang="en-US" dirty="0"/>
+              <a:t>远</a:t>
+            </a:r>
+            <a:r>
+              <a:rPr lang="zh-CN" altLang="en-US" dirty="0" smtClean="0"/>
+              <a:t>互联、纷</a:t>
+            </a:r>
+            <a:r>
+              <a:rPr lang="zh-CN" altLang="en-US" dirty="0"/>
+              <a:t>享销客</a:t>
+            </a:r>
+          </a:p>
+        </p:txBody>
+      </p:sp>
     </p:spTree>
     <p:extLst>
       <p:ext uri="{BB962C8B-B14F-4D97-AF65-F5344CB8AC3E}">
